--- a/devops-presentations/leadley-presentation-5.2.pptx
+++ b/devops-presentations/leadley-presentation-5.2.pptx
@@ -1,46 +1,46 @@
 
 <file path=ppt/presentation.xml><?xml version="1.0" encoding="utf-8"?>
-<p:presentation xmlns:a="http://schemas.openxmlformats.org/drawingml/2006/main" xmlns:r="http://schemas.openxmlformats.org/officeDocument/2006/relationships" xmlns:mc="http://schemas.openxmlformats.org/markup-compatibility/2006" xmlns:mv="urn:schemas-microsoft-com:mac:vml" xmlns:p="http://schemas.openxmlformats.org/presentationml/2006/main" xmlns:c="http://schemas.openxmlformats.org/drawingml/2006/chart" xmlns:dgm="http://schemas.openxmlformats.org/drawingml/2006/diagram" xmlns:o="urn:schemas-microsoft-com:office:office" xmlns:v="urn:schemas-microsoft-com:vml" xmlns:pvml="urn:schemas-microsoft-com:office:powerpoint" xmlns:com="http://schemas.openxmlformats.org/drawingml/2006/compatibility" xmlns:p14="http://schemas.microsoft.com/office/powerpoint/2010/main" xmlns:p15="http://schemas.microsoft.com/office/powerpoint/2012/main" autoCompressPictures="0" embedTrueTypeFonts="1" strictFirstAndLastChars="0" saveSubsetFonts="1">
+<p:presentation xmlns:a="http://schemas.openxmlformats.org/drawingml/2006/main" xmlns:r="http://schemas.openxmlformats.org/officeDocument/2006/relationships" xmlns:p="http://schemas.openxmlformats.org/presentationml/2006/main" strictFirstAndLastChars="0" embedTrueTypeFonts="1" saveSubsetFonts="1" autoCompressPictures="0">
   <p:sldMasterIdLst>
-    <p:sldMasterId id="2147483659" r:id="rId4"/>
+    <p:sldMasterId id="2147483659" r:id="rId1"/>
   </p:sldMasterIdLst>
   <p:notesMasterIdLst>
-    <p:notesMasterId r:id="rId5"/>
+    <p:notesMasterId r:id="rId14"/>
   </p:notesMasterIdLst>
   <p:sldIdLst>
-    <p:sldId id="256" r:id="rId6"/>
-    <p:sldId id="257" r:id="rId7"/>
-    <p:sldId id="258" r:id="rId8"/>
-    <p:sldId id="259" r:id="rId9"/>
-    <p:sldId id="260" r:id="rId10"/>
-    <p:sldId id="261" r:id="rId11"/>
-    <p:sldId id="262" r:id="rId12"/>
-    <p:sldId id="263" r:id="rId13"/>
-    <p:sldId id="264" r:id="rId14"/>
-    <p:sldId id="265" r:id="rId15"/>
-    <p:sldId id="266" r:id="rId16"/>
-    <p:sldId id="267" r:id="rId17"/>
+    <p:sldId id="256" r:id="rId2"/>
+    <p:sldId id="257" r:id="rId3"/>
+    <p:sldId id="258" r:id="rId4"/>
+    <p:sldId id="259" r:id="rId5"/>
+    <p:sldId id="260" r:id="rId6"/>
+    <p:sldId id="261" r:id="rId7"/>
+    <p:sldId id="262" r:id="rId8"/>
+    <p:sldId id="263" r:id="rId9"/>
+    <p:sldId id="264" r:id="rId10"/>
+    <p:sldId id="265" r:id="rId11"/>
+    <p:sldId id="266" r:id="rId12"/>
+    <p:sldId id="267" r:id="rId13"/>
   </p:sldIdLst>
-  <p:sldSz cy="5143500" cx="9144000"/>
+  <p:sldSz cx="9144000" cy="5143500" type="screen16x9"/>
   <p:notesSz cx="6858000" cy="9144000"/>
   <p:embeddedFontLst>
     <p:embeddedFont>
-      <p:font typeface="Montserrat"/>
-      <p:regular r:id="rId18"/>
-      <p:bold r:id="rId19"/>
-      <p:italic r:id="rId20"/>
-      <p:boldItalic r:id="rId21"/>
+      <p:font typeface="Lato" panose="020B0604020202020204" charset="0"/>
+      <p:regular r:id="rId15"/>
+      <p:bold r:id="rId16"/>
+      <p:italic r:id="rId17"/>
+      <p:boldItalic r:id="rId18"/>
     </p:embeddedFont>
     <p:embeddedFont>
-      <p:font typeface="Lato"/>
-      <p:regular r:id="rId22"/>
-      <p:bold r:id="rId23"/>
-      <p:italic r:id="rId24"/>
-      <p:boldItalic r:id="rId25"/>
+      <p:font typeface="Montserrat" panose="020B0604020202020204" charset="0"/>
+      <p:regular r:id="rId19"/>
+      <p:bold r:id="rId20"/>
+      <p:italic r:id="rId21"/>
+      <p:boldItalic r:id="rId22"/>
     </p:embeddedFont>
   </p:embeddedFontLst>
   <p:defaultTextStyle>
-    <a:defPPr lvl="0" marR="0" rtl="0" algn="l">
+    <a:defPPr marR="0" lvl="0" algn="l" rtl="0">
       <a:lnSpc>
         <a:spcPct val="100000"/>
       </a:lnSpc>
@@ -51,7 +51,7 @@
         <a:spcPts val="0"/>
       </a:spcAft>
     </a:defPPr>
-    <a:lvl1pPr lvl="0" marR="0" rtl="0" algn="l">
+    <a:lvl1pPr marR="0" lvl="0" algn="l" rtl="0">
       <a:lnSpc>
         <a:spcPct val="100000"/>
       </a:lnSpc>
@@ -65,7 +65,7 @@
         <a:srgbClr val="000000"/>
       </a:buClr>
       <a:buFont typeface="Arial"/>
-      <a:defRPr b="0" i="0" sz="1400" u="none" cap="none" strike="noStrike">
+      <a:defRPr sz="1400" b="0" i="0" u="none" strike="noStrike" cap="none">
         <a:solidFill>
           <a:srgbClr val="000000"/>
         </a:solidFill>
@@ -75,7 +75,7 @@
         <a:sym typeface="Arial"/>
       </a:defRPr>
     </a:lvl1pPr>
-    <a:lvl2pPr lvl="1" marR="0" rtl="0" algn="l">
+    <a:lvl2pPr marR="0" lvl="1" algn="l" rtl="0">
       <a:lnSpc>
         <a:spcPct val="100000"/>
       </a:lnSpc>
@@ -89,7 +89,7 @@
         <a:srgbClr val="000000"/>
       </a:buClr>
       <a:buFont typeface="Arial"/>
-      <a:defRPr b="0" i="0" sz="1400" u="none" cap="none" strike="noStrike">
+      <a:defRPr sz="1400" b="0" i="0" u="none" strike="noStrike" cap="none">
         <a:solidFill>
           <a:srgbClr val="000000"/>
         </a:solidFill>
@@ -99,7 +99,7 @@
         <a:sym typeface="Arial"/>
       </a:defRPr>
     </a:lvl2pPr>
-    <a:lvl3pPr lvl="2" marR="0" rtl="0" algn="l">
+    <a:lvl3pPr marR="0" lvl="2" algn="l" rtl="0">
       <a:lnSpc>
         <a:spcPct val="100000"/>
       </a:lnSpc>
@@ -113,7 +113,7 @@
         <a:srgbClr val="000000"/>
       </a:buClr>
       <a:buFont typeface="Arial"/>
-      <a:defRPr b="0" i="0" sz="1400" u="none" cap="none" strike="noStrike">
+      <a:defRPr sz="1400" b="0" i="0" u="none" strike="noStrike" cap="none">
         <a:solidFill>
           <a:srgbClr val="000000"/>
         </a:solidFill>
@@ -123,7 +123,7 @@
         <a:sym typeface="Arial"/>
       </a:defRPr>
     </a:lvl3pPr>
-    <a:lvl4pPr lvl="3" marR="0" rtl="0" algn="l">
+    <a:lvl4pPr marR="0" lvl="3" algn="l" rtl="0">
       <a:lnSpc>
         <a:spcPct val="100000"/>
       </a:lnSpc>
@@ -137,7 +137,7 @@
         <a:srgbClr val="000000"/>
       </a:buClr>
       <a:buFont typeface="Arial"/>
-      <a:defRPr b="0" i="0" sz="1400" u="none" cap="none" strike="noStrike">
+      <a:defRPr sz="1400" b="0" i="0" u="none" strike="noStrike" cap="none">
         <a:solidFill>
           <a:srgbClr val="000000"/>
         </a:solidFill>
@@ -147,7 +147,7 @@
         <a:sym typeface="Arial"/>
       </a:defRPr>
     </a:lvl4pPr>
-    <a:lvl5pPr lvl="4" marR="0" rtl="0" algn="l">
+    <a:lvl5pPr marR="0" lvl="4" algn="l" rtl="0">
       <a:lnSpc>
         <a:spcPct val="100000"/>
       </a:lnSpc>
@@ -161,7 +161,7 @@
         <a:srgbClr val="000000"/>
       </a:buClr>
       <a:buFont typeface="Arial"/>
-      <a:defRPr b="0" i="0" sz="1400" u="none" cap="none" strike="noStrike">
+      <a:defRPr sz="1400" b="0" i="0" u="none" strike="noStrike" cap="none">
         <a:solidFill>
           <a:srgbClr val="000000"/>
         </a:solidFill>
@@ -171,7 +171,7 @@
         <a:sym typeface="Arial"/>
       </a:defRPr>
     </a:lvl5pPr>
-    <a:lvl6pPr lvl="5" marR="0" rtl="0" algn="l">
+    <a:lvl6pPr marR="0" lvl="5" algn="l" rtl="0">
       <a:lnSpc>
         <a:spcPct val="100000"/>
       </a:lnSpc>
@@ -185,7 +185,7 @@
         <a:srgbClr val="000000"/>
       </a:buClr>
       <a:buFont typeface="Arial"/>
-      <a:defRPr b="0" i="0" sz="1400" u="none" cap="none" strike="noStrike">
+      <a:defRPr sz="1400" b="0" i="0" u="none" strike="noStrike" cap="none">
         <a:solidFill>
           <a:srgbClr val="000000"/>
         </a:solidFill>
@@ -195,7 +195,7 @@
         <a:sym typeface="Arial"/>
       </a:defRPr>
     </a:lvl6pPr>
-    <a:lvl7pPr lvl="6" marR="0" rtl="0" algn="l">
+    <a:lvl7pPr marR="0" lvl="6" algn="l" rtl="0">
       <a:lnSpc>
         <a:spcPct val="100000"/>
       </a:lnSpc>
@@ -209,7 +209,7 @@
         <a:srgbClr val="000000"/>
       </a:buClr>
       <a:buFont typeface="Arial"/>
-      <a:defRPr b="0" i="0" sz="1400" u="none" cap="none" strike="noStrike">
+      <a:defRPr sz="1400" b="0" i="0" u="none" strike="noStrike" cap="none">
         <a:solidFill>
           <a:srgbClr val="000000"/>
         </a:solidFill>
@@ -219,7 +219,7 @@
         <a:sym typeface="Arial"/>
       </a:defRPr>
     </a:lvl7pPr>
-    <a:lvl8pPr lvl="7" marR="0" rtl="0" algn="l">
+    <a:lvl8pPr marR="0" lvl="7" algn="l" rtl="0">
       <a:lnSpc>
         <a:spcPct val="100000"/>
       </a:lnSpc>
@@ -233,7 +233,7 @@
         <a:srgbClr val="000000"/>
       </a:buClr>
       <a:buFont typeface="Arial"/>
-      <a:defRPr b="0" i="0" sz="1400" u="none" cap="none" strike="noStrike">
+      <a:defRPr sz="1400" b="0" i="0" u="none" strike="noStrike" cap="none">
         <a:solidFill>
           <a:srgbClr val="000000"/>
         </a:solidFill>
@@ -243,7 +243,7 @@
         <a:sym typeface="Arial"/>
       </a:defRPr>
     </a:lvl8pPr>
-    <a:lvl9pPr lvl="8" marR="0" rtl="0" algn="l">
+    <a:lvl9pPr marR="0" lvl="8" algn="l" rtl="0">
       <a:lnSpc>
         <a:spcPct val="100000"/>
       </a:lnSpc>
@@ -257,7 +257,7 @@
         <a:srgbClr val="000000"/>
       </a:buClr>
       <a:buFont typeface="Arial"/>
-      <a:defRPr b="0" i="0" sz="1400" u="none" cap="none" strike="noStrike">
+      <a:defRPr sz="1400" b="0" i="0" u="none" strike="noStrike" cap="none">
         <a:solidFill>
           <a:srgbClr val="000000"/>
         </a:solidFill>
@@ -270,7 +270,7 @@
   </p:defaultTextStyle>
   <p:extLst>
     <p:ext uri="{EFAFB233-063F-42B5-8137-9DF3F51BA10A}">
-      <p15:sldGuideLst>
+      <p15:sldGuideLst xmlns:p15="http://schemas.microsoft.com/office/powerpoint/2012/main">
         <p15:guide id="1" orient="horz" pos="1620">
           <p15:clr>
             <a:srgbClr val="A4A3A4"/>
@@ -288,11 +288,16 @@
 </file>
 
 <file path=ppt/notesMasters/notesMaster1.xml><?xml version="1.0" encoding="utf-8"?>
-<p:notesMaster xmlns:a="http://schemas.openxmlformats.org/drawingml/2006/main" xmlns:r="http://schemas.openxmlformats.org/officeDocument/2006/relationships" xmlns:mc="http://schemas.openxmlformats.org/markup-compatibility/2006" xmlns:mv="urn:schemas-microsoft-com:mac:vml" xmlns:p="http://schemas.openxmlformats.org/presentationml/2006/main" xmlns:c="http://schemas.openxmlformats.org/drawingml/2006/chart" xmlns:dgm="http://schemas.openxmlformats.org/drawingml/2006/diagram" xmlns:o="urn:schemas-microsoft-com:office:office" xmlns:v="urn:schemas-microsoft-com:vml" xmlns:pvml="urn:schemas-microsoft-com:office:powerpoint" xmlns:com="http://schemas.openxmlformats.org/drawingml/2006/compatibility" xmlns:p14="http://schemas.microsoft.com/office/powerpoint/2010/main" xmlns:p15="http://schemas.microsoft.com/office/powerpoint/2012/main">
+<p:notesMaster xmlns:a="http://schemas.openxmlformats.org/drawingml/2006/main" xmlns:r="http://schemas.openxmlformats.org/officeDocument/2006/relationships" xmlns:p="http://schemas.openxmlformats.org/presentationml/2006/main">
   <p:cSld>
+    <p:bg>
+      <p:bgRef idx="1001">
+        <a:schemeClr val="bg1"/>
+      </p:bgRef>
+    </p:bg>
     <p:spTree>
       <p:nvGrpSpPr>
-        <p:cNvPr id="2" name="Shape 2"/>
+        <p:cNvPr id="1" name="Shape 2"/>
         <p:cNvGrpSpPr/>
         <p:nvPr/>
       </p:nvGrpSpPr>
@@ -307,9 +312,11 @@
       <p:sp>
         <p:nvSpPr>
           <p:cNvPr id="3" name="Google Shape;3;n"/>
-          <p:cNvSpPr/>
+          <p:cNvSpPr>
+            <a:spLocks noGrp="1" noRot="1" noChangeAspect="1"/>
+          </p:cNvSpPr>
           <p:nvPr>
-            <p:ph idx="2" type="sldImg"/>
+            <p:ph type="sldImg" idx="2"/>
           </p:nvPr>
         </p:nvSpPr>
         <p:spPr>
@@ -318,9 +325,13 @@
             <a:ext cx="6096075" cy="3429000"/>
           </a:xfrm>
           <a:custGeom>
-            <a:rect b="b" l="l" r="r" t="t"/>
+            <a:avLst/>
+            <a:gdLst/>
+            <a:ahLst/>
+            <a:cxnLst/>
+            <a:rect l="l" t="t" r="r" b="b"/>
             <a:pathLst>
-              <a:path extrusionOk="0" h="120000" w="120000">
+              <a:path w="120000" h="120000" extrusionOk="0">
                 <a:moveTo>
                   <a:pt x="0" y="0"/>
                 </a:moveTo>
@@ -338,23 +349,25 @@
             </a:pathLst>
           </a:custGeom>
           <a:noFill/>
-          <a:ln cap="flat" cmpd="sng" w="9525">
+          <a:ln w="9525" cap="flat" cmpd="sng">
             <a:solidFill>
               <a:srgbClr val="000000"/>
             </a:solidFill>
             <a:prstDash val="solid"/>
             <a:round/>
-            <a:headEnd len="sm" w="sm" type="none"/>
-            <a:tailEnd len="sm" w="sm" type="none"/>
+            <a:headEnd type="none" w="sm" len="sm"/>
+            <a:tailEnd type="none" w="sm" len="sm"/>
           </a:ln>
         </p:spPr>
       </p:sp>
       <p:sp>
         <p:nvSpPr>
           <p:cNvPr id="4" name="Google Shape;4;n"/>
-          <p:cNvSpPr txBox="1"/>
+          <p:cNvSpPr txBox="1">
+            <a:spLocks noGrp="1"/>
+          </p:cNvSpPr>
           <p:nvPr>
-            <p:ph idx="1" type="body"/>
+            <p:ph type="body" idx="1"/>
           </p:nvPr>
         </p:nvSpPr>
         <p:spPr>
@@ -371,11 +384,11 @@
           </a:ln>
         </p:spPr>
         <p:txBody>
-          <a:bodyPr anchorCtr="0" anchor="t" bIns="91425" lIns="91425" spcFirstLastPara="1" rIns="91425" wrap="square" tIns="91425">
+          <a:bodyPr spcFirstLastPara="1" wrap="square" lIns="91425" tIns="91425" rIns="91425" bIns="91425" anchor="t" anchorCtr="0">
             <a:noAutofit/>
           </a:bodyPr>
           <a:lstStyle>
-            <a:lvl1pPr indent="-298450" lvl="0" marL="457200">
+            <a:lvl1pPr marL="457200" lvl="0" indent="-298450">
               <a:spcBef>
                 <a:spcPts val="0"/>
               </a:spcBef>
@@ -386,7 +399,7 @@
               <a:buChar char="●"/>
               <a:defRPr sz="1100"/>
             </a:lvl1pPr>
-            <a:lvl2pPr indent="-298450" lvl="1" marL="914400">
+            <a:lvl2pPr marL="914400" lvl="1" indent="-298450">
               <a:spcBef>
                 <a:spcPts val="0"/>
               </a:spcBef>
@@ -397,7 +410,7 @@
               <a:buChar char="○"/>
               <a:defRPr sz="1100"/>
             </a:lvl2pPr>
-            <a:lvl3pPr indent="-298450" lvl="2" marL="1371600">
+            <a:lvl3pPr marL="1371600" lvl="2" indent="-298450">
               <a:spcBef>
                 <a:spcPts val="0"/>
               </a:spcBef>
@@ -408,7 +421,7 @@
               <a:buChar char="■"/>
               <a:defRPr sz="1100"/>
             </a:lvl3pPr>
-            <a:lvl4pPr indent="-298450" lvl="3" marL="1828800">
+            <a:lvl4pPr marL="1828800" lvl="3" indent="-298450">
               <a:spcBef>
                 <a:spcPts val="0"/>
               </a:spcBef>
@@ -419,7 +432,7 @@
               <a:buChar char="●"/>
               <a:defRPr sz="1100"/>
             </a:lvl4pPr>
-            <a:lvl5pPr indent="-298450" lvl="4" marL="2286000">
+            <a:lvl5pPr marL="2286000" lvl="4" indent="-298450">
               <a:spcBef>
                 <a:spcPts val="0"/>
               </a:spcBef>
@@ -430,7 +443,7 @@
               <a:buChar char="○"/>
               <a:defRPr sz="1100"/>
             </a:lvl5pPr>
-            <a:lvl6pPr indent="-298450" lvl="5" marL="2743200">
+            <a:lvl6pPr marL="2743200" lvl="5" indent="-298450">
               <a:spcBef>
                 <a:spcPts val="0"/>
               </a:spcBef>
@@ -441,7 +454,7 @@
               <a:buChar char="■"/>
               <a:defRPr sz="1100"/>
             </a:lvl6pPr>
-            <a:lvl7pPr indent="-298450" lvl="6" marL="3200400">
+            <a:lvl7pPr marL="3200400" lvl="6" indent="-298450">
               <a:spcBef>
                 <a:spcPts val="0"/>
               </a:spcBef>
@@ -452,7 +465,7 @@
               <a:buChar char="●"/>
               <a:defRPr sz="1100"/>
             </a:lvl7pPr>
-            <a:lvl8pPr indent="-298450" lvl="7" marL="3657600">
+            <a:lvl8pPr marL="3657600" lvl="7" indent="-298450">
               <a:spcBef>
                 <a:spcPts val="0"/>
               </a:spcBef>
@@ -463,7 +476,7 @@
               <a:buChar char="○"/>
               <a:defRPr sz="1100"/>
             </a:lvl8pPr>
-            <a:lvl9pPr indent="-298450" lvl="8" marL="4114800">
+            <a:lvl9pPr marL="4114800" lvl="8" indent="-298450">
               <a:spcBef>
                 <a:spcPts val="0"/>
               </a:spcBef>
@@ -475,14 +488,21 @@
               <a:defRPr sz="1100"/>
             </a:lvl9pPr>
           </a:lstStyle>
-          <a:p/>
+          <a:p>
+            <a:endParaRPr/>
+          </a:p>
         </p:txBody>
       </p:sp>
     </p:spTree>
+    <p:extLst>
+      <p:ext uri="{BB962C8B-B14F-4D97-AF65-F5344CB8AC3E}">
+        <p14:creationId xmlns:p14="http://schemas.microsoft.com/office/powerpoint/2010/main" val="3243650737"/>
+      </p:ext>
+    </p:extLst>
   </p:cSld>
-  <p:clrMap accent1="accent1" accent2="accent2" accent3="accent3" accent4="accent4" accent5="accent5" accent6="accent6" bg1="lt1" bg2="dk2" tx1="dk1" tx2="lt2" folHlink="folHlink" hlink="hlink"/>
+  <p:clrMap bg1="lt1" tx1="dk1" bg2="dk2" tx2="lt2" accent1="accent1" accent2="accent2" accent3="accent3" accent4="accent4" accent5="accent5" accent6="accent6" hlink="hlink" folHlink="folHlink"/>
   <p:notesStyle>
-    <a:defPPr lvl="0" marR="0" rtl="0" algn="l">
+    <a:defPPr marR="0" lvl="0" algn="l" rtl="0">
       <a:lnSpc>
         <a:spcPct val="100000"/>
       </a:lnSpc>
@@ -493,7 +513,7 @@
         <a:spcPts val="0"/>
       </a:spcAft>
     </a:defPPr>
-    <a:lvl1pPr lvl="0" marR="0" rtl="0" algn="l">
+    <a:lvl1pPr marR="0" lvl="0" algn="l" rtl="0">
       <a:lnSpc>
         <a:spcPct val="100000"/>
       </a:lnSpc>
@@ -507,7 +527,7 @@
         <a:srgbClr val="000000"/>
       </a:buClr>
       <a:buFont typeface="Arial"/>
-      <a:defRPr b="0" i="0" sz="1400" u="none" cap="none" strike="noStrike">
+      <a:defRPr sz="1400" b="0" i="0" u="none" strike="noStrike" cap="none">
         <a:solidFill>
           <a:srgbClr val="000000"/>
         </a:solidFill>
@@ -517,7 +537,7 @@
         <a:sym typeface="Arial"/>
       </a:defRPr>
     </a:lvl1pPr>
-    <a:lvl2pPr lvl="1" marR="0" rtl="0" algn="l">
+    <a:lvl2pPr marR="0" lvl="1" algn="l" rtl="0">
       <a:lnSpc>
         <a:spcPct val="100000"/>
       </a:lnSpc>
@@ -531,7 +551,7 @@
         <a:srgbClr val="000000"/>
       </a:buClr>
       <a:buFont typeface="Arial"/>
-      <a:defRPr b="0" i="0" sz="1400" u="none" cap="none" strike="noStrike">
+      <a:defRPr sz="1400" b="0" i="0" u="none" strike="noStrike" cap="none">
         <a:solidFill>
           <a:srgbClr val="000000"/>
         </a:solidFill>
@@ -541,7 +561,7 @@
         <a:sym typeface="Arial"/>
       </a:defRPr>
     </a:lvl2pPr>
-    <a:lvl3pPr lvl="2" marR="0" rtl="0" algn="l">
+    <a:lvl3pPr marR="0" lvl="2" algn="l" rtl="0">
       <a:lnSpc>
         <a:spcPct val="100000"/>
       </a:lnSpc>
@@ -555,7 +575,7 @@
         <a:srgbClr val="000000"/>
       </a:buClr>
       <a:buFont typeface="Arial"/>
-      <a:defRPr b="0" i="0" sz="1400" u="none" cap="none" strike="noStrike">
+      <a:defRPr sz="1400" b="0" i="0" u="none" strike="noStrike" cap="none">
         <a:solidFill>
           <a:srgbClr val="000000"/>
         </a:solidFill>
@@ -565,7 +585,7 @@
         <a:sym typeface="Arial"/>
       </a:defRPr>
     </a:lvl3pPr>
-    <a:lvl4pPr lvl="3" marR="0" rtl="0" algn="l">
+    <a:lvl4pPr marR="0" lvl="3" algn="l" rtl="0">
       <a:lnSpc>
         <a:spcPct val="100000"/>
       </a:lnSpc>
@@ -579,7 +599,7 @@
         <a:srgbClr val="000000"/>
       </a:buClr>
       <a:buFont typeface="Arial"/>
-      <a:defRPr b="0" i="0" sz="1400" u="none" cap="none" strike="noStrike">
+      <a:defRPr sz="1400" b="0" i="0" u="none" strike="noStrike" cap="none">
         <a:solidFill>
           <a:srgbClr val="000000"/>
         </a:solidFill>
@@ -589,7 +609,7 @@
         <a:sym typeface="Arial"/>
       </a:defRPr>
     </a:lvl4pPr>
-    <a:lvl5pPr lvl="4" marR="0" rtl="0" algn="l">
+    <a:lvl5pPr marR="0" lvl="4" algn="l" rtl="0">
       <a:lnSpc>
         <a:spcPct val="100000"/>
       </a:lnSpc>
@@ -603,7 +623,7 @@
         <a:srgbClr val="000000"/>
       </a:buClr>
       <a:buFont typeface="Arial"/>
-      <a:defRPr b="0" i="0" sz="1400" u="none" cap="none" strike="noStrike">
+      <a:defRPr sz="1400" b="0" i="0" u="none" strike="noStrike" cap="none">
         <a:solidFill>
           <a:srgbClr val="000000"/>
         </a:solidFill>
@@ -613,7 +633,7 @@
         <a:sym typeface="Arial"/>
       </a:defRPr>
     </a:lvl5pPr>
-    <a:lvl6pPr lvl="5" marR="0" rtl="0" algn="l">
+    <a:lvl6pPr marR="0" lvl="5" algn="l" rtl="0">
       <a:lnSpc>
         <a:spcPct val="100000"/>
       </a:lnSpc>
@@ -627,7 +647,7 @@
         <a:srgbClr val="000000"/>
       </a:buClr>
       <a:buFont typeface="Arial"/>
-      <a:defRPr b="0" i="0" sz="1400" u="none" cap="none" strike="noStrike">
+      <a:defRPr sz="1400" b="0" i="0" u="none" strike="noStrike" cap="none">
         <a:solidFill>
           <a:srgbClr val="000000"/>
         </a:solidFill>
@@ -637,7 +657,7 @@
         <a:sym typeface="Arial"/>
       </a:defRPr>
     </a:lvl6pPr>
-    <a:lvl7pPr lvl="6" marR="0" rtl="0" algn="l">
+    <a:lvl7pPr marR="0" lvl="6" algn="l" rtl="0">
       <a:lnSpc>
         <a:spcPct val="100000"/>
       </a:lnSpc>
@@ -651,7 +671,7 @@
         <a:srgbClr val="000000"/>
       </a:buClr>
       <a:buFont typeface="Arial"/>
-      <a:defRPr b="0" i="0" sz="1400" u="none" cap="none" strike="noStrike">
+      <a:defRPr sz="1400" b="0" i="0" u="none" strike="noStrike" cap="none">
         <a:solidFill>
           <a:srgbClr val="000000"/>
         </a:solidFill>
@@ -661,7 +681,7 @@
         <a:sym typeface="Arial"/>
       </a:defRPr>
     </a:lvl7pPr>
-    <a:lvl8pPr lvl="7" marR="0" rtl="0" algn="l">
+    <a:lvl8pPr marR="0" lvl="7" algn="l" rtl="0">
       <a:lnSpc>
         <a:spcPct val="100000"/>
       </a:lnSpc>
@@ -675,7 +695,7 @@
         <a:srgbClr val="000000"/>
       </a:buClr>
       <a:buFont typeface="Arial"/>
-      <a:defRPr b="0" i="0" sz="1400" u="none" cap="none" strike="noStrike">
+      <a:defRPr sz="1400" b="0" i="0" u="none" strike="noStrike" cap="none">
         <a:solidFill>
           <a:srgbClr val="000000"/>
         </a:solidFill>
@@ -685,7 +705,7 @@
         <a:sym typeface="Arial"/>
       </a:defRPr>
     </a:lvl8pPr>
-    <a:lvl9pPr lvl="8" marR="0" rtl="0" algn="l">
+    <a:lvl9pPr marR="0" lvl="8" algn="l" rtl="0">
       <a:lnSpc>
         <a:spcPct val="100000"/>
       </a:lnSpc>
@@ -699,7 +719,7 @@
         <a:srgbClr val="000000"/>
       </a:buClr>
       <a:buFont typeface="Arial"/>
-      <a:defRPr b="0" i="0" sz="1400" u="none" cap="none" strike="noStrike">
+      <a:defRPr sz="1400" b="0" i="0" u="none" strike="noStrike" cap="none">
         <a:solidFill>
           <a:srgbClr val="000000"/>
         </a:solidFill>
@@ -714,11 +734,11 @@
 </file>
 
 <file path=ppt/notesSlides/notesSlide1.xml><?xml version="1.0" encoding="utf-8"?>
-<p:notes xmlns:a="http://schemas.openxmlformats.org/drawingml/2006/main" xmlns:r="http://schemas.openxmlformats.org/officeDocument/2006/relationships" xmlns:mc="http://schemas.openxmlformats.org/markup-compatibility/2006" xmlns:mv="urn:schemas-microsoft-com:mac:vml" xmlns:p="http://schemas.openxmlformats.org/presentationml/2006/main" xmlns:c="http://schemas.openxmlformats.org/drawingml/2006/chart" xmlns:dgm="http://schemas.openxmlformats.org/drawingml/2006/diagram" xmlns:o="urn:schemas-microsoft-com:office:office" xmlns:v="urn:schemas-microsoft-com:vml" xmlns:pvml="urn:schemas-microsoft-com:office:powerpoint" xmlns:com="http://schemas.openxmlformats.org/drawingml/2006/compatibility" xmlns:p14="http://schemas.microsoft.com/office/powerpoint/2010/main" xmlns:p15="http://schemas.microsoft.com/office/powerpoint/2012/main" showMasterPhAnim="0" showMasterSp="0">
+<p:notes xmlns:a="http://schemas.openxmlformats.org/drawingml/2006/main" xmlns:r="http://schemas.openxmlformats.org/officeDocument/2006/relationships" xmlns:p="http://schemas.openxmlformats.org/presentationml/2006/main" showMasterSp="0" showMasterPhAnim="0">
   <p:cSld>
     <p:spTree>
       <p:nvGrpSpPr>
-        <p:cNvPr id="130" name="Shape 130"/>
+        <p:cNvPr id="1" name="Shape 130"/>
         <p:cNvGrpSpPr/>
         <p:nvPr/>
       </p:nvGrpSpPr>
@@ -733,20 +753,26 @@
       <p:sp>
         <p:nvSpPr>
           <p:cNvPr id="131" name="Google Shape;131;p:notes"/>
-          <p:cNvSpPr/>
+          <p:cNvSpPr>
+            <a:spLocks noGrp="1" noRot="1" noChangeAspect="1"/>
+          </p:cNvSpPr>
           <p:nvPr>
-            <p:ph idx="2" type="sldImg"/>
+            <p:ph type="sldImg" idx="2"/>
           </p:nvPr>
         </p:nvSpPr>
         <p:spPr>
           <a:xfrm>
-            <a:off x="381300" y="685800"/>
-            <a:ext cx="6096075" cy="3429000"/>
+            <a:off x="381000" y="685800"/>
+            <a:ext cx="6096000" cy="3429000"/>
           </a:xfrm>
           <a:custGeom>
-            <a:rect b="b" l="l" r="r" t="t"/>
+            <a:avLst/>
+            <a:gdLst/>
+            <a:ahLst/>
+            <a:cxnLst/>
+            <a:rect l="l" t="t" r="r" b="b"/>
             <a:pathLst>
-              <a:path extrusionOk="0" h="120000" w="120000">
+              <a:path w="120000" h="120000" extrusionOk="0">
                 <a:moveTo>
                   <a:pt x="0" y="0"/>
                 </a:moveTo>
@@ -768,9 +794,11 @@
       <p:sp>
         <p:nvSpPr>
           <p:cNvPr id="132" name="Google Shape;132;p:notes"/>
-          <p:cNvSpPr txBox="1"/>
+          <p:cNvSpPr txBox="1">
+            <a:spLocks noGrp="1"/>
+          </p:cNvSpPr>
           <p:nvPr>
-            <p:ph idx="1" type="body"/>
+            <p:ph type="body" idx="1"/>
           </p:nvPr>
         </p:nvSpPr>
         <p:spPr>
@@ -783,12 +811,12 @@
           </a:prstGeom>
         </p:spPr>
         <p:txBody>
-          <a:bodyPr anchorCtr="0" anchor="t" bIns="91425" lIns="91425" spcFirstLastPara="1" rIns="91425" wrap="square" tIns="91425">
+          <a:bodyPr spcFirstLastPara="1" wrap="square" lIns="91425" tIns="91425" rIns="91425" bIns="91425" anchor="t" anchorCtr="0">
             <a:noAutofit/>
           </a:bodyPr>
           <a:lstStyle/>
           <a:p>
-            <a:pPr indent="0" lvl="0" marL="0" rtl="0" algn="l">
+            <a:pPr marL="0" lvl="0" indent="0" algn="l" rtl="0">
               <a:spcBef>
                 <a:spcPts val="0"/>
               </a:spcBef>
@@ -797,14 +825,16 @@
               </a:spcAft>
               <a:buNone/>
             </a:pPr>
-            <a:r>
-              <a:t/>
-            </a:r>
             <a:endParaRPr/>
           </a:p>
         </p:txBody>
       </p:sp>
     </p:spTree>
+    <p:extLst>
+      <p:ext uri="{BB962C8B-B14F-4D97-AF65-F5344CB8AC3E}">
+        <p14:creationId xmlns:p14="http://schemas.microsoft.com/office/powerpoint/2010/main" val="189752096"/>
+      </p:ext>
+    </p:extLst>
   </p:cSld>
   <p:clrMapOvr>
     <a:masterClrMapping/>
@@ -813,11 +843,11 @@
 </file>
 
 <file path=ppt/notesSlides/notesSlide10.xml><?xml version="1.0" encoding="utf-8"?>
-<p:notes xmlns:a="http://schemas.openxmlformats.org/drawingml/2006/main" xmlns:r="http://schemas.openxmlformats.org/officeDocument/2006/relationships" xmlns:mc="http://schemas.openxmlformats.org/markup-compatibility/2006" xmlns:mv="urn:schemas-microsoft-com:mac:vml" xmlns:p="http://schemas.openxmlformats.org/presentationml/2006/main" xmlns:c="http://schemas.openxmlformats.org/drawingml/2006/chart" xmlns:dgm="http://schemas.openxmlformats.org/drawingml/2006/diagram" xmlns:o="urn:schemas-microsoft-com:office:office" xmlns:v="urn:schemas-microsoft-com:vml" xmlns:pvml="urn:schemas-microsoft-com:office:powerpoint" xmlns:com="http://schemas.openxmlformats.org/drawingml/2006/compatibility" xmlns:p14="http://schemas.microsoft.com/office/powerpoint/2010/main" xmlns:p15="http://schemas.microsoft.com/office/powerpoint/2012/main" showMasterPhAnim="0" showMasterSp="0">
+<p:notes xmlns:a="http://schemas.openxmlformats.org/drawingml/2006/main" xmlns:r="http://schemas.openxmlformats.org/officeDocument/2006/relationships" xmlns:p="http://schemas.openxmlformats.org/presentationml/2006/main" showMasterSp="0" showMasterPhAnim="0">
   <p:cSld>
     <p:spTree>
       <p:nvGrpSpPr>
-        <p:cNvPr id="184" name="Shape 184"/>
+        <p:cNvPr id="1" name="Shape 184"/>
         <p:cNvGrpSpPr/>
         <p:nvPr/>
       </p:nvGrpSpPr>
@@ -832,20 +862,26 @@
       <p:sp>
         <p:nvSpPr>
           <p:cNvPr id="185" name="Google Shape;185;g6ec783e14b_0_165:notes"/>
-          <p:cNvSpPr/>
+          <p:cNvSpPr>
+            <a:spLocks noGrp="1" noRot="1" noChangeAspect="1"/>
+          </p:cNvSpPr>
           <p:nvPr>
-            <p:ph idx="2" type="sldImg"/>
+            <p:ph type="sldImg" idx="2"/>
           </p:nvPr>
         </p:nvSpPr>
         <p:spPr>
           <a:xfrm>
-            <a:off x="381300" y="685800"/>
+            <a:off x="381000" y="685800"/>
             <a:ext cx="6096000" cy="3429000"/>
           </a:xfrm>
           <a:custGeom>
-            <a:rect b="b" l="l" r="r" t="t"/>
+            <a:avLst/>
+            <a:gdLst/>
+            <a:ahLst/>
+            <a:cxnLst/>
+            <a:rect l="l" t="t" r="r" b="b"/>
             <a:pathLst>
-              <a:path extrusionOk="0" h="120000" w="120000">
+              <a:path w="120000" h="120000" extrusionOk="0">
                 <a:moveTo>
                   <a:pt x="0" y="0"/>
                 </a:moveTo>
@@ -867,9 +903,11 @@
       <p:sp>
         <p:nvSpPr>
           <p:cNvPr id="186" name="Google Shape;186;g6ec783e14b_0_165:notes"/>
-          <p:cNvSpPr txBox="1"/>
+          <p:cNvSpPr txBox="1">
+            <a:spLocks noGrp="1"/>
+          </p:cNvSpPr>
           <p:nvPr>
-            <p:ph idx="1" type="body"/>
+            <p:ph type="body" idx="1"/>
           </p:nvPr>
         </p:nvSpPr>
         <p:spPr>
@@ -882,12 +920,12 @@
           </a:prstGeom>
         </p:spPr>
         <p:txBody>
-          <a:bodyPr anchorCtr="0" anchor="t" bIns="91425" lIns="91425" spcFirstLastPara="1" rIns="91425" wrap="square" tIns="91425">
+          <a:bodyPr spcFirstLastPara="1" wrap="square" lIns="91425" tIns="91425" rIns="91425" bIns="91425" anchor="t" anchorCtr="0">
             <a:noAutofit/>
           </a:bodyPr>
           <a:lstStyle/>
           <a:p>
-            <a:pPr indent="0" lvl="0" marL="0" rtl="0" algn="l">
+            <a:pPr marL="0" lvl="0" indent="0" algn="l" rtl="0">
               <a:spcBef>
                 <a:spcPts val="0"/>
               </a:spcBef>
@@ -896,14 +934,16 @@
               </a:spcAft>
               <a:buNone/>
             </a:pPr>
-            <a:r>
-              <a:t/>
-            </a:r>
             <a:endParaRPr/>
           </a:p>
         </p:txBody>
       </p:sp>
     </p:spTree>
+    <p:extLst>
+      <p:ext uri="{BB962C8B-B14F-4D97-AF65-F5344CB8AC3E}">
+        <p14:creationId xmlns:p14="http://schemas.microsoft.com/office/powerpoint/2010/main" val="2337808175"/>
+      </p:ext>
+    </p:extLst>
   </p:cSld>
   <p:clrMapOvr>
     <a:masterClrMapping/>
@@ -912,11 +952,11 @@
 </file>
 
 <file path=ppt/notesSlides/notesSlide11.xml><?xml version="1.0" encoding="utf-8"?>
-<p:notes xmlns:a="http://schemas.openxmlformats.org/drawingml/2006/main" xmlns:r="http://schemas.openxmlformats.org/officeDocument/2006/relationships" xmlns:mc="http://schemas.openxmlformats.org/markup-compatibility/2006" xmlns:mv="urn:schemas-microsoft-com:mac:vml" xmlns:p="http://schemas.openxmlformats.org/presentationml/2006/main" xmlns:c="http://schemas.openxmlformats.org/drawingml/2006/chart" xmlns:dgm="http://schemas.openxmlformats.org/drawingml/2006/diagram" xmlns:o="urn:schemas-microsoft-com:office:office" xmlns:v="urn:schemas-microsoft-com:vml" xmlns:pvml="urn:schemas-microsoft-com:office:powerpoint" xmlns:com="http://schemas.openxmlformats.org/drawingml/2006/compatibility" xmlns:p14="http://schemas.microsoft.com/office/powerpoint/2010/main" xmlns:p15="http://schemas.microsoft.com/office/powerpoint/2012/main" showMasterPhAnim="0" showMasterSp="0">
+<p:notes xmlns:a="http://schemas.openxmlformats.org/drawingml/2006/main" xmlns:r="http://schemas.openxmlformats.org/officeDocument/2006/relationships" xmlns:p="http://schemas.openxmlformats.org/presentationml/2006/main" showMasterSp="0" showMasterPhAnim="0">
   <p:cSld>
     <p:spTree>
       <p:nvGrpSpPr>
-        <p:cNvPr id="190" name="Shape 190"/>
+        <p:cNvPr id="1" name="Shape 190"/>
         <p:cNvGrpSpPr/>
         <p:nvPr/>
       </p:nvGrpSpPr>
@@ -931,20 +971,26 @@
       <p:sp>
         <p:nvSpPr>
           <p:cNvPr id="191" name="Google Shape;191;g6ec783e14b_0_170:notes"/>
-          <p:cNvSpPr/>
+          <p:cNvSpPr>
+            <a:spLocks noGrp="1" noRot="1" noChangeAspect="1"/>
+          </p:cNvSpPr>
           <p:nvPr>
-            <p:ph idx="2" type="sldImg"/>
+            <p:ph type="sldImg" idx="2"/>
           </p:nvPr>
         </p:nvSpPr>
         <p:spPr>
           <a:xfrm>
-            <a:off x="381300" y="685800"/>
+            <a:off x="381000" y="685800"/>
             <a:ext cx="6096000" cy="3429000"/>
           </a:xfrm>
           <a:custGeom>
-            <a:rect b="b" l="l" r="r" t="t"/>
+            <a:avLst/>
+            <a:gdLst/>
+            <a:ahLst/>
+            <a:cxnLst/>
+            <a:rect l="l" t="t" r="r" b="b"/>
             <a:pathLst>
-              <a:path extrusionOk="0" h="120000" w="120000">
+              <a:path w="120000" h="120000" extrusionOk="0">
                 <a:moveTo>
                   <a:pt x="0" y="0"/>
                 </a:moveTo>
@@ -966,9 +1012,11 @@
       <p:sp>
         <p:nvSpPr>
           <p:cNvPr id="192" name="Google Shape;192;g6ec783e14b_0_170:notes"/>
-          <p:cNvSpPr txBox="1"/>
+          <p:cNvSpPr txBox="1">
+            <a:spLocks noGrp="1"/>
+          </p:cNvSpPr>
           <p:nvPr>
-            <p:ph idx="1" type="body"/>
+            <p:ph type="body" idx="1"/>
           </p:nvPr>
         </p:nvSpPr>
         <p:spPr>
@@ -981,12 +1029,12 @@
           </a:prstGeom>
         </p:spPr>
         <p:txBody>
-          <a:bodyPr anchorCtr="0" anchor="t" bIns="91425" lIns="91425" spcFirstLastPara="1" rIns="91425" wrap="square" tIns="91425">
+          <a:bodyPr spcFirstLastPara="1" wrap="square" lIns="91425" tIns="91425" rIns="91425" bIns="91425" anchor="t" anchorCtr="0">
             <a:noAutofit/>
           </a:bodyPr>
           <a:lstStyle/>
           <a:p>
-            <a:pPr indent="0" lvl="0" marL="0" rtl="0" algn="l">
+            <a:pPr marL="0" lvl="0" indent="0" algn="l" rtl="0">
               <a:spcBef>
                 <a:spcPts val="0"/>
               </a:spcBef>
@@ -995,14 +1043,16 @@
               </a:spcAft>
               <a:buNone/>
             </a:pPr>
-            <a:r>
-              <a:t/>
-            </a:r>
             <a:endParaRPr/>
           </a:p>
         </p:txBody>
       </p:sp>
     </p:spTree>
+    <p:extLst>
+      <p:ext uri="{BB962C8B-B14F-4D97-AF65-F5344CB8AC3E}">
+        <p14:creationId xmlns:p14="http://schemas.microsoft.com/office/powerpoint/2010/main" val="3984796768"/>
+      </p:ext>
+    </p:extLst>
   </p:cSld>
   <p:clrMapOvr>
     <a:masterClrMapping/>
@@ -1011,11 +1061,11 @@
 </file>
 
 <file path=ppt/notesSlides/notesSlide12.xml><?xml version="1.0" encoding="utf-8"?>
-<p:notes xmlns:a="http://schemas.openxmlformats.org/drawingml/2006/main" xmlns:r="http://schemas.openxmlformats.org/officeDocument/2006/relationships" xmlns:mc="http://schemas.openxmlformats.org/markup-compatibility/2006" xmlns:mv="urn:schemas-microsoft-com:mac:vml" xmlns:p="http://schemas.openxmlformats.org/presentationml/2006/main" xmlns:c="http://schemas.openxmlformats.org/drawingml/2006/chart" xmlns:dgm="http://schemas.openxmlformats.org/drawingml/2006/diagram" xmlns:o="urn:schemas-microsoft-com:office:office" xmlns:v="urn:schemas-microsoft-com:vml" xmlns:pvml="urn:schemas-microsoft-com:office:powerpoint" xmlns:com="http://schemas.openxmlformats.org/drawingml/2006/compatibility" xmlns:p14="http://schemas.microsoft.com/office/powerpoint/2010/main" xmlns:p15="http://schemas.microsoft.com/office/powerpoint/2012/main" showMasterPhAnim="0" showMasterSp="0">
+<p:notes xmlns:a="http://schemas.openxmlformats.org/drawingml/2006/main" xmlns:r="http://schemas.openxmlformats.org/officeDocument/2006/relationships" xmlns:p="http://schemas.openxmlformats.org/presentationml/2006/main" showMasterSp="0" showMasterPhAnim="0">
   <p:cSld>
     <p:spTree>
       <p:nvGrpSpPr>
-        <p:cNvPr id="196" name="Shape 196"/>
+        <p:cNvPr id="1" name="Shape 196"/>
         <p:cNvGrpSpPr/>
         <p:nvPr/>
       </p:nvGrpSpPr>
@@ -1030,20 +1080,26 @@
       <p:sp>
         <p:nvSpPr>
           <p:cNvPr id="197" name="Google Shape;197;g6ec783e14b_1_0:notes"/>
-          <p:cNvSpPr/>
+          <p:cNvSpPr>
+            <a:spLocks noGrp="1" noRot="1" noChangeAspect="1"/>
+          </p:cNvSpPr>
           <p:nvPr>
-            <p:ph idx="2" type="sldImg"/>
+            <p:ph type="sldImg" idx="2"/>
           </p:nvPr>
         </p:nvSpPr>
         <p:spPr>
           <a:xfrm>
-            <a:off x="381300" y="685800"/>
+            <a:off x="381000" y="685800"/>
             <a:ext cx="6096000" cy="3429000"/>
           </a:xfrm>
           <a:custGeom>
-            <a:rect b="b" l="l" r="r" t="t"/>
+            <a:avLst/>
+            <a:gdLst/>
+            <a:ahLst/>
+            <a:cxnLst/>
+            <a:rect l="l" t="t" r="r" b="b"/>
             <a:pathLst>
-              <a:path extrusionOk="0" h="120000" w="120000">
+              <a:path w="120000" h="120000" extrusionOk="0">
                 <a:moveTo>
                   <a:pt x="0" y="0"/>
                 </a:moveTo>
@@ -1065,9 +1121,11 @@
       <p:sp>
         <p:nvSpPr>
           <p:cNvPr id="198" name="Google Shape;198;g6ec783e14b_1_0:notes"/>
-          <p:cNvSpPr txBox="1"/>
+          <p:cNvSpPr txBox="1">
+            <a:spLocks noGrp="1"/>
+          </p:cNvSpPr>
           <p:nvPr>
-            <p:ph idx="1" type="body"/>
+            <p:ph type="body" idx="1"/>
           </p:nvPr>
         </p:nvSpPr>
         <p:spPr>
@@ -1080,12 +1138,12 @@
           </a:prstGeom>
         </p:spPr>
         <p:txBody>
-          <a:bodyPr anchorCtr="0" anchor="t" bIns="91425" lIns="91425" spcFirstLastPara="1" rIns="91425" wrap="square" tIns="91425">
+          <a:bodyPr spcFirstLastPara="1" wrap="square" lIns="91425" tIns="91425" rIns="91425" bIns="91425" anchor="t" anchorCtr="0">
             <a:noAutofit/>
           </a:bodyPr>
           <a:lstStyle/>
           <a:p>
-            <a:pPr indent="0" lvl="0" marL="0" rtl="0" algn="l">
+            <a:pPr marL="0" lvl="0" indent="0" algn="l" rtl="0">
               <a:spcBef>
                 <a:spcPts val="0"/>
               </a:spcBef>
@@ -1094,14 +1152,16 @@
               </a:spcAft>
               <a:buNone/>
             </a:pPr>
-            <a:r>
-              <a:t/>
-            </a:r>
             <a:endParaRPr/>
           </a:p>
         </p:txBody>
       </p:sp>
     </p:spTree>
+    <p:extLst>
+      <p:ext uri="{BB962C8B-B14F-4D97-AF65-F5344CB8AC3E}">
+        <p14:creationId xmlns:p14="http://schemas.microsoft.com/office/powerpoint/2010/main" val="4212178467"/>
+      </p:ext>
+    </p:extLst>
   </p:cSld>
   <p:clrMapOvr>
     <a:masterClrMapping/>
@@ -1110,11 +1170,11 @@
 </file>
 
 <file path=ppt/notesSlides/notesSlide2.xml><?xml version="1.0" encoding="utf-8"?>
-<p:notes xmlns:a="http://schemas.openxmlformats.org/drawingml/2006/main" xmlns:r="http://schemas.openxmlformats.org/officeDocument/2006/relationships" xmlns:mc="http://schemas.openxmlformats.org/markup-compatibility/2006" xmlns:mv="urn:schemas-microsoft-com:mac:vml" xmlns:p="http://schemas.openxmlformats.org/presentationml/2006/main" xmlns:c="http://schemas.openxmlformats.org/drawingml/2006/chart" xmlns:dgm="http://schemas.openxmlformats.org/drawingml/2006/diagram" xmlns:o="urn:schemas-microsoft-com:office:office" xmlns:v="urn:schemas-microsoft-com:vml" xmlns:pvml="urn:schemas-microsoft-com:office:powerpoint" xmlns:com="http://schemas.openxmlformats.org/drawingml/2006/compatibility" xmlns:p14="http://schemas.microsoft.com/office/powerpoint/2010/main" xmlns:p15="http://schemas.microsoft.com/office/powerpoint/2012/main" showMasterPhAnim="0" showMasterSp="0">
+<p:notes xmlns:a="http://schemas.openxmlformats.org/drawingml/2006/main" xmlns:r="http://schemas.openxmlformats.org/officeDocument/2006/relationships" xmlns:p="http://schemas.openxmlformats.org/presentationml/2006/main" showMasterSp="0" showMasterPhAnim="0">
   <p:cSld>
     <p:spTree>
       <p:nvGrpSpPr>
-        <p:cNvPr id="136" name="Shape 136"/>
+        <p:cNvPr id="1" name="Shape 136"/>
         <p:cNvGrpSpPr/>
         <p:nvPr/>
       </p:nvGrpSpPr>
@@ -1129,20 +1189,26 @@
       <p:sp>
         <p:nvSpPr>
           <p:cNvPr id="137" name="Google Shape;137;g6ec783e14b_0_125:notes"/>
-          <p:cNvSpPr/>
+          <p:cNvSpPr>
+            <a:spLocks noGrp="1" noRot="1" noChangeAspect="1"/>
+          </p:cNvSpPr>
           <p:nvPr>
-            <p:ph idx="2" type="sldImg"/>
+            <p:ph type="sldImg" idx="2"/>
           </p:nvPr>
         </p:nvSpPr>
         <p:spPr>
           <a:xfrm>
-            <a:off x="381300" y="685800"/>
+            <a:off x="381000" y="685800"/>
             <a:ext cx="6096000" cy="3429000"/>
           </a:xfrm>
           <a:custGeom>
-            <a:rect b="b" l="l" r="r" t="t"/>
+            <a:avLst/>
+            <a:gdLst/>
+            <a:ahLst/>
+            <a:cxnLst/>
+            <a:rect l="l" t="t" r="r" b="b"/>
             <a:pathLst>
-              <a:path extrusionOk="0" h="120000" w="120000">
+              <a:path w="120000" h="120000" extrusionOk="0">
                 <a:moveTo>
                   <a:pt x="0" y="0"/>
                 </a:moveTo>
@@ -1164,9 +1230,11 @@
       <p:sp>
         <p:nvSpPr>
           <p:cNvPr id="138" name="Google Shape;138;g6ec783e14b_0_125:notes"/>
-          <p:cNvSpPr txBox="1"/>
+          <p:cNvSpPr txBox="1">
+            <a:spLocks noGrp="1"/>
+          </p:cNvSpPr>
           <p:nvPr>
-            <p:ph idx="1" type="body"/>
+            <p:ph type="body" idx="1"/>
           </p:nvPr>
         </p:nvSpPr>
         <p:spPr>
@@ -1179,12 +1247,12 @@
           </a:prstGeom>
         </p:spPr>
         <p:txBody>
-          <a:bodyPr anchorCtr="0" anchor="t" bIns="91425" lIns="91425" spcFirstLastPara="1" rIns="91425" wrap="square" tIns="91425">
+          <a:bodyPr spcFirstLastPara="1" wrap="square" lIns="91425" tIns="91425" rIns="91425" bIns="91425" anchor="t" anchorCtr="0">
             <a:noAutofit/>
           </a:bodyPr>
           <a:lstStyle/>
           <a:p>
-            <a:pPr indent="0" lvl="0" marL="0" rtl="0" algn="l">
+            <a:pPr marL="0" lvl="0" indent="0" algn="l" rtl="0">
               <a:spcBef>
                 <a:spcPts val="0"/>
               </a:spcBef>
@@ -1193,14 +1261,16 @@
               </a:spcAft>
               <a:buNone/>
             </a:pPr>
-            <a:r>
-              <a:t/>
-            </a:r>
             <a:endParaRPr/>
           </a:p>
         </p:txBody>
       </p:sp>
     </p:spTree>
+    <p:extLst>
+      <p:ext uri="{BB962C8B-B14F-4D97-AF65-F5344CB8AC3E}">
+        <p14:creationId xmlns:p14="http://schemas.microsoft.com/office/powerpoint/2010/main" val="1675578616"/>
+      </p:ext>
+    </p:extLst>
   </p:cSld>
   <p:clrMapOvr>
     <a:masterClrMapping/>
@@ -1209,11 +1279,11 @@
 </file>
 
 <file path=ppt/notesSlides/notesSlide3.xml><?xml version="1.0" encoding="utf-8"?>
-<p:notes xmlns:a="http://schemas.openxmlformats.org/drawingml/2006/main" xmlns:r="http://schemas.openxmlformats.org/officeDocument/2006/relationships" xmlns:mc="http://schemas.openxmlformats.org/markup-compatibility/2006" xmlns:mv="urn:schemas-microsoft-com:mac:vml" xmlns:p="http://schemas.openxmlformats.org/presentationml/2006/main" xmlns:c="http://schemas.openxmlformats.org/drawingml/2006/chart" xmlns:dgm="http://schemas.openxmlformats.org/drawingml/2006/diagram" xmlns:o="urn:schemas-microsoft-com:office:office" xmlns:v="urn:schemas-microsoft-com:vml" xmlns:pvml="urn:schemas-microsoft-com:office:powerpoint" xmlns:com="http://schemas.openxmlformats.org/drawingml/2006/compatibility" xmlns:p14="http://schemas.microsoft.com/office/powerpoint/2010/main" xmlns:p15="http://schemas.microsoft.com/office/powerpoint/2012/main" showMasterPhAnim="0" showMasterSp="0">
+<p:notes xmlns:a="http://schemas.openxmlformats.org/drawingml/2006/main" xmlns:r="http://schemas.openxmlformats.org/officeDocument/2006/relationships" xmlns:p="http://schemas.openxmlformats.org/presentationml/2006/main" showMasterSp="0" showMasterPhAnim="0">
   <p:cSld>
     <p:spTree>
       <p:nvGrpSpPr>
-        <p:cNvPr id="142" name="Shape 142"/>
+        <p:cNvPr id="1" name="Shape 142"/>
         <p:cNvGrpSpPr/>
         <p:nvPr/>
       </p:nvGrpSpPr>
@@ -1228,20 +1298,26 @@
       <p:sp>
         <p:nvSpPr>
           <p:cNvPr id="143" name="Google Shape;143;g6ec783e14b_0_130:notes"/>
-          <p:cNvSpPr/>
+          <p:cNvSpPr>
+            <a:spLocks noGrp="1" noRot="1" noChangeAspect="1"/>
+          </p:cNvSpPr>
           <p:nvPr>
-            <p:ph idx="2" type="sldImg"/>
+            <p:ph type="sldImg" idx="2"/>
           </p:nvPr>
         </p:nvSpPr>
         <p:spPr>
           <a:xfrm>
-            <a:off x="381300" y="685800"/>
+            <a:off x="381000" y="685800"/>
             <a:ext cx="6096000" cy="3429000"/>
           </a:xfrm>
           <a:custGeom>
-            <a:rect b="b" l="l" r="r" t="t"/>
+            <a:avLst/>
+            <a:gdLst/>
+            <a:ahLst/>
+            <a:cxnLst/>
+            <a:rect l="l" t="t" r="r" b="b"/>
             <a:pathLst>
-              <a:path extrusionOk="0" h="120000" w="120000">
+              <a:path w="120000" h="120000" extrusionOk="0">
                 <a:moveTo>
                   <a:pt x="0" y="0"/>
                 </a:moveTo>
@@ -1263,9 +1339,11 @@
       <p:sp>
         <p:nvSpPr>
           <p:cNvPr id="144" name="Google Shape;144;g6ec783e14b_0_130:notes"/>
-          <p:cNvSpPr txBox="1"/>
+          <p:cNvSpPr txBox="1">
+            <a:spLocks noGrp="1"/>
+          </p:cNvSpPr>
           <p:nvPr>
-            <p:ph idx="1" type="body"/>
+            <p:ph type="body" idx="1"/>
           </p:nvPr>
         </p:nvSpPr>
         <p:spPr>
@@ -1278,12 +1356,12 @@
           </a:prstGeom>
         </p:spPr>
         <p:txBody>
-          <a:bodyPr anchorCtr="0" anchor="t" bIns="91425" lIns="91425" spcFirstLastPara="1" rIns="91425" wrap="square" tIns="91425">
+          <a:bodyPr spcFirstLastPara="1" wrap="square" lIns="91425" tIns="91425" rIns="91425" bIns="91425" anchor="t" anchorCtr="0">
             <a:noAutofit/>
           </a:bodyPr>
           <a:lstStyle/>
           <a:p>
-            <a:pPr indent="0" lvl="0" marL="0" rtl="0" algn="l">
+            <a:pPr marL="0" lvl="0" indent="0" algn="l" rtl="0">
               <a:spcBef>
                 <a:spcPts val="0"/>
               </a:spcBef>
@@ -1292,14 +1370,16 @@
               </a:spcAft>
               <a:buNone/>
             </a:pPr>
-            <a:r>
-              <a:t/>
-            </a:r>
             <a:endParaRPr/>
           </a:p>
         </p:txBody>
       </p:sp>
     </p:spTree>
+    <p:extLst>
+      <p:ext uri="{BB962C8B-B14F-4D97-AF65-F5344CB8AC3E}">
+        <p14:creationId xmlns:p14="http://schemas.microsoft.com/office/powerpoint/2010/main" val="357926696"/>
+      </p:ext>
+    </p:extLst>
   </p:cSld>
   <p:clrMapOvr>
     <a:masterClrMapping/>
@@ -1308,11 +1388,11 @@
 </file>
 
 <file path=ppt/notesSlides/notesSlide4.xml><?xml version="1.0" encoding="utf-8"?>
-<p:notes xmlns:a="http://schemas.openxmlformats.org/drawingml/2006/main" xmlns:r="http://schemas.openxmlformats.org/officeDocument/2006/relationships" xmlns:mc="http://schemas.openxmlformats.org/markup-compatibility/2006" xmlns:mv="urn:schemas-microsoft-com:mac:vml" xmlns:p="http://schemas.openxmlformats.org/presentationml/2006/main" xmlns:c="http://schemas.openxmlformats.org/drawingml/2006/chart" xmlns:dgm="http://schemas.openxmlformats.org/drawingml/2006/diagram" xmlns:o="urn:schemas-microsoft-com:office:office" xmlns:v="urn:schemas-microsoft-com:vml" xmlns:pvml="urn:schemas-microsoft-com:office:powerpoint" xmlns:com="http://schemas.openxmlformats.org/drawingml/2006/compatibility" xmlns:p14="http://schemas.microsoft.com/office/powerpoint/2010/main" xmlns:p15="http://schemas.microsoft.com/office/powerpoint/2012/main" showMasterPhAnim="0" showMasterSp="0">
+<p:notes xmlns:a="http://schemas.openxmlformats.org/drawingml/2006/main" xmlns:r="http://schemas.openxmlformats.org/officeDocument/2006/relationships" xmlns:p="http://schemas.openxmlformats.org/presentationml/2006/main" showMasterSp="0" showMasterPhAnim="0">
   <p:cSld>
     <p:spTree>
       <p:nvGrpSpPr>
-        <p:cNvPr id="148" name="Shape 148"/>
+        <p:cNvPr id="1" name="Shape 148"/>
         <p:cNvGrpSpPr/>
         <p:nvPr/>
       </p:nvGrpSpPr>
@@ -1327,20 +1407,26 @@
       <p:sp>
         <p:nvSpPr>
           <p:cNvPr id="149" name="Google Shape;149;g6ec783e14b_0_135:notes"/>
-          <p:cNvSpPr/>
+          <p:cNvSpPr>
+            <a:spLocks noGrp="1" noRot="1" noChangeAspect="1"/>
+          </p:cNvSpPr>
           <p:nvPr>
-            <p:ph idx="2" type="sldImg"/>
+            <p:ph type="sldImg" idx="2"/>
           </p:nvPr>
         </p:nvSpPr>
         <p:spPr>
           <a:xfrm>
-            <a:off x="381300" y="685800"/>
+            <a:off x="381000" y="685800"/>
             <a:ext cx="6096000" cy="3429000"/>
           </a:xfrm>
           <a:custGeom>
-            <a:rect b="b" l="l" r="r" t="t"/>
+            <a:avLst/>
+            <a:gdLst/>
+            <a:ahLst/>
+            <a:cxnLst/>
+            <a:rect l="l" t="t" r="r" b="b"/>
             <a:pathLst>
-              <a:path extrusionOk="0" h="120000" w="120000">
+              <a:path w="120000" h="120000" extrusionOk="0">
                 <a:moveTo>
                   <a:pt x="0" y="0"/>
                 </a:moveTo>
@@ -1362,9 +1448,11 @@
       <p:sp>
         <p:nvSpPr>
           <p:cNvPr id="150" name="Google Shape;150;g6ec783e14b_0_135:notes"/>
-          <p:cNvSpPr txBox="1"/>
+          <p:cNvSpPr txBox="1">
+            <a:spLocks noGrp="1"/>
+          </p:cNvSpPr>
           <p:nvPr>
-            <p:ph idx="1" type="body"/>
+            <p:ph type="body" idx="1"/>
           </p:nvPr>
         </p:nvSpPr>
         <p:spPr>
@@ -1377,12 +1465,12 @@
           </a:prstGeom>
         </p:spPr>
         <p:txBody>
-          <a:bodyPr anchorCtr="0" anchor="t" bIns="91425" lIns="91425" spcFirstLastPara="1" rIns="91425" wrap="square" tIns="91425">
+          <a:bodyPr spcFirstLastPara="1" wrap="square" lIns="91425" tIns="91425" rIns="91425" bIns="91425" anchor="t" anchorCtr="0">
             <a:noAutofit/>
           </a:bodyPr>
           <a:lstStyle/>
           <a:p>
-            <a:pPr indent="0" lvl="0" marL="0" rtl="0" algn="l">
+            <a:pPr marL="0" lvl="0" indent="0" algn="l" rtl="0">
               <a:spcBef>
                 <a:spcPts val="0"/>
               </a:spcBef>
@@ -1391,14 +1479,16 @@
               </a:spcAft>
               <a:buNone/>
             </a:pPr>
-            <a:r>
-              <a:t/>
-            </a:r>
             <a:endParaRPr/>
           </a:p>
         </p:txBody>
       </p:sp>
     </p:spTree>
+    <p:extLst>
+      <p:ext uri="{BB962C8B-B14F-4D97-AF65-F5344CB8AC3E}">
+        <p14:creationId xmlns:p14="http://schemas.microsoft.com/office/powerpoint/2010/main" val="1008819885"/>
+      </p:ext>
+    </p:extLst>
   </p:cSld>
   <p:clrMapOvr>
     <a:masterClrMapping/>
@@ -1407,11 +1497,11 @@
 </file>
 
 <file path=ppt/notesSlides/notesSlide5.xml><?xml version="1.0" encoding="utf-8"?>
-<p:notes xmlns:a="http://schemas.openxmlformats.org/drawingml/2006/main" xmlns:r="http://schemas.openxmlformats.org/officeDocument/2006/relationships" xmlns:mc="http://schemas.openxmlformats.org/markup-compatibility/2006" xmlns:mv="urn:schemas-microsoft-com:mac:vml" xmlns:p="http://schemas.openxmlformats.org/presentationml/2006/main" xmlns:c="http://schemas.openxmlformats.org/drawingml/2006/chart" xmlns:dgm="http://schemas.openxmlformats.org/drawingml/2006/diagram" xmlns:o="urn:schemas-microsoft-com:office:office" xmlns:v="urn:schemas-microsoft-com:vml" xmlns:pvml="urn:schemas-microsoft-com:office:powerpoint" xmlns:com="http://schemas.openxmlformats.org/drawingml/2006/compatibility" xmlns:p14="http://schemas.microsoft.com/office/powerpoint/2010/main" xmlns:p15="http://schemas.microsoft.com/office/powerpoint/2012/main" showMasterPhAnim="0" showMasterSp="0">
+<p:notes xmlns:a="http://schemas.openxmlformats.org/drawingml/2006/main" xmlns:r="http://schemas.openxmlformats.org/officeDocument/2006/relationships" xmlns:p="http://schemas.openxmlformats.org/presentationml/2006/main" showMasterSp="0" showMasterPhAnim="0">
   <p:cSld>
     <p:spTree>
       <p:nvGrpSpPr>
-        <p:cNvPr id="154" name="Shape 154"/>
+        <p:cNvPr id="1" name="Shape 154"/>
         <p:cNvGrpSpPr/>
         <p:nvPr/>
       </p:nvGrpSpPr>
@@ -1426,20 +1516,26 @@
       <p:sp>
         <p:nvSpPr>
           <p:cNvPr id="155" name="Google Shape;155;g6ec783e14b_0_140:notes"/>
-          <p:cNvSpPr/>
+          <p:cNvSpPr>
+            <a:spLocks noGrp="1" noRot="1" noChangeAspect="1"/>
+          </p:cNvSpPr>
           <p:nvPr>
-            <p:ph idx="2" type="sldImg"/>
+            <p:ph type="sldImg" idx="2"/>
           </p:nvPr>
         </p:nvSpPr>
         <p:spPr>
           <a:xfrm>
-            <a:off x="381300" y="685800"/>
+            <a:off x="381000" y="685800"/>
             <a:ext cx="6096000" cy="3429000"/>
           </a:xfrm>
           <a:custGeom>
-            <a:rect b="b" l="l" r="r" t="t"/>
+            <a:avLst/>
+            <a:gdLst/>
+            <a:ahLst/>
+            <a:cxnLst/>
+            <a:rect l="l" t="t" r="r" b="b"/>
             <a:pathLst>
-              <a:path extrusionOk="0" h="120000" w="120000">
+              <a:path w="120000" h="120000" extrusionOk="0">
                 <a:moveTo>
                   <a:pt x="0" y="0"/>
                 </a:moveTo>
@@ -1461,9 +1557,11 @@
       <p:sp>
         <p:nvSpPr>
           <p:cNvPr id="156" name="Google Shape;156;g6ec783e14b_0_140:notes"/>
-          <p:cNvSpPr txBox="1"/>
+          <p:cNvSpPr txBox="1">
+            <a:spLocks noGrp="1"/>
+          </p:cNvSpPr>
           <p:nvPr>
-            <p:ph idx="1" type="body"/>
+            <p:ph type="body" idx="1"/>
           </p:nvPr>
         </p:nvSpPr>
         <p:spPr>
@@ -1476,12 +1574,12 @@
           </a:prstGeom>
         </p:spPr>
         <p:txBody>
-          <a:bodyPr anchorCtr="0" anchor="t" bIns="91425" lIns="91425" spcFirstLastPara="1" rIns="91425" wrap="square" tIns="91425">
+          <a:bodyPr spcFirstLastPara="1" wrap="square" lIns="91425" tIns="91425" rIns="91425" bIns="91425" anchor="t" anchorCtr="0">
             <a:noAutofit/>
           </a:bodyPr>
           <a:lstStyle/>
           <a:p>
-            <a:pPr indent="0" lvl="0" marL="0" rtl="0" algn="l">
+            <a:pPr marL="0" lvl="0" indent="0" algn="l" rtl="0">
               <a:spcBef>
                 <a:spcPts val="0"/>
               </a:spcBef>
@@ -1490,14 +1588,16 @@
               </a:spcAft>
               <a:buNone/>
             </a:pPr>
-            <a:r>
-              <a:t/>
-            </a:r>
             <a:endParaRPr/>
           </a:p>
         </p:txBody>
       </p:sp>
     </p:spTree>
+    <p:extLst>
+      <p:ext uri="{BB962C8B-B14F-4D97-AF65-F5344CB8AC3E}">
+        <p14:creationId xmlns:p14="http://schemas.microsoft.com/office/powerpoint/2010/main" val="3916085111"/>
+      </p:ext>
+    </p:extLst>
   </p:cSld>
   <p:clrMapOvr>
     <a:masterClrMapping/>
@@ -1506,11 +1606,11 @@
 </file>
 
 <file path=ppt/notesSlides/notesSlide6.xml><?xml version="1.0" encoding="utf-8"?>
-<p:notes xmlns:a="http://schemas.openxmlformats.org/drawingml/2006/main" xmlns:r="http://schemas.openxmlformats.org/officeDocument/2006/relationships" xmlns:mc="http://schemas.openxmlformats.org/markup-compatibility/2006" xmlns:mv="urn:schemas-microsoft-com:mac:vml" xmlns:p="http://schemas.openxmlformats.org/presentationml/2006/main" xmlns:c="http://schemas.openxmlformats.org/drawingml/2006/chart" xmlns:dgm="http://schemas.openxmlformats.org/drawingml/2006/diagram" xmlns:o="urn:schemas-microsoft-com:office:office" xmlns:v="urn:schemas-microsoft-com:vml" xmlns:pvml="urn:schemas-microsoft-com:office:powerpoint" xmlns:com="http://schemas.openxmlformats.org/drawingml/2006/compatibility" xmlns:p14="http://schemas.microsoft.com/office/powerpoint/2010/main" xmlns:p15="http://schemas.microsoft.com/office/powerpoint/2012/main" showMasterPhAnim="0" showMasterSp="0">
+<p:notes xmlns:a="http://schemas.openxmlformats.org/drawingml/2006/main" xmlns:r="http://schemas.openxmlformats.org/officeDocument/2006/relationships" xmlns:p="http://schemas.openxmlformats.org/presentationml/2006/main" showMasterSp="0" showMasterPhAnim="0">
   <p:cSld>
     <p:spTree>
       <p:nvGrpSpPr>
-        <p:cNvPr id="160" name="Shape 160"/>
+        <p:cNvPr id="1" name="Shape 160"/>
         <p:cNvGrpSpPr/>
         <p:nvPr/>
       </p:nvGrpSpPr>
@@ -1525,20 +1625,26 @@
       <p:sp>
         <p:nvSpPr>
           <p:cNvPr id="161" name="Google Shape;161;g6ec783e14b_0_145:notes"/>
-          <p:cNvSpPr/>
+          <p:cNvSpPr>
+            <a:spLocks noGrp="1" noRot="1" noChangeAspect="1"/>
+          </p:cNvSpPr>
           <p:nvPr>
-            <p:ph idx="2" type="sldImg"/>
+            <p:ph type="sldImg" idx="2"/>
           </p:nvPr>
         </p:nvSpPr>
         <p:spPr>
           <a:xfrm>
-            <a:off x="381300" y="685800"/>
+            <a:off x="381000" y="685800"/>
             <a:ext cx="6096000" cy="3429000"/>
           </a:xfrm>
           <a:custGeom>
-            <a:rect b="b" l="l" r="r" t="t"/>
+            <a:avLst/>
+            <a:gdLst/>
+            <a:ahLst/>
+            <a:cxnLst/>
+            <a:rect l="l" t="t" r="r" b="b"/>
             <a:pathLst>
-              <a:path extrusionOk="0" h="120000" w="120000">
+              <a:path w="120000" h="120000" extrusionOk="0">
                 <a:moveTo>
                   <a:pt x="0" y="0"/>
                 </a:moveTo>
@@ -1560,9 +1666,11 @@
       <p:sp>
         <p:nvSpPr>
           <p:cNvPr id="162" name="Google Shape;162;g6ec783e14b_0_145:notes"/>
-          <p:cNvSpPr txBox="1"/>
+          <p:cNvSpPr txBox="1">
+            <a:spLocks noGrp="1"/>
+          </p:cNvSpPr>
           <p:nvPr>
-            <p:ph idx="1" type="body"/>
+            <p:ph type="body" idx="1"/>
           </p:nvPr>
         </p:nvSpPr>
         <p:spPr>
@@ -1575,12 +1683,12 @@
           </a:prstGeom>
         </p:spPr>
         <p:txBody>
-          <a:bodyPr anchorCtr="0" anchor="t" bIns="91425" lIns="91425" spcFirstLastPara="1" rIns="91425" wrap="square" tIns="91425">
+          <a:bodyPr spcFirstLastPara="1" wrap="square" lIns="91425" tIns="91425" rIns="91425" bIns="91425" anchor="t" anchorCtr="0">
             <a:noAutofit/>
           </a:bodyPr>
           <a:lstStyle/>
           <a:p>
-            <a:pPr indent="0" lvl="0" marL="0" rtl="0" algn="l">
+            <a:pPr marL="0" lvl="0" indent="0" algn="l" rtl="0">
               <a:spcBef>
                 <a:spcPts val="0"/>
               </a:spcBef>
@@ -1589,14 +1697,16 @@
               </a:spcAft>
               <a:buNone/>
             </a:pPr>
-            <a:r>
-              <a:t/>
-            </a:r>
             <a:endParaRPr/>
           </a:p>
         </p:txBody>
       </p:sp>
     </p:spTree>
+    <p:extLst>
+      <p:ext uri="{BB962C8B-B14F-4D97-AF65-F5344CB8AC3E}">
+        <p14:creationId xmlns:p14="http://schemas.microsoft.com/office/powerpoint/2010/main" val="1762439786"/>
+      </p:ext>
+    </p:extLst>
   </p:cSld>
   <p:clrMapOvr>
     <a:masterClrMapping/>
@@ -1605,11 +1715,11 @@
 </file>
 
 <file path=ppt/notesSlides/notesSlide7.xml><?xml version="1.0" encoding="utf-8"?>
-<p:notes xmlns:a="http://schemas.openxmlformats.org/drawingml/2006/main" xmlns:r="http://schemas.openxmlformats.org/officeDocument/2006/relationships" xmlns:mc="http://schemas.openxmlformats.org/markup-compatibility/2006" xmlns:mv="urn:schemas-microsoft-com:mac:vml" xmlns:p="http://schemas.openxmlformats.org/presentationml/2006/main" xmlns:c="http://schemas.openxmlformats.org/drawingml/2006/chart" xmlns:dgm="http://schemas.openxmlformats.org/drawingml/2006/diagram" xmlns:o="urn:schemas-microsoft-com:office:office" xmlns:v="urn:schemas-microsoft-com:vml" xmlns:pvml="urn:schemas-microsoft-com:office:powerpoint" xmlns:com="http://schemas.openxmlformats.org/drawingml/2006/compatibility" xmlns:p14="http://schemas.microsoft.com/office/powerpoint/2010/main" xmlns:p15="http://schemas.microsoft.com/office/powerpoint/2012/main" showMasterPhAnim="0" showMasterSp="0">
+<p:notes xmlns:a="http://schemas.openxmlformats.org/drawingml/2006/main" xmlns:r="http://schemas.openxmlformats.org/officeDocument/2006/relationships" xmlns:p="http://schemas.openxmlformats.org/presentationml/2006/main" showMasterSp="0" showMasterPhAnim="0">
   <p:cSld>
     <p:spTree>
       <p:nvGrpSpPr>
-        <p:cNvPr id="166" name="Shape 166"/>
+        <p:cNvPr id="1" name="Shape 166"/>
         <p:cNvGrpSpPr/>
         <p:nvPr/>
       </p:nvGrpSpPr>
@@ -1624,20 +1734,26 @@
       <p:sp>
         <p:nvSpPr>
           <p:cNvPr id="167" name="Google Shape;167;g6ec783e14b_0_150:notes"/>
-          <p:cNvSpPr/>
+          <p:cNvSpPr>
+            <a:spLocks noGrp="1" noRot="1" noChangeAspect="1"/>
+          </p:cNvSpPr>
           <p:nvPr>
-            <p:ph idx="2" type="sldImg"/>
+            <p:ph type="sldImg" idx="2"/>
           </p:nvPr>
         </p:nvSpPr>
         <p:spPr>
           <a:xfrm>
-            <a:off x="381300" y="685800"/>
+            <a:off x="381000" y="685800"/>
             <a:ext cx="6096000" cy="3429000"/>
           </a:xfrm>
           <a:custGeom>
-            <a:rect b="b" l="l" r="r" t="t"/>
+            <a:avLst/>
+            <a:gdLst/>
+            <a:ahLst/>
+            <a:cxnLst/>
+            <a:rect l="l" t="t" r="r" b="b"/>
             <a:pathLst>
-              <a:path extrusionOk="0" h="120000" w="120000">
+              <a:path w="120000" h="120000" extrusionOk="0">
                 <a:moveTo>
                   <a:pt x="0" y="0"/>
                 </a:moveTo>
@@ -1659,9 +1775,11 @@
       <p:sp>
         <p:nvSpPr>
           <p:cNvPr id="168" name="Google Shape;168;g6ec783e14b_0_150:notes"/>
-          <p:cNvSpPr txBox="1"/>
+          <p:cNvSpPr txBox="1">
+            <a:spLocks noGrp="1"/>
+          </p:cNvSpPr>
           <p:nvPr>
-            <p:ph idx="1" type="body"/>
+            <p:ph type="body" idx="1"/>
           </p:nvPr>
         </p:nvSpPr>
         <p:spPr>
@@ -1674,12 +1792,12 @@
           </a:prstGeom>
         </p:spPr>
         <p:txBody>
-          <a:bodyPr anchorCtr="0" anchor="t" bIns="91425" lIns="91425" spcFirstLastPara="1" rIns="91425" wrap="square" tIns="91425">
+          <a:bodyPr spcFirstLastPara="1" wrap="square" lIns="91425" tIns="91425" rIns="91425" bIns="91425" anchor="t" anchorCtr="0">
             <a:noAutofit/>
           </a:bodyPr>
           <a:lstStyle/>
           <a:p>
-            <a:pPr indent="0" lvl="0" marL="0" rtl="0" algn="l">
+            <a:pPr marL="0" lvl="0" indent="0" algn="l" rtl="0">
               <a:spcBef>
                 <a:spcPts val="0"/>
               </a:spcBef>
@@ -1688,14 +1806,16 @@
               </a:spcAft>
               <a:buNone/>
             </a:pPr>
-            <a:r>
-              <a:t/>
-            </a:r>
             <a:endParaRPr/>
           </a:p>
         </p:txBody>
       </p:sp>
     </p:spTree>
+    <p:extLst>
+      <p:ext uri="{BB962C8B-B14F-4D97-AF65-F5344CB8AC3E}">
+        <p14:creationId xmlns:p14="http://schemas.microsoft.com/office/powerpoint/2010/main" val="250037329"/>
+      </p:ext>
+    </p:extLst>
   </p:cSld>
   <p:clrMapOvr>
     <a:masterClrMapping/>
@@ -1704,11 +1824,11 @@
 </file>
 
 <file path=ppt/notesSlides/notesSlide8.xml><?xml version="1.0" encoding="utf-8"?>
-<p:notes xmlns:a="http://schemas.openxmlformats.org/drawingml/2006/main" xmlns:r="http://schemas.openxmlformats.org/officeDocument/2006/relationships" xmlns:mc="http://schemas.openxmlformats.org/markup-compatibility/2006" xmlns:mv="urn:schemas-microsoft-com:mac:vml" xmlns:p="http://schemas.openxmlformats.org/presentationml/2006/main" xmlns:c="http://schemas.openxmlformats.org/drawingml/2006/chart" xmlns:dgm="http://schemas.openxmlformats.org/drawingml/2006/diagram" xmlns:o="urn:schemas-microsoft-com:office:office" xmlns:v="urn:schemas-microsoft-com:vml" xmlns:pvml="urn:schemas-microsoft-com:office:powerpoint" xmlns:com="http://schemas.openxmlformats.org/drawingml/2006/compatibility" xmlns:p14="http://schemas.microsoft.com/office/powerpoint/2010/main" xmlns:p15="http://schemas.microsoft.com/office/powerpoint/2012/main" showMasterPhAnim="0" showMasterSp="0">
+<p:notes xmlns:a="http://schemas.openxmlformats.org/drawingml/2006/main" xmlns:r="http://schemas.openxmlformats.org/officeDocument/2006/relationships" xmlns:p="http://schemas.openxmlformats.org/presentationml/2006/main" showMasterSp="0" showMasterPhAnim="0">
   <p:cSld>
     <p:spTree>
       <p:nvGrpSpPr>
-        <p:cNvPr id="172" name="Shape 172"/>
+        <p:cNvPr id="1" name="Shape 172"/>
         <p:cNvGrpSpPr/>
         <p:nvPr/>
       </p:nvGrpSpPr>
@@ -1723,20 +1843,26 @@
       <p:sp>
         <p:nvSpPr>
           <p:cNvPr id="173" name="Google Shape;173;g6ec783e14b_0_155:notes"/>
-          <p:cNvSpPr/>
+          <p:cNvSpPr>
+            <a:spLocks noGrp="1" noRot="1" noChangeAspect="1"/>
+          </p:cNvSpPr>
           <p:nvPr>
-            <p:ph idx="2" type="sldImg"/>
+            <p:ph type="sldImg" idx="2"/>
           </p:nvPr>
         </p:nvSpPr>
         <p:spPr>
           <a:xfrm>
-            <a:off x="381300" y="685800"/>
+            <a:off x="381000" y="685800"/>
             <a:ext cx="6096000" cy="3429000"/>
           </a:xfrm>
           <a:custGeom>
-            <a:rect b="b" l="l" r="r" t="t"/>
+            <a:avLst/>
+            <a:gdLst/>
+            <a:ahLst/>
+            <a:cxnLst/>
+            <a:rect l="l" t="t" r="r" b="b"/>
             <a:pathLst>
-              <a:path extrusionOk="0" h="120000" w="120000">
+              <a:path w="120000" h="120000" extrusionOk="0">
                 <a:moveTo>
                   <a:pt x="0" y="0"/>
                 </a:moveTo>
@@ -1758,9 +1884,11 @@
       <p:sp>
         <p:nvSpPr>
           <p:cNvPr id="174" name="Google Shape;174;g6ec783e14b_0_155:notes"/>
-          <p:cNvSpPr txBox="1"/>
+          <p:cNvSpPr txBox="1">
+            <a:spLocks noGrp="1"/>
+          </p:cNvSpPr>
           <p:nvPr>
-            <p:ph idx="1" type="body"/>
+            <p:ph type="body" idx="1"/>
           </p:nvPr>
         </p:nvSpPr>
         <p:spPr>
@@ -1773,12 +1901,12 @@
           </a:prstGeom>
         </p:spPr>
         <p:txBody>
-          <a:bodyPr anchorCtr="0" anchor="t" bIns="91425" lIns="91425" spcFirstLastPara="1" rIns="91425" wrap="square" tIns="91425">
+          <a:bodyPr spcFirstLastPara="1" wrap="square" lIns="91425" tIns="91425" rIns="91425" bIns="91425" anchor="t" anchorCtr="0">
             <a:noAutofit/>
           </a:bodyPr>
           <a:lstStyle/>
           <a:p>
-            <a:pPr indent="0" lvl="0" marL="0" rtl="0" algn="l">
+            <a:pPr marL="0" lvl="0" indent="0" algn="l" rtl="0">
               <a:spcBef>
                 <a:spcPts val="0"/>
               </a:spcBef>
@@ -1787,14 +1915,16 @@
               </a:spcAft>
               <a:buNone/>
             </a:pPr>
-            <a:r>
-              <a:t/>
-            </a:r>
             <a:endParaRPr/>
           </a:p>
         </p:txBody>
       </p:sp>
     </p:spTree>
+    <p:extLst>
+      <p:ext uri="{BB962C8B-B14F-4D97-AF65-F5344CB8AC3E}">
+        <p14:creationId xmlns:p14="http://schemas.microsoft.com/office/powerpoint/2010/main" val="3114826685"/>
+      </p:ext>
+    </p:extLst>
   </p:cSld>
   <p:clrMapOvr>
     <a:masterClrMapping/>
@@ -1803,11 +1933,11 @@
 </file>
 
 <file path=ppt/notesSlides/notesSlide9.xml><?xml version="1.0" encoding="utf-8"?>
-<p:notes xmlns:a="http://schemas.openxmlformats.org/drawingml/2006/main" xmlns:r="http://schemas.openxmlformats.org/officeDocument/2006/relationships" xmlns:mc="http://schemas.openxmlformats.org/markup-compatibility/2006" xmlns:mv="urn:schemas-microsoft-com:mac:vml" xmlns:p="http://schemas.openxmlformats.org/presentationml/2006/main" xmlns:c="http://schemas.openxmlformats.org/drawingml/2006/chart" xmlns:dgm="http://schemas.openxmlformats.org/drawingml/2006/diagram" xmlns:o="urn:schemas-microsoft-com:office:office" xmlns:v="urn:schemas-microsoft-com:vml" xmlns:pvml="urn:schemas-microsoft-com:office:powerpoint" xmlns:com="http://schemas.openxmlformats.org/drawingml/2006/compatibility" xmlns:p14="http://schemas.microsoft.com/office/powerpoint/2010/main" xmlns:p15="http://schemas.microsoft.com/office/powerpoint/2012/main" showMasterPhAnim="0" showMasterSp="0">
+<p:notes xmlns:a="http://schemas.openxmlformats.org/drawingml/2006/main" xmlns:r="http://schemas.openxmlformats.org/officeDocument/2006/relationships" xmlns:p="http://schemas.openxmlformats.org/presentationml/2006/main" showMasterSp="0" showMasterPhAnim="0">
   <p:cSld>
     <p:spTree>
       <p:nvGrpSpPr>
-        <p:cNvPr id="178" name="Shape 178"/>
+        <p:cNvPr id="1" name="Shape 178"/>
         <p:cNvGrpSpPr/>
         <p:nvPr/>
       </p:nvGrpSpPr>
@@ -1822,20 +1952,26 @@
       <p:sp>
         <p:nvSpPr>
           <p:cNvPr id="179" name="Google Shape;179;g6ec783e14b_0_160:notes"/>
-          <p:cNvSpPr/>
+          <p:cNvSpPr>
+            <a:spLocks noGrp="1" noRot="1" noChangeAspect="1"/>
+          </p:cNvSpPr>
           <p:nvPr>
-            <p:ph idx="2" type="sldImg"/>
+            <p:ph type="sldImg" idx="2"/>
           </p:nvPr>
         </p:nvSpPr>
         <p:spPr>
           <a:xfrm>
-            <a:off x="381300" y="685800"/>
+            <a:off x="381000" y="685800"/>
             <a:ext cx="6096000" cy="3429000"/>
           </a:xfrm>
           <a:custGeom>
-            <a:rect b="b" l="l" r="r" t="t"/>
+            <a:avLst/>
+            <a:gdLst/>
+            <a:ahLst/>
+            <a:cxnLst/>
+            <a:rect l="l" t="t" r="r" b="b"/>
             <a:pathLst>
-              <a:path extrusionOk="0" h="120000" w="120000">
+              <a:path w="120000" h="120000" extrusionOk="0">
                 <a:moveTo>
                   <a:pt x="0" y="0"/>
                 </a:moveTo>
@@ -1857,9 +1993,11 @@
       <p:sp>
         <p:nvSpPr>
           <p:cNvPr id="180" name="Google Shape;180;g6ec783e14b_0_160:notes"/>
-          <p:cNvSpPr txBox="1"/>
+          <p:cNvSpPr txBox="1">
+            <a:spLocks noGrp="1"/>
+          </p:cNvSpPr>
           <p:nvPr>
-            <p:ph idx="1" type="body"/>
+            <p:ph type="body" idx="1"/>
           </p:nvPr>
         </p:nvSpPr>
         <p:spPr>
@@ -1872,12 +2010,12 @@
           </a:prstGeom>
         </p:spPr>
         <p:txBody>
-          <a:bodyPr anchorCtr="0" anchor="t" bIns="91425" lIns="91425" spcFirstLastPara="1" rIns="91425" wrap="square" tIns="91425">
+          <a:bodyPr spcFirstLastPara="1" wrap="square" lIns="91425" tIns="91425" rIns="91425" bIns="91425" anchor="t" anchorCtr="0">
             <a:noAutofit/>
           </a:bodyPr>
           <a:lstStyle/>
           <a:p>
-            <a:pPr indent="0" lvl="0" marL="0" rtl="0" algn="l">
+            <a:pPr marL="0" lvl="0" indent="0" algn="l" rtl="0">
               <a:spcBef>
                 <a:spcPts val="0"/>
               </a:spcBef>
@@ -1886,14 +2024,16 @@
               </a:spcAft>
               <a:buNone/>
             </a:pPr>
-            <a:r>
-              <a:t/>
-            </a:r>
             <a:endParaRPr/>
           </a:p>
         </p:txBody>
       </p:sp>
     </p:spTree>
+    <p:extLst>
+      <p:ext uri="{BB962C8B-B14F-4D97-AF65-F5344CB8AC3E}">
+        <p14:creationId xmlns:p14="http://schemas.microsoft.com/office/powerpoint/2010/main" val="1669048521"/>
+      </p:ext>
+    </p:extLst>
   </p:cSld>
   <p:clrMapOvr>
     <a:masterClrMapping/>
@@ -1902,11 +2042,11 @@
 </file>
 
 <file path=ppt/slideLayouts/slideLayout1.xml><?xml version="1.0" encoding="utf-8"?>
-<p:sldLayout xmlns:a="http://schemas.openxmlformats.org/drawingml/2006/main" xmlns:r="http://schemas.openxmlformats.org/officeDocument/2006/relationships" xmlns:mc="http://schemas.openxmlformats.org/markup-compatibility/2006" xmlns:mv="urn:schemas-microsoft-com:mac:vml" xmlns:p="http://schemas.openxmlformats.org/presentationml/2006/main" xmlns:c="http://schemas.openxmlformats.org/drawingml/2006/chart" xmlns:dgm="http://schemas.openxmlformats.org/drawingml/2006/diagram" xmlns:o="urn:schemas-microsoft-com:office:office" xmlns:v="urn:schemas-microsoft-com:vml" xmlns:pvml="urn:schemas-microsoft-com:office:powerpoint" xmlns:com="http://schemas.openxmlformats.org/drawingml/2006/compatibility" xmlns:p14="http://schemas.microsoft.com/office/powerpoint/2010/main" xmlns:p15="http://schemas.microsoft.com/office/powerpoint/2012/main" matchingName="Title slide" type="title">
+<p:sldLayout xmlns:a="http://schemas.openxmlformats.org/drawingml/2006/main" xmlns:r="http://schemas.openxmlformats.org/officeDocument/2006/relationships" xmlns:p="http://schemas.openxmlformats.org/presentationml/2006/main" matchingName="Title slide" type="title">
   <p:cSld name="TITLE">
     <p:spTree>
       <p:nvGrpSpPr>
-        <p:cNvPr id="9" name="Shape 9"/>
+        <p:cNvPr id="1" name="Shape 9"/>
         <p:cNvGrpSpPr/>
         <p:nvPr/>
       </p:nvGrpSpPr>
@@ -1931,7 +2071,7 @@
           </a:xfrm>
           <a:prstGeom prst="diagStripe">
             <a:avLst>
-              <a:gd fmla="val 0" name="adj"/>
+              <a:gd name="adj" fmla="val 0"/>
             </a:avLst>
           </a:prstGeom>
           <a:solidFill>
@@ -1944,12 +2084,12 @@
           </a:ln>
         </p:spPr>
         <p:txBody>
-          <a:bodyPr anchorCtr="0" anchor="ctr" bIns="91425" lIns="91425" spcFirstLastPara="1" rIns="91425" wrap="square" tIns="91425">
+          <a:bodyPr spcFirstLastPara="1" wrap="square" lIns="91425" tIns="91425" rIns="91425" bIns="91425" anchor="ctr" anchorCtr="0">
             <a:noAutofit/>
           </a:bodyPr>
           <a:lstStyle/>
           <a:p>
-            <a:pPr indent="0" lvl="0" marL="0" rtl="0" algn="l">
+            <a:pPr marL="0" lvl="0" indent="0" algn="l" rtl="0">
               <a:spcBef>
                 <a:spcPts val="0"/>
               </a:spcBef>
@@ -1958,9 +2098,6 @@
               </a:spcAft>
               <a:buNone/>
             </a:pPr>
-            <a:r>
-              <a:t/>
-            </a:r>
             <a:endParaRPr/>
           </a:p>
         </p:txBody>
@@ -1992,7 +2129,7 @@
             </a:xfrm>
             <a:prstGeom prst="diagStripe">
               <a:avLst>
-                <a:gd fmla="val 50000" name="adj"/>
+                <a:gd name="adj" fmla="val 50000"/>
               </a:avLst>
             </a:prstGeom>
             <a:solidFill>
@@ -2005,12 +2142,12 @@
             </a:ln>
           </p:spPr>
           <p:txBody>
-            <a:bodyPr anchorCtr="0" anchor="ctr" bIns="91425" lIns="91425" spcFirstLastPara="1" rIns="91425" wrap="square" tIns="91425">
+            <a:bodyPr spcFirstLastPara="1" wrap="square" lIns="91425" tIns="91425" rIns="91425" bIns="91425" anchor="ctr" anchorCtr="0">
               <a:noAutofit/>
             </a:bodyPr>
             <a:lstStyle/>
             <a:p>
-              <a:pPr indent="0" lvl="0" marL="0" rtl="0" algn="l">
+              <a:pPr marL="0" lvl="0" indent="0" algn="l" rtl="0">
                 <a:spcBef>
                   <a:spcPts val="0"/>
                 </a:spcBef>
@@ -2019,9 +2156,6 @@
                 </a:spcAft>
                 <a:buNone/>
               </a:pPr>
-              <a:r>
-                <a:t/>
-              </a:r>
               <a:endParaRPr/>
             </a:p>
           </p:txBody>
@@ -2039,7 +2173,7 @@
             </a:xfrm>
             <a:prstGeom prst="diagStripe">
               <a:avLst>
-                <a:gd fmla="val 58774" name="adj"/>
+                <a:gd name="adj" fmla="val 58774"/>
               </a:avLst>
             </a:prstGeom>
             <a:solidFill>
@@ -2052,12 +2186,12 @@
             </a:ln>
           </p:spPr>
           <p:txBody>
-            <a:bodyPr anchorCtr="0" anchor="ctr" bIns="91425" lIns="91425" spcFirstLastPara="1" rIns="91425" wrap="square" tIns="91425">
+            <a:bodyPr spcFirstLastPara="1" wrap="square" lIns="91425" tIns="91425" rIns="91425" bIns="91425" anchor="ctr" anchorCtr="0">
               <a:noAutofit/>
             </a:bodyPr>
             <a:lstStyle/>
             <a:p>
-              <a:pPr indent="0" lvl="0" marL="0" rtl="0" algn="l">
+              <a:pPr marL="0" lvl="0" indent="0" algn="l" rtl="0">
                 <a:spcBef>
                   <a:spcPts val="0"/>
                 </a:spcBef>
@@ -2066,9 +2200,6 @@
                 </a:spcAft>
                 <a:buNone/>
               </a:pPr>
-              <a:r>
-                <a:t/>
-              </a:r>
               <a:endParaRPr/>
             </a:p>
           </p:txBody>
@@ -2086,7 +2217,7 @@
             </a:xfrm>
             <a:prstGeom prst="diagStripe">
               <a:avLst>
-                <a:gd fmla="val 50000" name="adj"/>
+                <a:gd name="adj" fmla="val 50000"/>
               </a:avLst>
             </a:prstGeom>
             <a:solidFill>
@@ -2097,12 +2228,12 @@
             </a:ln>
           </p:spPr>
           <p:txBody>
-            <a:bodyPr anchorCtr="0" anchor="ctr" bIns="91425" lIns="91425" spcFirstLastPara="1" rIns="91425" wrap="square" tIns="91425">
+            <a:bodyPr spcFirstLastPara="1" wrap="square" lIns="91425" tIns="91425" rIns="91425" bIns="91425" anchor="ctr" anchorCtr="0">
               <a:noAutofit/>
             </a:bodyPr>
             <a:lstStyle/>
             <a:p>
-              <a:pPr indent="0" lvl="0" marL="0" rtl="0" algn="l">
+              <a:pPr marL="0" lvl="0" indent="0" algn="l" rtl="0">
                 <a:spcBef>
                   <a:spcPts val="0"/>
                 </a:spcBef>
@@ -2111,9 +2242,6 @@
                 </a:spcAft>
                 <a:buNone/>
               </a:pPr>
-              <a:r>
-                <a:t/>
-              </a:r>
               <a:endParaRPr/>
             </a:p>
           </p:txBody>
@@ -2131,7 +2259,7 @@
             </a:xfrm>
             <a:prstGeom prst="diagStripe">
               <a:avLst>
-                <a:gd fmla="val 50000" name="adj"/>
+                <a:gd name="adj" fmla="val 50000"/>
               </a:avLst>
             </a:prstGeom>
             <a:solidFill>
@@ -2142,12 +2270,12 @@
             </a:ln>
           </p:spPr>
           <p:txBody>
-            <a:bodyPr anchorCtr="0" anchor="ctr" bIns="91425" lIns="91425" spcFirstLastPara="1" rIns="91425" wrap="square" tIns="91425">
+            <a:bodyPr spcFirstLastPara="1" wrap="square" lIns="91425" tIns="91425" rIns="91425" bIns="91425" anchor="ctr" anchorCtr="0">
               <a:noAutofit/>
             </a:bodyPr>
             <a:lstStyle/>
             <a:p>
-              <a:pPr indent="0" lvl="0" marL="0" rtl="0" algn="l">
+              <a:pPr marL="0" lvl="0" indent="0" algn="l" rtl="0">
                 <a:spcBef>
                   <a:spcPts val="0"/>
                 </a:spcBef>
@@ -2156,9 +2284,6 @@
                 </a:spcAft>
                 <a:buNone/>
               </a:pPr>
-              <a:r>
-                <a:t/>
-              </a:r>
               <a:endParaRPr/>
             </a:p>
           </p:txBody>
@@ -2167,7 +2292,9 @@
       <p:sp>
         <p:nvSpPr>
           <p:cNvPr id="16" name="Google Shape;16;p2"/>
-          <p:cNvSpPr txBox="1"/>
+          <p:cNvSpPr txBox="1">
+            <a:spLocks noGrp="1"/>
+          </p:cNvSpPr>
           <p:nvPr>
             <p:ph type="ctrTitle"/>
           </p:nvPr>
@@ -2182,7 +2309,7 @@
           </a:prstGeom>
         </p:spPr>
         <p:txBody>
-          <a:bodyPr anchorCtr="0" anchor="t" bIns="91425" lIns="91425" spcFirstLastPara="1" rIns="91425" wrap="square" tIns="91425">
+          <a:bodyPr spcFirstLastPara="1" wrap="square" lIns="91425" tIns="91425" rIns="91425" bIns="91425" anchor="t" anchorCtr="0">
             <a:noAutofit/>
           </a:bodyPr>
           <a:lstStyle>
@@ -2286,15 +2413,19 @@
               <a:defRPr sz="4000"/>
             </a:lvl9pPr>
           </a:lstStyle>
-          <a:p/>
+          <a:p>
+            <a:endParaRPr/>
+          </a:p>
         </p:txBody>
       </p:sp>
       <p:sp>
         <p:nvSpPr>
           <p:cNvPr id="17" name="Google Shape;17;p2"/>
-          <p:cNvSpPr txBox="1"/>
+          <p:cNvSpPr txBox="1">
+            <a:spLocks noGrp="1"/>
+          </p:cNvSpPr>
           <p:nvPr>
-            <p:ph idx="1" type="subTitle"/>
+            <p:ph type="subTitle" idx="1"/>
           </p:nvPr>
         </p:nvSpPr>
         <p:spPr>
@@ -2307,7 +2438,7 @@
           </a:prstGeom>
         </p:spPr>
         <p:txBody>
-          <a:bodyPr anchorCtr="0" anchor="t" bIns="91425" lIns="91425" spcFirstLastPara="1" rIns="91425" wrap="square" tIns="91425">
+          <a:bodyPr spcFirstLastPara="1" wrap="square" lIns="91425" tIns="91425" rIns="91425" bIns="91425" anchor="t" anchorCtr="0">
             <a:noAutofit/>
           </a:bodyPr>
           <a:lstStyle>
@@ -2438,15 +2569,19 @@
               <a:defRPr sz="1300"/>
             </a:lvl9pPr>
           </a:lstStyle>
-          <a:p/>
+          <a:p>
+            <a:endParaRPr/>
+          </a:p>
         </p:txBody>
       </p:sp>
       <p:sp>
         <p:nvSpPr>
           <p:cNvPr id="18" name="Google Shape;18;p2"/>
-          <p:cNvSpPr txBox="1"/>
+          <p:cNvSpPr txBox="1">
+            <a:spLocks noGrp="1"/>
+          </p:cNvSpPr>
           <p:nvPr>
-            <p:ph idx="12" type="sldNum"/>
+            <p:ph type="sldNum" idx="12"/>
           </p:nvPr>
         </p:nvSpPr>
         <p:spPr>
@@ -2459,7 +2594,7 @@
           </a:prstGeom>
         </p:spPr>
         <p:txBody>
-          <a:bodyPr anchorCtr="0" anchor="ctr" bIns="91425" lIns="91425" spcFirstLastPara="1" rIns="91425" wrap="square" tIns="91425">
+          <a:bodyPr spcFirstLastPara="1" wrap="square" lIns="91425" tIns="91425" rIns="91425" bIns="91425" anchor="ctr" anchorCtr="0">
             <a:noAutofit/>
           </a:bodyPr>
           <a:lstStyle>
@@ -2501,7 +2636,7 @@
             </a:lvl9pPr>
           </a:lstStyle>
           <a:p>
-            <a:pPr indent="0" lvl="0" marL="0" rtl="0" algn="r">
+            <a:pPr marL="0" lvl="0" indent="0" algn="r" rtl="0">
               <a:spcBef>
                 <a:spcPts val="0"/>
               </a:spcBef>
@@ -2527,11 +2662,11 @@
 </file>
 
 <file path=ppt/slideLayouts/slideLayout10.xml><?xml version="1.0" encoding="utf-8"?>
-<p:sldLayout xmlns:a="http://schemas.openxmlformats.org/drawingml/2006/main" xmlns:r="http://schemas.openxmlformats.org/officeDocument/2006/relationships" xmlns:mc="http://schemas.openxmlformats.org/markup-compatibility/2006" xmlns:mv="urn:schemas-microsoft-com:mac:vml" xmlns:p="http://schemas.openxmlformats.org/presentationml/2006/main" xmlns:c="http://schemas.openxmlformats.org/drawingml/2006/chart" xmlns:dgm="http://schemas.openxmlformats.org/drawingml/2006/diagram" xmlns:o="urn:schemas-microsoft-com:office:office" xmlns:v="urn:schemas-microsoft-com:vml" xmlns:pvml="urn:schemas-microsoft-com:office:powerpoint" xmlns:com="http://schemas.openxmlformats.org/drawingml/2006/compatibility" xmlns:p14="http://schemas.microsoft.com/office/powerpoint/2010/main" xmlns:p15="http://schemas.microsoft.com/office/powerpoint/2012/main" matchingName="Big number">
+<p:sldLayout xmlns:a="http://schemas.openxmlformats.org/drawingml/2006/main" xmlns:r="http://schemas.openxmlformats.org/officeDocument/2006/relationships" xmlns:p="http://schemas.openxmlformats.org/presentationml/2006/main" matchingName="Big number">
   <p:cSld name="BIG_NUMBER">
     <p:spTree>
       <p:nvGrpSpPr>
-        <p:cNvPr id="105" name="Shape 105"/>
+        <p:cNvPr id="1" name="Shape 105"/>
         <p:cNvGrpSpPr/>
         <p:nvPr/>
       </p:nvGrpSpPr>
@@ -2570,7 +2705,7 @@
             </a:xfrm>
             <a:prstGeom prst="diagStripe">
               <a:avLst>
-                <a:gd fmla="val 49469" name="adj"/>
+                <a:gd name="adj" fmla="val 49469"/>
               </a:avLst>
             </a:prstGeom>
             <a:solidFill>
@@ -2583,12 +2718,12 @@
             </a:ln>
           </p:spPr>
           <p:txBody>
-            <a:bodyPr anchorCtr="0" anchor="ctr" bIns="91425" lIns="91425" spcFirstLastPara="1" rIns="91425" wrap="square" tIns="91425">
+            <a:bodyPr spcFirstLastPara="1" wrap="square" lIns="91425" tIns="91425" rIns="91425" bIns="91425" anchor="ctr" anchorCtr="0">
               <a:noAutofit/>
             </a:bodyPr>
             <a:lstStyle/>
             <a:p>
-              <a:pPr indent="0" lvl="0" marL="0" rtl="0" algn="l">
+              <a:pPr marL="0" lvl="0" indent="0" algn="l" rtl="0">
                 <a:spcBef>
                   <a:spcPts val="0"/>
                 </a:spcBef>
@@ -2597,9 +2732,6 @@
                 </a:spcAft>
                 <a:buNone/>
               </a:pPr>
-              <a:r>
-                <a:t/>
-              </a:r>
               <a:endParaRPr/>
             </a:p>
           </p:txBody>
@@ -2617,7 +2749,7 @@
             </a:xfrm>
             <a:prstGeom prst="diagStripe">
               <a:avLst>
-                <a:gd fmla="val 0" name="adj"/>
+                <a:gd name="adj" fmla="val 0"/>
               </a:avLst>
             </a:prstGeom>
             <a:solidFill>
@@ -2630,12 +2762,12 @@
             </a:ln>
           </p:spPr>
           <p:txBody>
-            <a:bodyPr anchorCtr="0" anchor="ctr" bIns="91425" lIns="91425" spcFirstLastPara="1" rIns="91425" wrap="square" tIns="91425">
+            <a:bodyPr spcFirstLastPara="1" wrap="square" lIns="91425" tIns="91425" rIns="91425" bIns="91425" anchor="ctr" anchorCtr="0">
               <a:noAutofit/>
             </a:bodyPr>
             <a:lstStyle/>
             <a:p>
-              <a:pPr indent="0" lvl="0" marL="0" rtl="0" algn="l">
+              <a:pPr marL="0" lvl="0" indent="0" algn="l" rtl="0">
                 <a:spcBef>
                   <a:spcPts val="0"/>
                 </a:spcBef>
@@ -2644,9 +2776,6 @@
                 </a:spcAft>
                 <a:buNone/>
               </a:pPr>
-              <a:r>
-                <a:t/>
-              </a:r>
               <a:endParaRPr/>
             </a:p>
           </p:txBody>
@@ -2664,7 +2793,7 @@
             </a:xfrm>
             <a:prstGeom prst="diagStripe">
               <a:avLst>
-                <a:gd fmla="val 50000" name="adj"/>
+                <a:gd name="adj" fmla="val 50000"/>
               </a:avLst>
             </a:prstGeom>
             <a:solidFill>
@@ -2677,12 +2806,12 @@
             </a:ln>
           </p:spPr>
           <p:txBody>
-            <a:bodyPr anchorCtr="0" anchor="ctr" bIns="91425" lIns="91425" spcFirstLastPara="1" rIns="91425" wrap="square" tIns="91425">
+            <a:bodyPr spcFirstLastPara="1" wrap="square" lIns="91425" tIns="91425" rIns="91425" bIns="91425" anchor="ctr" anchorCtr="0">
               <a:noAutofit/>
             </a:bodyPr>
             <a:lstStyle/>
             <a:p>
-              <a:pPr indent="0" lvl="0" marL="0" rtl="0" algn="l">
+              <a:pPr marL="0" lvl="0" indent="0" algn="l" rtl="0">
                 <a:spcBef>
                   <a:spcPts val="0"/>
                 </a:spcBef>
@@ -2691,9 +2820,6 @@
                 </a:spcAft>
                 <a:buNone/>
               </a:pPr>
-              <a:r>
-                <a:t/>
-              </a:r>
               <a:endParaRPr/>
             </a:p>
           </p:txBody>
@@ -2711,7 +2837,7 @@
             </a:xfrm>
             <a:prstGeom prst="diagStripe">
               <a:avLst>
-                <a:gd fmla="val 50000" name="adj"/>
+                <a:gd name="adj" fmla="val 50000"/>
               </a:avLst>
             </a:prstGeom>
             <a:solidFill>
@@ -2724,12 +2850,12 @@
             </a:ln>
           </p:spPr>
           <p:txBody>
-            <a:bodyPr anchorCtr="0" anchor="ctr" bIns="91425" lIns="91425" spcFirstLastPara="1" rIns="91425" wrap="square" tIns="91425">
+            <a:bodyPr spcFirstLastPara="1" wrap="square" lIns="91425" tIns="91425" rIns="91425" bIns="91425" anchor="ctr" anchorCtr="0">
               <a:noAutofit/>
             </a:bodyPr>
             <a:lstStyle/>
             <a:p>
-              <a:pPr indent="0" lvl="0" marL="0" rtl="0" algn="l">
+              <a:pPr marL="0" lvl="0" indent="0" algn="l" rtl="0">
                 <a:spcBef>
                   <a:spcPts val="0"/>
                 </a:spcBef>
@@ -2738,9 +2864,6 @@
                 </a:spcAft>
                 <a:buNone/>
               </a:pPr>
-              <a:r>
-                <a:t/>
-              </a:r>
               <a:endParaRPr/>
             </a:p>
           </p:txBody>
@@ -2758,7 +2881,7 @@
             </a:xfrm>
             <a:prstGeom prst="diagStripe">
               <a:avLst>
-                <a:gd fmla="val 50000" name="adj"/>
+                <a:gd name="adj" fmla="val 50000"/>
               </a:avLst>
             </a:prstGeom>
             <a:solidFill>
@@ -2771,12 +2894,12 @@
             </a:ln>
           </p:spPr>
           <p:txBody>
-            <a:bodyPr anchorCtr="0" anchor="ctr" bIns="91425" lIns="91425" spcFirstLastPara="1" rIns="91425" wrap="square" tIns="91425">
+            <a:bodyPr spcFirstLastPara="1" wrap="square" lIns="91425" tIns="91425" rIns="91425" bIns="91425" anchor="ctr" anchorCtr="0">
               <a:noAutofit/>
             </a:bodyPr>
             <a:lstStyle/>
             <a:p>
-              <a:pPr indent="0" lvl="0" marL="0" rtl="0" algn="l">
+              <a:pPr marL="0" lvl="0" indent="0" algn="l" rtl="0">
                 <a:spcBef>
                   <a:spcPts val="0"/>
                 </a:spcBef>
@@ -2785,9 +2908,6 @@
                 </a:spcAft>
                 <a:buNone/>
               </a:pPr>
-              <a:r>
-                <a:t/>
-              </a:r>
               <a:endParaRPr/>
             </a:p>
           </p:txBody>
@@ -2805,7 +2925,7 @@
             </a:xfrm>
             <a:prstGeom prst="diagStripe">
               <a:avLst>
-                <a:gd fmla="val 50000" name="adj"/>
+                <a:gd name="adj" fmla="val 50000"/>
               </a:avLst>
             </a:prstGeom>
             <a:solidFill>
@@ -2818,12 +2938,12 @@
             </a:ln>
           </p:spPr>
           <p:txBody>
-            <a:bodyPr anchorCtr="0" anchor="ctr" bIns="91425" lIns="91425" spcFirstLastPara="1" rIns="91425" wrap="square" tIns="91425">
+            <a:bodyPr spcFirstLastPara="1" wrap="square" lIns="91425" tIns="91425" rIns="91425" bIns="91425" anchor="ctr" anchorCtr="0">
               <a:noAutofit/>
             </a:bodyPr>
             <a:lstStyle/>
             <a:p>
-              <a:pPr indent="0" lvl="0" marL="0" rtl="0" algn="l">
+              <a:pPr marL="0" lvl="0" indent="0" algn="l" rtl="0">
                 <a:spcBef>
                   <a:spcPts val="0"/>
                 </a:spcBef>
@@ -2832,9 +2952,6 @@
                 </a:spcAft>
                 <a:buNone/>
               </a:pPr>
-              <a:r>
-                <a:t/>
-              </a:r>
               <a:endParaRPr/>
             </a:p>
           </p:txBody>
@@ -2852,7 +2969,7 @@
             </a:xfrm>
             <a:prstGeom prst="diagStripe">
               <a:avLst>
-                <a:gd fmla="val 50000" name="adj"/>
+                <a:gd name="adj" fmla="val 50000"/>
               </a:avLst>
             </a:prstGeom>
             <a:solidFill>
@@ -2865,12 +2982,12 @@
             </a:ln>
           </p:spPr>
           <p:txBody>
-            <a:bodyPr anchorCtr="0" anchor="ctr" bIns="91425" lIns="91425" spcFirstLastPara="1" rIns="91425" wrap="square" tIns="91425">
+            <a:bodyPr spcFirstLastPara="1" wrap="square" lIns="91425" tIns="91425" rIns="91425" bIns="91425" anchor="ctr" anchorCtr="0">
               <a:noAutofit/>
             </a:bodyPr>
             <a:lstStyle/>
             <a:p>
-              <a:pPr indent="0" lvl="0" marL="0" rtl="0" algn="l">
+              <a:pPr marL="0" lvl="0" indent="0" algn="l" rtl="0">
                 <a:spcBef>
                   <a:spcPts val="0"/>
                 </a:spcBef>
@@ -2879,9 +2996,6 @@
                 </a:spcAft>
                 <a:buNone/>
               </a:pPr>
-              <a:r>
-                <a:t/>
-              </a:r>
               <a:endParaRPr/>
             </a:p>
           </p:txBody>
@@ -2899,7 +3013,7 @@
             </a:xfrm>
             <a:prstGeom prst="diagStripe">
               <a:avLst>
-                <a:gd fmla="val 50000" name="adj"/>
+                <a:gd name="adj" fmla="val 50000"/>
               </a:avLst>
             </a:prstGeom>
             <a:solidFill>
@@ -2910,12 +3024,12 @@
             </a:ln>
           </p:spPr>
           <p:txBody>
-            <a:bodyPr anchorCtr="0" anchor="ctr" bIns="91425" lIns="91425" spcFirstLastPara="1" rIns="91425" wrap="square" tIns="91425">
+            <a:bodyPr spcFirstLastPara="1" wrap="square" lIns="91425" tIns="91425" rIns="91425" bIns="91425" anchor="ctr" anchorCtr="0">
               <a:noAutofit/>
             </a:bodyPr>
             <a:lstStyle/>
             <a:p>
-              <a:pPr indent="0" lvl="0" marL="0" rtl="0" algn="l">
+              <a:pPr marL="0" lvl="0" indent="0" algn="l" rtl="0">
                 <a:spcBef>
                   <a:spcPts val="0"/>
                 </a:spcBef>
@@ -2924,9 +3038,6 @@
                 </a:spcAft>
                 <a:buNone/>
               </a:pPr>
-              <a:r>
-                <a:t/>
-              </a:r>
               <a:endParaRPr/>
             </a:p>
           </p:txBody>
@@ -2944,7 +3055,7 @@
             </a:xfrm>
             <a:prstGeom prst="diagStripe">
               <a:avLst>
-                <a:gd fmla="val 50000" name="adj"/>
+                <a:gd name="adj" fmla="val 50000"/>
               </a:avLst>
             </a:prstGeom>
             <a:solidFill>
@@ -2957,12 +3068,12 @@
             </a:ln>
           </p:spPr>
           <p:txBody>
-            <a:bodyPr anchorCtr="0" anchor="ctr" bIns="91425" lIns="91425" spcFirstLastPara="1" rIns="91425" wrap="square" tIns="91425">
+            <a:bodyPr spcFirstLastPara="1" wrap="square" lIns="91425" tIns="91425" rIns="91425" bIns="91425" anchor="ctr" anchorCtr="0">
               <a:noAutofit/>
             </a:bodyPr>
             <a:lstStyle/>
             <a:p>
-              <a:pPr indent="0" lvl="0" marL="0" rtl="0" algn="l">
+              <a:pPr marL="0" lvl="0" indent="0" algn="l" rtl="0">
                 <a:spcBef>
                   <a:spcPts val="0"/>
                 </a:spcBef>
@@ -2971,9 +3082,6 @@
                 </a:spcAft>
                 <a:buNone/>
               </a:pPr>
-              <a:r>
-                <a:t/>
-              </a:r>
               <a:endParaRPr/>
             </a:p>
           </p:txBody>
@@ -2991,7 +3099,7 @@
             </a:xfrm>
             <a:prstGeom prst="diagStripe">
               <a:avLst>
-                <a:gd fmla="val 50000" name="adj"/>
+                <a:gd name="adj" fmla="val 50000"/>
               </a:avLst>
             </a:prstGeom>
             <a:solidFill>
@@ -3004,12 +3112,12 @@
             </a:ln>
           </p:spPr>
           <p:txBody>
-            <a:bodyPr anchorCtr="0" anchor="ctr" bIns="91425" lIns="91425" spcFirstLastPara="1" rIns="91425" wrap="square" tIns="91425">
+            <a:bodyPr spcFirstLastPara="1" wrap="square" lIns="91425" tIns="91425" rIns="91425" bIns="91425" anchor="ctr" anchorCtr="0">
               <a:noAutofit/>
             </a:bodyPr>
             <a:lstStyle/>
             <a:p>
-              <a:pPr indent="0" lvl="0" marL="0" rtl="0" algn="l">
+              <a:pPr marL="0" lvl="0" indent="0" algn="l" rtl="0">
                 <a:spcBef>
                   <a:spcPts val="0"/>
                 </a:spcBef>
@@ -3018,9 +3126,6 @@
                 </a:spcAft>
                 <a:buNone/>
               </a:pPr>
-              <a:r>
-                <a:t/>
-              </a:r>
               <a:endParaRPr/>
             </a:p>
           </p:txBody>
@@ -3038,7 +3143,7 @@
             </a:xfrm>
             <a:prstGeom prst="diagStripe">
               <a:avLst>
-                <a:gd fmla="val 50000" name="adj"/>
+                <a:gd name="adj" fmla="val 50000"/>
               </a:avLst>
             </a:prstGeom>
             <a:solidFill>
@@ -3051,12 +3156,12 @@
             </a:ln>
           </p:spPr>
           <p:txBody>
-            <a:bodyPr anchorCtr="0" anchor="ctr" bIns="91425" lIns="91425" spcFirstLastPara="1" rIns="91425" wrap="square" tIns="91425">
+            <a:bodyPr spcFirstLastPara="1" wrap="square" lIns="91425" tIns="91425" rIns="91425" bIns="91425" anchor="ctr" anchorCtr="0">
               <a:noAutofit/>
             </a:bodyPr>
             <a:lstStyle/>
             <a:p>
-              <a:pPr indent="0" lvl="0" marL="0" rtl="0" algn="l">
+              <a:pPr marL="0" lvl="0" indent="0" algn="l" rtl="0">
                 <a:spcBef>
                   <a:spcPts val="0"/>
                 </a:spcBef>
@@ -3065,9 +3170,6 @@
                 </a:spcAft>
                 <a:buNone/>
               </a:pPr>
-              <a:r>
-                <a:t/>
-              </a:r>
               <a:endParaRPr/>
             </a:p>
           </p:txBody>
@@ -3085,7 +3187,7 @@
             </a:xfrm>
             <a:prstGeom prst="diagStripe">
               <a:avLst>
-                <a:gd fmla="val 50000" name="adj"/>
+                <a:gd name="adj" fmla="val 50000"/>
               </a:avLst>
             </a:prstGeom>
             <a:solidFill>
@@ -3098,12 +3200,12 @@
             </a:ln>
           </p:spPr>
           <p:txBody>
-            <a:bodyPr anchorCtr="0" anchor="ctr" bIns="91425" lIns="91425" spcFirstLastPara="1" rIns="91425" wrap="square" tIns="91425">
+            <a:bodyPr spcFirstLastPara="1" wrap="square" lIns="91425" tIns="91425" rIns="91425" bIns="91425" anchor="ctr" anchorCtr="0">
               <a:noAutofit/>
             </a:bodyPr>
             <a:lstStyle/>
             <a:p>
-              <a:pPr indent="0" lvl="0" marL="0" rtl="0" algn="l">
+              <a:pPr marL="0" lvl="0" indent="0" algn="l" rtl="0">
                 <a:spcBef>
                   <a:spcPts val="0"/>
                 </a:spcBef>
@@ -3112,9 +3214,6 @@
                 </a:spcAft>
                 <a:buNone/>
               </a:pPr>
-              <a:r>
-                <a:t/>
-              </a:r>
               <a:endParaRPr/>
             </a:p>
           </p:txBody>
@@ -3132,7 +3231,7 @@
             </a:xfrm>
             <a:prstGeom prst="diagStripe">
               <a:avLst>
-                <a:gd fmla="val 50000" name="adj"/>
+                <a:gd name="adj" fmla="val 50000"/>
               </a:avLst>
             </a:prstGeom>
             <a:solidFill>
@@ -3145,12 +3244,12 @@
             </a:ln>
           </p:spPr>
           <p:txBody>
-            <a:bodyPr anchorCtr="0" anchor="ctr" bIns="91425" lIns="91425" spcFirstLastPara="1" rIns="91425" wrap="square" tIns="91425">
+            <a:bodyPr spcFirstLastPara="1" wrap="square" lIns="91425" tIns="91425" rIns="91425" bIns="91425" anchor="ctr" anchorCtr="0">
               <a:noAutofit/>
             </a:bodyPr>
             <a:lstStyle/>
             <a:p>
-              <a:pPr indent="0" lvl="0" marL="0" rtl="0" algn="l">
+              <a:pPr marL="0" lvl="0" indent="0" algn="l" rtl="0">
                 <a:spcBef>
                   <a:spcPts val="0"/>
                 </a:spcBef>
@@ -3159,9 +3258,6 @@
                 </a:spcAft>
                 <a:buNone/>
               </a:pPr>
-              <a:r>
-                <a:t/>
-              </a:r>
               <a:endParaRPr/>
             </a:p>
           </p:txBody>
@@ -3179,7 +3275,7 @@
             </a:xfrm>
             <a:prstGeom prst="diagStripe">
               <a:avLst>
-                <a:gd fmla="val 50000" name="adj"/>
+                <a:gd name="adj" fmla="val 50000"/>
               </a:avLst>
             </a:prstGeom>
             <a:solidFill>
@@ -3190,12 +3286,12 @@
             </a:ln>
           </p:spPr>
           <p:txBody>
-            <a:bodyPr anchorCtr="0" anchor="ctr" bIns="91425" lIns="91425" spcFirstLastPara="1" rIns="91425" wrap="square" tIns="91425">
+            <a:bodyPr spcFirstLastPara="1" wrap="square" lIns="91425" tIns="91425" rIns="91425" bIns="91425" anchor="ctr" anchorCtr="0">
               <a:noAutofit/>
             </a:bodyPr>
             <a:lstStyle/>
             <a:p>
-              <a:pPr indent="0" lvl="0" marL="0" rtl="0" algn="l">
+              <a:pPr marL="0" lvl="0" indent="0" algn="l" rtl="0">
                 <a:spcBef>
                   <a:spcPts val="0"/>
                 </a:spcBef>
@@ -3204,9 +3300,6 @@
                 </a:spcAft>
                 <a:buNone/>
               </a:pPr>
-              <a:r>
-                <a:t/>
-              </a:r>
               <a:endParaRPr/>
             </a:p>
           </p:txBody>
@@ -3224,7 +3317,7 @@
             </a:xfrm>
             <a:prstGeom prst="diagStripe">
               <a:avLst>
-                <a:gd fmla="val 50000" name="adj"/>
+                <a:gd name="adj" fmla="val 50000"/>
               </a:avLst>
             </a:prstGeom>
             <a:solidFill>
@@ -3237,12 +3330,12 @@
             </a:ln>
           </p:spPr>
           <p:txBody>
-            <a:bodyPr anchorCtr="0" anchor="ctr" bIns="91425" lIns="91425" spcFirstLastPara="1" rIns="91425" wrap="square" tIns="91425">
+            <a:bodyPr spcFirstLastPara="1" wrap="square" lIns="91425" tIns="91425" rIns="91425" bIns="91425" anchor="ctr" anchorCtr="0">
               <a:noAutofit/>
             </a:bodyPr>
             <a:lstStyle/>
             <a:p>
-              <a:pPr indent="0" lvl="0" marL="0" rtl="0" algn="l">
+              <a:pPr marL="0" lvl="0" indent="0" algn="l" rtl="0">
                 <a:spcBef>
                   <a:spcPts val="0"/>
                 </a:spcBef>
@@ -3251,9 +3344,6 @@
                 </a:spcAft>
                 <a:buNone/>
               </a:pPr>
-              <a:r>
-                <a:t/>
-              </a:r>
               <a:endParaRPr/>
             </a:p>
           </p:txBody>
@@ -3271,7 +3361,7 @@
             </a:xfrm>
             <a:prstGeom prst="diagStripe">
               <a:avLst>
-                <a:gd fmla="val 50000" name="adj"/>
+                <a:gd name="adj" fmla="val 50000"/>
               </a:avLst>
             </a:prstGeom>
             <a:solidFill>
@@ -3284,12 +3374,12 @@
             </a:ln>
           </p:spPr>
           <p:txBody>
-            <a:bodyPr anchorCtr="0" anchor="ctr" bIns="91425" lIns="91425" spcFirstLastPara="1" rIns="91425" wrap="square" tIns="91425">
+            <a:bodyPr spcFirstLastPara="1" wrap="square" lIns="91425" tIns="91425" rIns="91425" bIns="91425" anchor="ctr" anchorCtr="0">
               <a:noAutofit/>
             </a:bodyPr>
             <a:lstStyle/>
             <a:p>
-              <a:pPr indent="0" lvl="0" marL="0" rtl="0" algn="l">
+              <a:pPr marL="0" lvl="0" indent="0" algn="l" rtl="0">
                 <a:spcBef>
                   <a:spcPts val="0"/>
                 </a:spcBef>
@@ -3298,9 +3388,6 @@
                 </a:spcAft>
                 <a:buNone/>
               </a:pPr>
-              <a:r>
-                <a:t/>
-              </a:r>
               <a:endParaRPr/>
             </a:p>
           </p:txBody>
@@ -3318,7 +3405,7 @@
             </a:xfrm>
             <a:prstGeom prst="diagStripe">
               <a:avLst>
-                <a:gd fmla="val 50000" name="adj"/>
+                <a:gd name="adj" fmla="val 50000"/>
               </a:avLst>
             </a:prstGeom>
             <a:solidFill>
@@ -3331,12 +3418,12 @@
             </a:ln>
           </p:spPr>
           <p:txBody>
-            <a:bodyPr anchorCtr="0" anchor="ctr" bIns="91425" lIns="91425" spcFirstLastPara="1" rIns="91425" wrap="square" tIns="91425">
+            <a:bodyPr spcFirstLastPara="1" wrap="square" lIns="91425" tIns="91425" rIns="91425" bIns="91425" anchor="ctr" anchorCtr="0">
               <a:noAutofit/>
             </a:bodyPr>
             <a:lstStyle/>
             <a:p>
-              <a:pPr indent="0" lvl="0" marL="0" rtl="0" algn="l">
+              <a:pPr marL="0" lvl="0" indent="0" algn="l" rtl="0">
                 <a:spcBef>
                   <a:spcPts val="0"/>
                 </a:spcBef>
@@ -3345,9 +3432,6 @@
                 </a:spcAft>
                 <a:buNone/>
               </a:pPr>
-              <a:r>
-                <a:t/>
-              </a:r>
               <a:endParaRPr/>
             </a:p>
           </p:txBody>
@@ -3365,7 +3449,7 @@
             </a:xfrm>
             <a:prstGeom prst="diagStripe">
               <a:avLst>
-                <a:gd fmla="val 50000" name="adj"/>
+                <a:gd name="adj" fmla="val 50000"/>
               </a:avLst>
             </a:prstGeom>
             <a:solidFill>
@@ -3378,12 +3462,12 @@
             </a:ln>
           </p:spPr>
           <p:txBody>
-            <a:bodyPr anchorCtr="0" anchor="ctr" bIns="91425" lIns="91425" spcFirstLastPara="1" rIns="91425" wrap="square" tIns="91425">
+            <a:bodyPr spcFirstLastPara="1" wrap="square" lIns="91425" tIns="91425" rIns="91425" bIns="91425" anchor="ctr" anchorCtr="0">
               <a:noAutofit/>
             </a:bodyPr>
             <a:lstStyle/>
             <a:p>
-              <a:pPr indent="0" lvl="0" marL="0" rtl="0" algn="l">
+              <a:pPr marL="0" lvl="0" indent="0" algn="l" rtl="0">
                 <a:spcBef>
                   <a:spcPts val="0"/>
                 </a:spcBef>
@@ -3392,9 +3476,6 @@
                 </a:spcAft>
                 <a:buNone/>
               </a:pPr>
-              <a:r>
-                <a:t/>
-              </a:r>
               <a:endParaRPr/>
             </a:p>
           </p:txBody>
@@ -3403,9 +3484,11 @@
       <p:sp>
         <p:nvSpPr>
           <p:cNvPr id="125" name="Google Shape;125;p11"/>
-          <p:cNvSpPr txBox="1"/>
+          <p:cNvSpPr txBox="1">
+            <a:spLocks noGrp="1"/>
+          </p:cNvSpPr>
           <p:nvPr>
-            <p:ph hasCustomPrompt="1" type="title"/>
+            <p:ph type="title" hasCustomPrompt="1"/>
           </p:nvPr>
         </p:nvSpPr>
         <p:spPr>
@@ -3418,7 +3501,7 @@
           </a:prstGeom>
         </p:spPr>
         <p:txBody>
-          <a:bodyPr anchorCtr="0" anchor="t" bIns="91425" lIns="91425" spcFirstLastPara="1" rIns="91425" wrap="square" tIns="91425">
+          <a:bodyPr spcFirstLastPara="1" wrap="square" lIns="91425" tIns="91425" rIns="91425" bIns="91425" anchor="t" anchorCtr="0">
             <a:noAutofit/>
           </a:bodyPr>
           <a:lstStyle>
@@ -3532,9 +3615,11 @@
       <p:sp>
         <p:nvSpPr>
           <p:cNvPr id="126" name="Google Shape;126;p11"/>
-          <p:cNvSpPr txBox="1"/>
+          <p:cNvSpPr txBox="1">
+            <a:spLocks noGrp="1"/>
+          </p:cNvSpPr>
           <p:nvPr>
-            <p:ph idx="1" type="body"/>
+            <p:ph type="body" idx="1"/>
           </p:nvPr>
         </p:nvSpPr>
         <p:spPr>
@@ -3547,11 +3632,11 @@
           </a:prstGeom>
         </p:spPr>
         <p:txBody>
-          <a:bodyPr anchorCtr="0" anchor="t" bIns="91425" lIns="91425" spcFirstLastPara="1" rIns="91425" wrap="square" tIns="91425">
+          <a:bodyPr spcFirstLastPara="1" wrap="square" lIns="91425" tIns="91425" rIns="91425" bIns="91425" anchor="t" anchorCtr="0">
             <a:noAutofit/>
           </a:bodyPr>
           <a:lstStyle>
-            <a:lvl1pPr indent="-311150" lvl="0" marL="457200">
+            <a:lvl1pPr marL="457200" lvl="0" indent="-311150">
               <a:spcBef>
                 <a:spcPts val="0"/>
               </a:spcBef>
@@ -3562,7 +3647,7 @@
               <a:buChar char="●"/>
               <a:defRPr/>
             </a:lvl1pPr>
-            <a:lvl2pPr indent="-298450" lvl="1" marL="914400">
+            <a:lvl2pPr marL="914400" lvl="1" indent="-298450">
               <a:spcBef>
                 <a:spcPts val="1600"/>
               </a:spcBef>
@@ -3573,7 +3658,7 @@
               <a:buChar char="○"/>
               <a:defRPr/>
             </a:lvl2pPr>
-            <a:lvl3pPr indent="-298450" lvl="2" marL="1371600">
+            <a:lvl3pPr marL="1371600" lvl="2" indent="-298450">
               <a:spcBef>
                 <a:spcPts val="1600"/>
               </a:spcBef>
@@ -3584,7 +3669,7 @@
               <a:buChar char="■"/>
               <a:defRPr/>
             </a:lvl3pPr>
-            <a:lvl4pPr indent="-298450" lvl="3" marL="1828800">
+            <a:lvl4pPr marL="1828800" lvl="3" indent="-298450">
               <a:spcBef>
                 <a:spcPts val="1600"/>
               </a:spcBef>
@@ -3595,7 +3680,7 @@
               <a:buChar char="●"/>
               <a:defRPr/>
             </a:lvl4pPr>
-            <a:lvl5pPr indent="-298450" lvl="4" marL="2286000">
+            <a:lvl5pPr marL="2286000" lvl="4" indent="-298450">
               <a:spcBef>
                 <a:spcPts val="1600"/>
               </a:spcBef>
@@ -3606,7 +3691,7 @@
               <a:buChar char="○"/>
               <a:defRPr/>
             </a:lvl5pPr>
-            <a:lvl6pPr indent="-298450" lvl="5" marL="2743200">
+            <a:lvl6pPr marL="2743200" lvl="5" indent="-298450">
               <a:spcBef>
                 <a:spcPts val="1600"/>
               </a:spcBef>
@@ -3617,7 +3702,7 @@
               <a:buChar char="■"/>
               <a:defRPr/>
             </a:lvl6pPr>
-            <a:lvl7pPr indent="-298450" lvl="6" marL="3200400">
+            <a:lvl7pPr marL="3200400" lvl="6" indent="-298450">
               <a:spcBef>
                 <a:spcPts val="1600"/>
               </a:spcBef>
@@ -3628,7 +3713,7 @@
               <a:buChar char="●"/>
               <a:defRPr/>
             </a:lvl7pPr>
-            <a:lvl8pPr indent="-298450" lvl="7" marL="3657600">
+            <a:lvl8pPr marL="3657600" lvl="7" indent="-298450">
               <a:spcBef>
                 <a:spcPts val="1600"/>
               </a:spcBef>
@@ -3639,7 +3724,7 @@
               <a:buChar char="○"/>
               <a:defRPr/>
             </a:lvl8pPr>
-            <a:lvl9pPr indent="-298450" lvl="8" marL="4114800">
+            <a:lvl9pPr marL="4114800" lvl="8" indent="-298450">
               <a:spcBef>
                 <a:spcPts val="1600"/>
               </a:spcBef>
@@ -3651,15 +3736,19 @@
               <a:defRPr/>
             </a:lvl9pPr>
           </a:lstStyle>
-          <a:p/>
+          <a:p>
+            <a:endParaRPr/>
+          </a:p>
         </p:txBody>
       </p:sp>
       <p:sp>
         <p:nvSpPr>
           <p:cNvPr id="127" name="Google Shape;127;p11"/>
-          <p:cNvSpPr txBox="1"/>
+          <p:cNvSpPr txBox="1">
+            <a:spLocks noGrp="1"/>
+          </p:cNvSpPr>
           <p:nvPr>
-            <p:ph idx="12" type="sldNum"/>
+            <p:ph type="sldNum" idx="12"/>
           </p:nvPr>
         </p:nvSpPr>
         <p:spPr>
@@ -3672,7 +3761,7 @@
           </a:prstGeom>
         </p:spPr>
         <p:txBody>
-          <a:bodyPr anchorCtr="0" anchor="ctr" bIns="91425" lIns="91425" spcFirstLastPara="1" rIns="91425" wrap="square" tIns="91425">
+          <a:bodyPr spcFirstLastPara="1" wrap="square" lIns="91425" tIns="91425" rIns="91425" bIns="91425" anchor="ctr" anchorCtr="0">
             <a:noAutofit/>
           </a:bodyPr>
           <a:lstStyle>
@@ -3714,7 +3803,7 @@
             </a:lvl9pPr>
           </a:lstStyle>
           <a:p>
-            <a:pPr indent="0" lvl="0" marL="0" rtl="0" algn="r">
+            <a:pPr marL="0" lvl="0" indent="0" algn="r" rtl="0">
               <a:spcBef>
                 <a:spcPts val="0"/>
               </a:spcBef>
@@ -3740,11 +3829,11 @@
 </file>
 
 <file path=ppt/slideLayouts/slideLayout11.xml><?xml version="1.0" encoding="utf-8"?>
-<p:sldLayout xmlns:a="http://schemas.openxmlformats.org/drawingml/2006/main" xmlns:r="http://schemas.openxmlformats.org/officeDocument/2006/relationships" xmlns:mc="http://schemas.openxmlformats.org/markup-compatibility/2006" xmlns:mv="urn:schemas-microsoft-com:mac:vml" xmlns:p="http://schemas.openxmlformats.org/presentationml/2006/main" xmlns:c="http://schemas.openxmlformats.org/drawingml/2006/chart" xmlns:dgm="http://schemas.openxmlformats.org/drawingml/2006/diagram" xmlns:o="urn:schemas-microsoft-com:office:office" xmlns:v="urn:schemas-microsoft-com:vml" xmlns:pvml="urn:schemas-microsoft-com:office:powerpoint" xmlns:com="http://schemas.openxmlformats.org/drawingml/2006/compatibility" xmlns:p14="http://schemas.microsoft.com/office/powerpoint/2010/main" xmlns:p15="http://schemas.microsoft.com/office/powerpoint/2012/main" matchingName="Blank" type="blank">
+<p:sldLayout xmlns:a="http://schemas.openxmlformats.org/drawingml/2006/main" xmlns:r="http://schemas.openxmlformats.org/officeDocument/2006/relationships" xmlns:p="http://schemas.openxmlformats.org/presentationml/2006/main" matchingName="Blank" type="blank">
   <p:cSld name="BLANK">
     <p:spTree>
       <p:nvGrpSpPr>
-        <p:cNvPr id="128" name="Shape 128"/>
+        <p:cNvPr id="1" name="Shape 128"/>
         <p:cNvGrpSpPr/>
         <p:nvPr/>
       </p:nvGrpSpPr>
@@ -3759,9 +3848,11 @@
       <p:sp>
         <p:nvSpPr>
           <p:cNvPr id="129" name="Google Shape;129;p12"/>
-          <p:cNvSpPr txBox="1"/>
+          <p:cNvSpPr txBox="1">
+            <a:spLocks noGrp="1"/>
+          </p:cNvSpPr>
           <p:nvPr>
-            <p:ph idx="12" type="sldNum"/>
+            <p:ph type="sldNum" idx="12"/>
           </p:nvPr>
         </p:nvSpPr>
         <p:spPr>
@@ -3774,7 +3865,7 @@
           </a:prstGeom>
         </p:spPr>
         <p:txBody>
-          <a:bodyPr anchorCtr="0" anchor="ctr" bIns="91425" lIns="91425" spcFirstLastPara="1" rIns="91425" wrap="square" tIns="91425">
+          <a:bodyPr spcFirstLastPara="1" wrap="square" lIns="91425" tIns="91425" rIns="91425" bIns="91425" anchor="ctr" anchorCtr="0">
             <a:noAutofit/>
           </a:bodyPr>
           <a:lstStyle>
@@ -3816,7 +3907,7 @@
             </a:lvl9pPr>
           </a:lstStyle>
           <a:p>
-            <a:pPr indent="0" lvl="0" marL="0" rtl="0" algn="r">
+            <a:pPr marL="0" lvl="0" indent="0" algn="r" rtl="0">
               <a:spcBef>
                 <a:spcPts val="0"/>
               </a:spcBef>
@@ -3842,11 +3933,11 @@
 </file>
 
 <file path=ppt/slideLayouts/slideLayout2.xml><?xml version="1.0" encoding="utf-8"?>
-<p:sldLayout xmlns:a="http://schemas.openxmlformats.org/drawingml/2006/main" xmlns:r="http://schemas.openxmlformats.org/officeDocument/2006/relationships" xmlns:mc="http://schemas.openxmlformats.org/markup-compatibility/2006" xmlns:mv="urn:schemas-microsoft-com:mac:vml" xmlns:p="http://schemas.openxmlformats.org/presentationml/2006/main" xmlns:c="http://schemas.openxmlformats.org/drawingml/2006/chart" xmlns:dgm="http://schemas.openxmlformats.org/drawingml/2006/diagram" xmlns:o="urn:schemas-microsoft-com:office:office" xmlns:v="urn:schemas-microsoft-com:vml" xmlns:pvml="urn:schemas-microsoft-com:office:powerpoint" xmlns:com="http://schemas.openxmlformats.org/drawingml/2006/compatibility" xmlns:p14="http://schemas.microsoft.com/office/powerpoint/2010/main" xmlns:p15="http://schemas.microsoft.com/office/powerpoint/2012/main" matchingName="Section header" type="secHead">
+<p:sldLayout xmlns:a="http://schemas.openxmlformats.org/drawingml/2006/main" xmlns:r="http://schemas.openxmlformats.org/officeDocument/2006/relationships" xmlns:p="http://schemas.openxmlformats.org/presentationml/2006/main" matchingName="Section header" type="secHead">
   <p:cSld name="SECTION_HEADER">
     <p:spTree>
       <p:nvGrpSpPr>
-        <p:cNvPr id="19" name="Shape 19"/>
+        <p:cNvPr id="1" name="Shape 19"/>
         <p:cNvGrpSpPr/>
         <p:nvPr/>
       </p:nvGrpSpPr>
@@ -3885,7 +3976,7 @@
             </a:xfrm>
             <a:prstGeom prst="diagStripe">
               <a:avLst>
-                <a:gd fmla="val 49469" name="adj"/>
+                <a:gd name="adj" fmla="val 49469"/>
               </a:avLst>
             </a:prstGeom>
             <a:solidFill>
@@ -3898,12 +3989,12 @@
             </a:ln>
           </p:spPr>
           <p:txBody>
-            <a:bodyPr anchorCtr="0" anchor="ctr" bIns="91425" lIns="91425" spcFirstLastPara="1" rIns="91425" wrap="square" tIns="91425">
+            <a:bodyPr spcFirstLastPara="1" wrap="square" lIns="91425" tIns="91425" rIns="91425" bIns="91425" anchor="ctr" anchorCtr="0">
               <a:noAutofit/>
             </a:bodyPr>
             <a:lstStyle/>
             <a:p>
-              <a:pPr indent="0" lvl="0" marL="0" rtl="0" algn="l">
+              <a:pPr marL="0" lvl="0" indent="0" algn="l" rtl="0">
                 <a:spcBef>
                   <a:spcPts val="0"/>
                 </a:spcBef>
@@ -3912,9 +4003,6 @@
                 </a:spcAft>
                 <a:buNone/>
               </a:pPr>
-              <a:r>
-                <a:t/>
-              </a:r>
               <a:endParaRPr/>
             </a:p>
           </p:txBody>
@@ -3932,7 +4020,7 @@
             </a:xfrm>
             <a:prstGeom prst="diagStripe">
               <a:avLst>
-                <a:gd fmla="val 0" name="adj"/>
+                <a:gd name="adj" fmla="val 0"/>
               </a:avLst>
             </a:prstGeom>
             <a:solidFill>
@@ -3945,12 +4033,12 @@
             </a:ln>
           </p:spPr>
           <p:txBody>
-            <a:bodyPr anchorCtr="0" anchor="ctr" bIns="91425" lIns="91425" spcFirstLastPara="1" rIns="91425" wrap="square" tIns="91425">
+            <a:bodyPr spcFirstLastPara="1" wrap="square" lIns="91425" tIns="91425" rIns="91425" bIns="91425" anchor="ctr" anchorCtr="0">
               <a:noAutofit/>
             </a:bodyPr>
             <a:lstStyle/>
             <a:p>
-              <a:pPr indent="0" lvl="0" marL="0" rtl="0" algn="l">
+              <a:pPr marL="0" lvl="0" indent="0" algn="l" rtl="0">
                 <a:spcBef>
                   <a:spcPts val="0"/>
                 </a:spcBef>
@@ -3959,9 +4047,6 @@
                 </a:spcAft>
                 <a:buNone/>
               </a:pPr>
-              <a:r>
-                <a:t/>
-              </a:r>
               <a:endParaRPr/>
             </a:p>
           </p:txBody>
@@ -3979,7 +4064,7 @@
             </a:xfrm>
             <a:prstGeom prst="diagStripe">
               <a:avLst>
-                <a:gd fmla="val 50000" name="adj"/>
+                <a:gd name="adj" fmla="val 50000"/>
               </a:avLst>
             </a:prstGeom>
             <a:solidFill>
@@ -3992,12 +4077,12 @@
             </a:ln>
           </p:spPr>
           <p:txBody>
-            <a:bodyPr anchorCtr="0" anchor="ctr" bIns="91425" lIns="91425" spcFirstLastPara="1" rIns="91425" wrap="square" tIns="91425">
+            <a:bodyPr spcFirstLastPara="1" wrap="square" lIns="91425" tIns="91425" rIns="91425" bIns="91425" anchor="ctr" anchorCtr="0">
               <a:noAutofit/>
             </a:bodyPr>
             <a:lstStyle/>
             <a:p>
-              <a:pPr indent="0" lvl="0" marL="0" rtl="0" algn="l">
+              <a:pPr marL="0" lvl="0" indent="0" algn="l" rtl="0">
                 <a:spcBef>
                   <a:spcPts val="0"/>
                 </a:spcBef>
@@ -4006,9 +4091,6 @@
                 </a:spcAft>
                 <a:buNone/>
               </a:pPr>
-              <a:r>
-                <a:t/>
-              </a:r>
               <a:endParaRPr/>
             </a:p>
           </p:txBody>
@@ -4026,7 +4108,7 @@
             </a:xfrm>
             <a:prstGeom prst="diagStripe">
               <a:avLst>
-                <a:gd fmla="val 50000" name="adj"/>
+                <a:gd name="adj" fmla="val 50000"/>
               </a:avLst>
             </a:prstGeom>
             <a:solidFill>
@@ -4039,12 +4121,12 @@
             </a:ln>
           </p:spPr>
           <p:txBody>
-            <a:bodyPr anchorCtr="0" anchor="ctr" bIns="91425" lIns="91425" spcFirstLastPara="1" rIns="91425" wrap="square" tIns="91425">
+            <a:bodyPr spcFirstLastPara="1" wrap="square" lIns="91425" tIns="91425" rIns="91425" bIns="91425" anchor="ctr" anchorCtr="0">
               <a:noAutofit/>
             </a:bodyPr>
             <a:lstStyle/>
             <a:p>
-              <a:pPr indent="0" lvl="0" marL="0" rtl="0" algn="l">
+              <a:pPr marL="0" lvl="0" indent="0" algn="l" rtl="0">
                 <a:spcBef>
                   <a:spcPts val="0"/>
                 </a:spcBef>
@@ -4053,9 +4135,6 @@
                 </a:spcAft>
                 <a:buNone/>
               </a:pPr>
-              <a:r>
-                <a:t/>
-              </a:r>
               <a:endParaRPr/>
             </a:p>
           </p:txBody>
@@ -4073,7 +4152,7 @@
             </a:xfrm>
             <a:prstGeom prst="diagStripe">
               <a:avLst>
-                <a:gd fmla="val 50000" name="adj"/>
+                <a:gd name="adj" fmla="val 50000"/>
               </a:avLst>
             </a:prstGeom>
             <a:solidFill>
@@ -4086,12 +4165,12 @@
             </a:ln>
           </p:spPr>
           <p:txBody>
-            <a:bodyPr anchorCtr="0" anchor="ctr" bIns="91425" lIns="91425" spcFirstLastPara="1" rIns="91425" wrap="square" tIns="91425">
+            <a:bodyPr spcFirstLastPara="1" wrap="square" lIns="91425" tIns="91425" rIns="91425" bIns="91425" anchor="ctr" anchorCtr="0">
               <a:noAutofit/>
             </a:bodyPr>
             <a:lstStyle/>
             <a:p>
-              <a:pPr indent="0" lvl="0" marL="0" rtl="0" algn="l">
+              <a:pPr marL="0" lvl="0" indent="0" algn="l" rtl="0">
                 <a:spcBef>
                   <a:spcPts val="0"/>
                 </a:spcBef>
@@ -4100,9 +4179,6 @@
                 </a:spcAft>
                 <a:buNone/>
               </a:pPr>
-              <a:r>
-                <a:t/>
-              </a:r>
               <a:endParaRPr/>
             </a:p>
           </p:txBody>
@@ -4120,7 +4196,7 @@
             </a:xfrm>
             <a:prstGeom prst="diagStripe">
               <a:avLst>
-                <a:gd fmla="val 50000" name="adj"/>
+                <a:gd name="adj" fmla="val 50000"/>
               </a:avLst>
             </a:prstGeom>
             <a:solidFill>
@@ -4133,12 +4209,12 @@
             </a:ln>
           </p:spPr>
           <p:txBody>
-            <a:bodyPr anchorCtr="0" anchor="ctr" bIns="91425" lIns="91425" spcFirstLastPara="1" rIns="91425" wrap="square" tIns="91425">
+            <a:bodyPr spcFirstLastPara="1" wrap="square" lIns="91425" tIns="91425" rIns="91425" bIns="91425" anchor="ctr" anchorCtr="0">
               <a:noAutofit/>
             </a:bodyPr>
             <a:lstStyle/>
             <a:p>
-              <a:pPr indent="0" lvl="0" marL="0" rtl="0" algn="l">
+              <a:pPr marL="0" lvl="0" indent="0" algn="l" rtl="0">
                 <a:spcBef>
                   <a:spcPts val="0"/>
                 </a:spcBef>
@@ -4147,9 +4223,6 @@
                 </a:spcAft>
                 <a:buNone/>
               </a:pPr>
-              <a:r>
-                <a:t/>
-              </a:r>
               <a:endParaRPr/>
             </a:p>
           </p:txBody>
@@ -4167,7 +4240,7 @@
             </a:xfrm>
             <a:prstGeom prst="diagStripe">
               <a:avLst>
-                <a:gd fmla="val 50000" name="adj"/>
+                <a:gd name="adj" fmla="val 50000"/>
               </a:avLst>
             </a:prstGeom>
             <a:solidFill>
@@ -4180,12 +4253,12 @@
             </a:ln>
           </p:spPr>
           <p:txBody>
-            <a:bodyPr anchorCtr="0" anchor="ctr" bIns="91425" lIns="91425" spcFirstLastPara="1" rIns="91425" wrap="square" tIns="91425">
+            <a:bodyPr spcFirstLastPara="1" wrap="square" lIns="91425" tIns="91425" rIns="91425" bIns="91425" anchor="ctr" anchorCtr="0">
               <a:noAutofit/>
             </a:bodyPr>
             <a:lstStyle/>
             <a:p>
-              <a:pPr indent="0" lvl="0" marL="0" rtl="0" algn="l">
+              <a:pPr marL="0" lvl="0" indent="0" algn="l" rtl="0">
                 <a:spcBef>
                   <a:spcPts val="0"/>
                 </a:spcBef>
@@ -4194,9 +4267,6 @@
                 </a:spcAft>
                 <a:buNone/>
               </a:pPr>
-              <a:r>
-                <a:t/>
-              </a:r>
               <a:endParaRPr/>
             </a:p>
           </p:txBody>
@@ -4214,7 +4284,7 @@
             </a:xfrm>
             <a:prstGeom prst="diagStripe">
               <a:avLst>
-                <a:gd fmla="val 50000" name="adj"/>
+                <a:gd name="adj" fmla="val 50000"/>
               </a:avLst>
             </a:prstGeom>
             <a:solidFill>
@@ -4225,12 +4295,12 @@
             </a:ln>
           </p:spPr>
           <p:txBody>
-            <a:bodyPr anchorCtr="0" anchor="ctr" bIns="91425" lIns="91425" spcFirstLastPara="1" rIns="91425" wrap="square" tIns="91425">
+            <a:bodyPr spcFirstLastPara="1" wrap="square" lIns="91425" tIns="91425" rIns="91425" bIns="91425" anchor="ctr" anchorCtr="0">
               <a:noAutofit/>
             </a:bodyPr>
             <a:lstStyle/>
             <a:p>
-              <a:pPr indent="0" lvl="0" marL="0" rtl="0" algn="l">
+              <a:pPr marL="0" lvl="0" indent="0" algn="l" rtl="0">
                 <a:spcBef>
                   <a:spcPts val="0"/>
                 </a:spcBef>
@@ -4239,9 +4309,6 @@
                 </a:spcAft>
                 <a:buNone/>
               </a:pPr>
-              <a:r>
-                <a:t/>
-              </a:r>
               <a:endParaRPr/>
             </a:p>
           </p:txBody>
@@ -4259,7 +4326,7 @@
             </a:xfrm>
             <a:prstGeom prst="diagStripe">
               <a:avLst>
-                <a:gd fmla="val 50000" name="adj"/>
+                <a:gd name="adj" fmla="val 50000"/>
               </a:avLst>
             </a:prstGeom>
             <a:solidFill>
@@ -4272,12 +4339,12 @@
             </a:ln>
           </p:spPr>
           <p:txBody>
-            <a:bodyPr anchorCtr="0" anchor="ctr" bIns="91425" lIns="91425" spcFirstLastPara="1" rIns="91425" wrap="square" tIns="91425">
+            <a:bodyPr spcFirstLastPara="1" wrap="square" lIns="91425" tIns="91425" rIns="91425" bIns="91425" anchor="ctr" anchorCtr="0">
               <a:noAutofit/>
             </a:bodyPr>
             <a:lstStyle/>
             <a:p>
-              <a:pPr indent="0" lvl="0" marL="0" rtl="0" algn="l">
+              <a:pPr marL="0" lvl="0" indent="0" algn="l" rtl="0">
                 <a:spcBef>
                   <a:spcPts val="0"/>
                 </a:spcBef>
@@ -4286,9 +4353,6 @@
                 </a:spcAft>
                 <a:buNone/>
               </a:pPr>
-              <a:r>
-                <a:t/>
-              </a:r>
               <a:endParaRPr/>
             </a:p>
           </p:txBody>
@@ -4306,7 +4370,7 @@
             </a:xfrm>
             <a:prstGeom prst="diagStripe">
               <a:avLst>
-                <a:gd fmla="val 50000" name="adj"/>
+                <a:gd name="adj" fmla="val 50000"/>
               </a:avLst>
             </a:prstGeom>
             <a:solidFill>
@@ -4319,12 +4383,12 @@
             </a:ln>
           </p:spPr>
           <p:txBody>
-            <a:bodyPr anchorCtr="0" anchor="ctr" bIns="91425" lIns="91425" spcFirstLastPara="1" rIns="91425" wrap="square" tIns="91425">
+            <a:bodyPr spcFirstLastPara="1" wrap="square" lIns="91425" tIns="91425" rIns="91425" bIns="91425" anchor="ctr" anchorCtr="0">
               <a:noAutofit/>
             </a:bodyPr>
             <a:lstStyle/>
             <a:p>
-              <a:pPr indent="0" lvl="0" marL="0" rtl="0" algn="l">
+              <a:pPr marL="0" lvl="0" indent="0" algn="l" rtl="0">
                 <a:spcBef>
                   <a:spcPts val="0"/>
                 </a:spcBef>
@@ -4333,9 +4397,6 @@
                 </a:spcAft>
                 <a:buNone/>
               </a:pPr>
-              <a:r>
-                <a:t/>
-              </a:r>
               <a:endParaRPr/>
             </a:p>
           </p:txBody>
@@ -4353,7 +4414,7 @@
             </a:xfrm>
             <a:prstGeom prst="diagStripe">
               <a:avLst>
-                <a:gd fmla="val 50000" name="adj"/>
+                <a:gd name="adj" fmla="val 50000"/>
               </a:avLst>
             </a:prstGeom>
             <a:solidFill>
@@ -4366,12 +4427,12 @@
             </a:ln>
           </p:spPr>
           <p:txBody>
-            <a:bodyPr anchorCtr="0" anchor="ctr" bIns="91425" lIns="91425" spcFirstLastPara="1" rIns="91425" wrap="square" tIns="91425">
+            <a:bodyPr spcFirstLastPara="1" wrap="square" lIns="91425" tIns="91425" rIns="91425" bIns="91425" anchor="ctr" anchorCtr="0">
               <a:noAutofit/>
             </a:bodyPr>
             <a:lstStyle/>
             <a:p>
-              <a:pPr indent="0" lvl="0" marL="0" rtl="0" algn="l">
+              <a:pPr marL="0" lvl="0" indent="0" algn="l" rtl="0">
                 <a:spcBef>
                   <a:spcPts val="0"/>
                 </a:spcBef>
@@ -4380,9 +4441,6 @@
                 </a:spcAft>
                 <a:buNone/>
               </a:pPr>
-              <a:r>
-                <a:t/>
-              </a:r>
               <a:endParaRPr/>
             </a:p>
           </p:txBody>
@@ -4400,7 +4458,7 @@
             </a:xfrm>
             <a:prstGeom prst="diagStripe">
               <a:avLst>
-                <a:gd fmla="val 50000" name="adj"/>
+                <a:gd name="adj" fmla="val 50000"/>
               </a:avLst>
             </a:prstGeom>
             <a:solidFill>
@@ -4413,12 +4471,12 @@
             </a:ln>
           </p:spPr>
           <p:txBody>
-            <a:bodyPr anchorCtr="0" anchor="ctr" bIns="91425" lIns="91425" spcFirstLastPara="1" rIns="91425" wrap="square" tIns="91425">
+            <a:bodyPr spcFirstLastPara="1" wrap="square" lIns="91425" tIns="91425" rIns="91425" bIns="91425" anchor="ctr" anchorCtr="0">
               <a:noAutofit/>
             </a:bodyPr>
             <a:lstStyle/>
             <a:p>
-              <a:pPr indent="0" lvl="0" marL="0" rtl="0" algn="l">
+              <a:pPr marL="0" lvl="0" indent="0" algn="l" rtl="0">
                 <a:spcBef>
                   <a:spcPts val="0"/>
                 </a:spcBef>
@@ -4427,9 +4485,6 @@
                 </a:spcAft>
                 <a:buNone/>
               </a:pPr>
-              <a:r>
-                <a:t/>
-              </a:r>
               <a:endParaRPr/>
             </a:p>
           </p:txBody>
@@ -4447,7 +4502,7 @@
             </a:xfrm>
             <a:prstGeom prst="diagStripe">
               <a:avLst>
-                <a:gd fmla="val 50000" name="adj"/>
+                <a:gd name="adj" fmla="val 50000"/>
               </a:avLst>
             </a:prstGeom>
             <a:solidFill>
@@ -4460,12 +4515,12 @@
             </a:ln>
           </p:spPr>
           <p:txBody>
-            <a:bodyPr anchorCtr="0" anchor="ctr" bIns="91425" lIns="91425" spcFirstLastPara="1" rIns="91425" wrap="square" tIns="91425">
+            <a:bodyPr spcFirstLastPara="1" wrap="square" lIns="91425" tIns="91425" rIns="91425" bIns="91425" anchor="ctr" anchorCtr="0">
               <a:noAutofit/>
             </a:bodyPr>
             <a:lstStyle/>
             <a:p>
-              <a:pPr indent="0" lvl="0" marL="0" rtl="0" algn="l">
+              <a:pPr marL="0" lvl="0" indent="0" algn="l" rtl="0">
                 <a:spcBef>
                   <a:spcPts val="0"/>
                 </a:spcBef>
@@ -4474,9 +4529,6 @@
                 </a:spcAft>
                 <a:buNone/>
               </a:pPr>
-              <a:r>
-                <a:t/>
-              </a:r>
               <a:endParaRPr/>
             </a:p>
           </p:txBody>
@@ -4494,7 +4546,7 @@
             </a:xfrm>
             <a:prstGeom prst="diagStripe">
               <a:avLst>
-                <a:gd fmla="val 50000" name="adj"/>
+                <a:gd name="adj" fmla="val 50000"/>
               </a:avLst>
             </a:prstGeom>
             <a:solidFill>
@@ -4505,12 +4557,12 @@
             </a:ln>
           </p:spPr>
           <p:txBody>
-            <a:bodyPr anchorCtr="0" anchor="ctr" bIns="91425" lIns="91425" spcFirstLastPara="1" rIns="91425" wrap="square" tIns="91425">
+            <a:bodyPr spcFirstLastPara="1" wrap="square" lIns="91425" tIns="91425" rIns="91425" bIns="91425" anchor="ctr" anchorCtr="0">
               <a:noAutofit/>
             </a:bodyPr>
             <a:lstStyle/>
             <a:p>
-              <a:pPr indent="0" lvl="0" marL="0" rtl="0" algn="l">
+              <a:pPr marL="0" lvl="0" indent="0" algn="l" rtl="0">
                 <a:spcBef>
                   <a:spcPts val="0"/>
                 </a:spcBef>
@@ -4519,9 +4571,6 @@
                 </a:spcAft>
                 <a:buNone/>
               </a:pPr>
-              <a:r>
-                <a:t/>
-              </a:r>
               <a:endParaRPr/>
             </a:p>
           </p:txBody>
@@ -4539,7 +4588,7 @@
             </a:xfrm>
             <a:prstGeom prst="diagStripe">
               <a:avLst>
-                <a:gd fmla="val 50000" name="adj"/>
+                <a:gd name="adj" fmla="val 50000"/>
               </a:avLst>
             </a:prstGeom>
             <a:solidFill>
@@ -4552,12 +4601,12 @@
             </a:ln>
           </p:spPr>
           <p:txBody>
-            <a:bodyPr anchorCtr="0" anchor="ctr" bIns="91425" lIns="91425" spcFirstLastPara="1" rIns="91425" wrap="square" tIns="91425">
+            <a:bodyPr spcFirstLastPara="1" wrap="square" lIns="91425" tIns="91425" rIns="91425" bIns="91425" anchor="ctr" anchorCtr="0">
               <a:noAutofit/>
             </a:bodyPr>
             <a:lstStyle/>
             <a:p>
-              <a:pPr indent="0" lvl="0" marL="0" rtl="0" algn="l">
+              <a:pPr marL="0" lvl="0" indent="0" algn="l" rtl="0">
                 <a:spcBef>
                   <a:spcPts val="0"/>
                 </a:spcBef>
@@ -4566,9 +4615,6 @@
                 </a:spcAft>
                 <a:buNone/>
               </a:pPr>
-              <a:r>
-                <a:t/>
-              </a:r>
               <a:endParaRPr/>
             </a:p>
           </p:txBody>
@@ -4586,7 +4632,7 @@
             </a:xfrm>
             <a:prstGeom prst="diagStripe">
               <a:avLst>
-                <a:gd fmla="val 50000" name="adj"/>
+                <a:gd name="adj" fmla="val 50000"/>
               </a:avLst>
             </a:prstGeom>
             <a:solidFill>
@@ -4599,12 +4645,12 @@
             </a:ln>
           </p:spPr>
           <p:txBody>
-            <a:bodyPr anchorCtr="0" anchor="ctr" bIns="91425" lIns="91425" spcFirstLastPara="1" rIns="91425" wrap="square" tIns="91425">
+            <a:bodyPr spcFirstLastPara="1" wrap="square" lIns="91425" tIns="91425" rIns="91425" bIns="91425" anchor="ctr" anchorCtr="0">
               <a:noAutofit/>
             </a:bodyPr>
             <a:lstStyle/>
             <a:p>
-              <a:pPr indent="0" lvl="0" marL="0" rtl="0" algn="l">
+              <a:pPr marL="0" lvl="0" indent="0" algn="l" rtl="0">
                 <a:spcBef>
                   <a:spcPts val="0"/>
                 </a:spcBef>
@@ -4613,9 +4659,6 @@
                 </a:spcAft>
                 <a:buNone/>
               </a:pPr>
-              <a:r>
-                <a:t/>
-              </a:r>
               <a:endParaRPr/>
             </a:p>
           </p:txBody>
@@ -4633,7 +4676,7 @@
             </a:xfrm>
             <a:prstGeom prst="diagStripe">
               <a:avLst>
-                <a:gd fmla="val 50000" name="adj"/>
+                <a:gd name="adj" fmla="val 50000"/>
               </a:avLst>
             </a:prstGeom>
             <a:solidFill>
@@ -4646,12 +4689,12 @@
             </a:ln>
           </p:spPr>
           <p:txBody>
-            <a:bodyPr anchorCtr="0" anchor="ctr" bIns="91425" lIns="91425" spcFirstLastPara="1" rIns="91425" wrap="square" tIns="91425">
+            <a:bodyPr spcFirstLastPara="1" wrap="square" lIns="91425" tIns="91425" rIns="91425" bIns="91425" anchor="ctr" anchorCtr="0">
               <a:noAutofit/>
             </a:bodyPr>
             <a:lstStyle/>
             <a:p>
-              <a:pPr indent="0" lvl="0" marL="0" rtl="0" algn="l">
+              <a:pPr marL="0" lvl="0" indent="0" algn="l" rtl="0">
                 <a:spcBef>
                   <a:spcPts val="0"/>
                 </a:spcBef>
@@ -4660,9 +4703,6 @@
                 </a:spcAft>
                 <a:buNone/>
               </a:pPr>
-              <a:r>
-                <a:t/>
-              </a:r>
               <a:endParaRPr/>
             </a:p>
           </p:txBody>
@@ -4680,7 +4720,7 @@
             </a:xfrm>
             <a:prstGeom prst="diagStripe">
               <a:avLst>
-                <a:gd fmla="val 50000" name="adj"/>
+                <a:gd name="adj" fmla="val 50000"/>
               </a:avLst>
             </a:prstGeom>
             <a:solidFill>
@@ -4693,12 +4733,12 @@
             </a:ln>
           </p:spPr>
           <p:txBody>
-            <a:bodyPr anchorCtr="0" anchor="ctr" bIns="91425" lIns="91425" spcFirstLastPara="1" rIns="91425" wrap="square" tIns="91425">
+            <a:bodyPr spcFirstLastPara="1" wrap="square" lIns="91425" tIns="91425" rIns="91425" bIns="91425" anchor="ctr" anchorCtr="0">
               <a:noAutofit/>
             </a:bodyPr>
             <a:lstStyle/>
             <a:p>
-              <a:pPr indent="0" lvl="0" marL="0" rtl="0" algn="l">
+              <a:pPr marL="0" lvl="0" indent="0" algn="l" rtl="0">
                 <a:spcBef>
                   <a:spcPts val="0"/>
                 </a:spcBef>
@@ -4707,9 +4747,6 @@
                 </a:spcAft>
                 <a:buNone/>
               </a:pPr>
-              <a:r>
-                <a:t/>
-              </a:r>
               <a:endParaRPr/>
             </a:p>
           </p:txBody>
@@ -4718,7 +4755,9 @@
       <p:sp>
         <p:nvSpPr>
           <p:cNvPr id="39" name="Google Shape;39;p3"/>
-          <p:cNvSpPr txBox="1"/>
+          <p:cNvSpPr txBox="1">
+            <a:spLocks noGrp="1"/>
+          </p:cNvSpPr>
           <p:nvPr>
             <p:ph type="title"/>
           </p:nvPr>
@@ -4733,7 +4772,7 @@
           </a:prstGeom>
         </p:spPr>
         <p:txBody>
-          <a:bodyPr anchorCtr="0" anchor="ctr" bIns="91425" lIns="91425" spcFirstLastPara="1" rIns="91425" wrap="square" tIns="91425">
+          <a:bodyPr spcFirstLastPara="1" wrap="square" lIns="91425" tIns="91425" rIns="91425" bIns="91425" anchor="ctr" anchorCtr="0">
             <a:noAutofit/>
           </a:bodyPr>
           <a:lstStyle>
@@ -4837,15 +4876,19 @@
               <a:defRPr/>
             </a:lvl9pPr>
           </a:lstStyle>
-          <a:p/>
+          <a:p>
+            <a:endParaRPr/>
+          </a:p>
         </p:txBody>
       </p:sp>
       <p:sp>
         <p:nvSpPr>
           <p:cNvPr id="40" name="Google Shape;40;p3"/>
-          <p:cNvSpPr txBox="1"/>
+          <p:cNvSpPr txBox="1">
+            <a:spLocks noGrp="1"/>
+          </p:cNvSpPr>
           <p:nvPr>
-            <p:ph idx="12" type="sldNum"/>
+            <p:ph type="sldNum" idx="12"/>
           </p:nvPr>
         </p:nvSpPr>
         <p:spPr>
@@ -4858,7 +4901,7 @@
           </a:prstGeom>
         </p:spPr>
         <p:txBody>
-          <a:bodyPr anchorCtr="0" anchor="ctr" bIns="91425" lIns="91425" spcFirstLastPara="1" rIns="91425" wrap="square" tIns="91425">
+          <a:bodyPr spcFirstLastPara="1" wrap="square" lIns="91425" tIns="91425" rIns="91425" bIns="91425" anchor="ctr" anchorCtr="0">
             <a:noAutofit/>
           </a:bodyPr>
           <a:lstStyle>
@@ -4900,7 +4943,7 @@
             </a:lvl9pPr>
           </a:lstStyle>
           <a:p>
-            <a:pPr indent="0" lvl="0" marL="0" rtl="0" algn="r">
+            <a:pPr marL="0" lvl="0" indent="0" algn="r" rtl="0">
               <a:spcBef>
                 <a:spcPts val="0"/>
               </a:spcBef>
@@ -4926,11 +4969,11 @@
 </file>
 
 <file path=ppt/slideLayouts/slideLayout3.xml><?xml version="1.0" encoding="utf-8"?>
-<p:sldLayout xmlns:a="http://schemas.openxmlformats.org/drawingml/2006/main" xmlns:r="http://schemas.openxmlformats.org/officeDocument/2006/relationships" xmlns:mc="http://schemas.openxmlformats.org/markup-compatibility/2006" xmlns:mv="urn:schemas-microsoft-com:mac:vml" xmlns:p="http://schemas.openxmlformats.org/presentationml/2006/main" xmlns:c="http://schemas.openxmlformats.org/drawingml/2006/chart" xmlns:dgm="http://schemas.openxmlformats.org/drawingml/2006/diagram" xmlns:o="urn:schemas-microsoft-com:office:office" xmlns:v="urn:schemas-microsoft-com:vml" xmlns:pvml="urn:schemas-microsoft-com:office:powerpoint" xmlns:com="http://schemas.openxmlformats.org/drawingml/2006/compatibility" xmlns:p14="http://schemas.microsoft.com/office/powerpoint/2010/main" xmlns:p15="http://schemas.microsoft.com/office/powerpoint/2012/main" matchingName="Title and body" type="tx">
+<p:sldLayout xmlns:a="http://schemas.openxmlformats.org/drawingml/2006/main" xmlns:r="http://schemas.openxmlformats.org/officeDocument/2006/relationships" xmlns:p="http://schemas.openxmlformats.org/presentationml/2006/main" matchingName="Title and body" type="tx">
   <p:cSld name="TITLE_AND_BODY">
     <p:spTree>
       <p:nvGrpSpPr>
-        <p:cNvPr id="41" name="Shape 41"/>
+        <p:cNvPr id="1" name="Shape 41"/>
         <p:cNvGrpSpPr/>
         <p:nvPr/>
       </p:nvGrpSpPr>
@@ -4969,7 +5012,7 @@
             </a:xfrm>
             <a:prstGeom prst="diagStripe">
               <a:avLst>
-                <a:gd fmla="val 50000" name="adj"/>
+                <a:gd name="adj" fmla="val 50000"/>
               </a:avLst>
             </a:prstGeom>
             <a:solidFill>
@@ -4980,12 +5023,12 @@
             </a:ln>
           </p:spPr>
           <p:txBody>
-            <a:bodyPr anchorCtr="0" anchor="ctr" bIns="91425" lIns="91425" spcFirstLastPara="1" rIns="91425" wrap="square" tIns="91425">
+            <a:bodyPr spcFirstLastPara="1" wrap="square" lIns="91425" tIns="91425" rIns="91425" bIns="91425" anchor="ctr" anchorCtr="0">
               <a:noAutofit/>
             </a:bodyPr>
             <a:lstStyle/>
             <a:p>
-              <a:pPr indent="0" lvl="0" marL="0" rtl="0" algn="l">
+              <a:pPr marL="0" lvl="0" indent="0" algn="l" rtl="0">
                 <a:spcBef>
                   <a:spcPts val="0"/>
                 </a:spcBef>
@@ -4994,9 +5037,6 @@
                 </a:spcAft>
                 <a:buNone/>
               </a:pPr>
-              <a:r>
-                <a:t/>
-              </a:r>
               <a:endParaRPr/>
             </a:p>
           </p:txBody>
@@ -5014,7 +5054,7 @@
             </a:xfrm>
             <a:prstGeom prst="diagStripe">
               <a:avLst>
-                <a:gd fmla="val 50000" name="adj"/>
+                <a:gd name="adj" fmla="val 50000"/>
               </a:avLst>
             </a:prstGeom>
             <a:solidFill>
@@ -5025,12 +5065,12 @@
             </a:ln>
           </p:spPr>
           <p:txBody>
-            <a:bodyPr anchorCtr="0" anchor="ctr" bIns="91425" lIns="91425" spcFirstLastPara="1" rIns="91425" wrap="square" tIns="91425">
+            <a:bodyPr spcFirstLastPara="1" wrap="square" lIns="91425" tIns="91425" rIns="91425" bIns="91425" anchor="ctr" anchorCtr="0">
               <a:noAutofit/>
             </a:bodyPr>
             <a:lstStyle/>
             <a:p>
-              <a:pPr indent="0" lvl="0" marL="0" rtl="0" algn="l">
+              <a:pPr marL="0" lvl="0" indent="0" algn="l" rtl="0">
                 <a:spcBef>
                   <a:spcPts val="0"/>
                 </a:spcBef>
@@ -5039,9 +5079,6 @@
                 </a:spcAft>
                 <a:buNone/>
               </a:pPr>
-              <a:r>
-                <a:t/>
-              </a:r>
               <a:endParaRPr/>
             </a:p>
           </p:txBody>
@@ -5050,7 +5087,9 @@
       <p:sp>
         <p:nvSpPr>
           <p:cNvPr id="45" name="Google Shape;45;p4"/>
-          <p:cNvSpPr txBox="1"/>
+          <p:cNvSpPr txBox="1">
+            <a:spLocks noGrp="1"/>
+          </p:cNvSpPr>
           <p:nvPr>
             <p:ph type="title"/>
           </p:nvPr>
@@ -5065,7 +5104,7 @@
           </a:prstGeom>
         </p:spPr>
         <p:txBody>
-          <a:bodyPr anchorCtr="0" anchor="t" bIns="91425" lIns="91425" spcFirstLastPara="1" rIns="91425" wrap="square" tIns="91425">
+          <a:bodyPr spcFirstLastPara="1" wrap="square" lIns="91425" tIns="91425" rIns="91425" bIns="91425" anchor="t" anchorCtr="0">
             <a:noAutofit/>
           </a:bodyPr>
           <a:lstStyle>
@@ -5169,15 +5208,19 @@
               <a:defRPr sz="2400"/>
             </a:lvl9pPr>
           </a:lstStyle>
-          <a:p/>
+          <a:p>
+            <a:endParaRPr/>
+          </a:p>
         </p:txBody>
       </p:sp>
       <p:sp>
         <p:nvSpPr>
           <p:cNvPr id="46" name="Google Shape;46;p4"/>
-          <p:cNvSpPr txBox="1"/>
+          <p:cNvSpPr txBox="1">
+            <a:spLocks noGrp="1"/>
+          </p:cNvSpPr>
           <p:nvPr>
-            <p:ph idx="1" type="body"/>
+            <p:ph type="body" idx="1"/>
           </p:nvPr>
         </p:nvSpPr>
         <p:spPr>
@@ -5190,11 +5233,11 @@
           </a:prstGeom>
         </p:spPr>
         <p:txBody>
-          <a:bodyPr anchorCtr="0" anchor="t" bIns="91425" lIns="91425" spcFirstLastPara="1" rIns="91425" wrap="square" tIns="91425">
+          <a:bodyPr spcFirstLastPara="1" wrap="square" lIns="91425" tIns="91425" rIns="91425" bIns="91425" anchor="t" anchorCtr="0">
             <a:noAutofit/>
           </a:bodyPr>
           <a:lstStyle>
-            <a:lvl1pPr indent="-311150" lvl="0" marL="457200">
+            <a:lvl1pPr marL="457200" lvl="0" indent="-311150">
               <a:spcBef>
                 <a:spcPts val="0"/>
               </a:spcBef>
@@ -5205,7 +5248,7 @@
               <a:buChar char="●"/>
               <a:defRPr/>
             </a:lvl1pPr>
-            <a:lvl2pPr indent="-298450" lvl="1" marL="914400">
+            <a:lvl2pPr marL="914400" lvl="1" indent="-298450">
               <a:spcBef>
                 <a:spcPts val="1600"/>
               </a:spcBef>
@@ -5216,7 +5259,7 @@
               <a:buChar char="○"/>
               <a:defRPr/>
             </a:lvl2pPr>
-            <a:lvl3pPr indent="-298450" lvl="2" marL="1371600">
+            <a:lvl3pPr marL="1371600" lvl="2" indent="-298450">
               <a:spcBef>
                 <a:spcPts val="1600"/>
               </a:spcBef>
@@ -5227,7 +5270,7 @@
               <a:buChar char="■"/>
               <a:defRPr/>
             </a:lvl3pPr>
-            <a:lvl4pPr indent="-298450" lvl="3" marL="1828800">
+            <a:lvl4pPr marL="1828800" lvl="3" indent="-298450">
               <a:spcBef>
                 <a:spcPts val="1600"/>
               </a:spcBef>
@@ -5238,7 +5281,7 @@
               <a:buChar char="●"/>
               <a:defRPr/>
             </a:lvl4pPr>
-            <a:lvl5pPr indent="-298450" lvl="4" marL="2286000">
+            <a:lvl5pPr marL="2286000" lvl="4" indent="-298450">
               <a:spcBef>
                 <a:spcPts val="1600"/>
               </a:spcBef>
@@ -5249,7 +5292,7 @@
               <a:buChar char="○"/>
               <a:defRPr/>
             </a:lvl5pPr>
-            <a:lvl6pPr indent="-298450" lvl="5" marL="2743200">
+            <a:lvl6pPr marL="2743200" lvl="5" indent="-298450">
               <a:spcBef>
                 <a:spcPts val="1600"/>
               </a:spcBef>
@@ -5260,7 +5303,7 @@
               <a:buChar char="■"/>
               <a:defRPr/>
             </a:lvl6pPr>
-            <a:lvl7pPr indent="-298450" lvl="6" marL="3200400">
+            <a:lvl7pPr marL="3200400" lvl="6" indent="-298450">
               <a:spcBef>
                 <a:spcPts val="1600"/>
               </a:spcBef>
@@ -5271,7 +5314,7 @@
               <a:buChar char="●"/>
               <a:defRPr/>
             </a:lvl7pPr>
-            <a:lvl8pPr indent="-298450" lvl="7" marL="3657600">
+            <a:lvl8pPr marL="3657600" lvl="7" indent="-298450">
               <a:spcBef>
                 <a:spcPts val="1600"/>
               </a:spcBef>
@@ -5282,7 +5325,7 @@
               <a:buChar char="○"/>
               <a:defRPr/>
             </a:lvl8pPr>
-            <a:lvl9pPr indent="-298450" lvl="8" marL="4114800">
+            <a:lvl9pPr marL="4114800" lvl="8" indent="-298450">
               <a:spcBef>
                 <a:spcPts val="1600"/>
               </a:spcBef>
@@ -5294,15 +5337,19 @@
               <a:defRPr/>
             </a:lvl9pPr>
           </a:lstStyle>
-          <a:p/>
+          <a:p>
+            <a:endParaRPr/>
+          </a:p>
         </p:txBody>
       </p:sp>
       <p:sp>
         <p:nvSpPr>
           <p:cNvPr id="47" name="Google Shape;47;p4"/>
-          <p:cNvSpPr txBox="1"/>
+          <p:cNvSpPr txBox="1">
+            <a:spLocks noGrp="1"/>
+          </p:cNvSpPr>
           <p:nvPr>
-            <p:ph idx="12" type="sldNum"/>
+            <p:ph type="sldNum" idx="12"/>
           </p:nvPr>
         </p:nvSpPr>
         <p:spPr>
@@ -5315,7 +5362,7 @@
           </a:prstGeom>
         </p:spPr>
         <p:txBody>
-          <a:bodyPr anchorCtr="0" anchor="ctr" bIns="91425" lIns="91425" spcFirstLastPara="1" rIns="91425" wrap="square" tIns="91425">
+          <a:bodyPr spcFirstLastPara="1" wrap="square" lIns="91425" tIns="91425" rIns="91425" bIns="91425" anchor="ctr" anchorCtr="0">
             <a:noAutofit/>
           </a:bodyPr>
           <a:lstStyle>
@@ -5357,7 +5404,7 @@
             </a:lvl9pPr>
           </a:lstStyle>
           <a:p>
-            <a:pPr indent="0" lvl="0" marL="0" rtl="0" algn="r">
+            <a:pPr marL="0" lvl="0" indent="0" algn="r" rtl="0">
               <a:spcBef>
                 <a:spcPts val="0"/>
               </a:spcBef>
@@ -5383,11 +5430,11 @@
 </file>
 
 <file path=ppt/slideLayouts/slideLayout4.xml><?xml version="1.0" encoding="utf-8"?>
-<p:sldLayout xmlns:a="http://schemas.openxmlformats.org/drawingml/2006/main" xmlns:r="http://schemas.openxmlformats.org/officeDocument/2006/relationships" xmlns:mc="http://schemas.openxmlformats.org/markup-compatibility/2006" xmlns:mv="urn:schemas-microsoft-com:mac:vml" xmlns:p="http://schemas.openxmlformats.org/presentationml/2006/main" xmlns:c="http://schemas.openxmlformats.org/drawingml/2006/chart" xmlns:dgm="http://schemas.openxmlformats.org/drawingml/2006/diagram" xmlns:o="urn:schemas-microsoft-com:office:office" xmlns:v="urn:schemas-microsoft-com:vml" xmlns:pvml="urn:schemas-microsoft-com:office:powerpoint" xmlns:com="http://schemas.openxmlformats.org/drawingml/2006/compatibility" xmlns:p14="http://schemas.microsoft.com/office/powerpoint/2010/main" xmlns:p15="http://schemas.microsoft.com/office/powerpoint/2012/main" matchingName="Title and two columns" type="twoColTx">
+<p:sldLayout xmlns:a="http://schemas.openxmlformats.org/drawingml/2006/main" xmlns:r="http://schemas.openxmlformats.org/officeDocument/2006/relationships" xmlns:p="http://schemas.openxmlformats.org/presentationml/2006/main" matchingName="Title and two columns" type="twoColTx">
   <p:cSld name="TITLE_AND_TWO_COLUMNS">
     <p:spTree>
       <p:nvGrpSpPr>
-        <p:cNvPr id="48" name="Shape 48"/>
+        <p:cNvPr id="1" name="Shape 48"/>
         <p:cNvGrpSpPr/>
         <p:nvPr/>
       </p:nvGrpSpPr>
@@ -5426,7 +5473,7 @@
             </a:xfrm>
             <a:prstGeom prst="diagStripe">
               <a:avLst>
-                <a:gd fmla="val 50000" name="adj"/>
+                <a:gd name="adj" fmla="val 50000"/>
               </a:avLst>
             </a:prstGeom>
             <a:solidFill>
@@ -5437,12 +5484,12 @@
             </a:ln>
           </p:spPr>
           <p:txBody>
-            <a:bodyPr anchorCtr="0" anchor="ctr" bIns="91425" lIns="91425" spcFirstLastPara="1" rIns="91425" wrap="square" tIns="91425">
+            <a:bodyPr spcFirstLastPara="1" wrap="square" lIns="91425" tIns="91425" rIns="91425" bIns="91425" anchor="ctr" anchorCtr="0">
               <a:noAutofit/>
             </a:bodyPr>
             <a:lstStyle/>
             <a:p>
-              <a:pPr indent="0" lvl="0" marL="0" rtl="0" algn="l">
+              <a:pPr marL="0" lvl="0" indent="0" algn="l" rtl="0">
                 <a:spcBef>
                   <a:spcPts val="0"/>
                 </a:spcBef>
@@ -5451,9 +5498,6 @@
                 </a:spcAft>
                 <a:buNone/>
               </a:pPr>
-              <a:r>
-                <a:t/>
-              </a:r>
               <a:endParaRPr/>
             </a:p>
           </p:txBody>
@@ -5471,7 +5515,7 @@
             </a:xfrm>
             <a:prstGeom prst="diagStripe">
               <a:avLst>
-                <a:gd fmla="val 50000" name="adj"/>
+                <a:gd name="adj" fmla="val 50000"/>
               </a:avLst>
             </a:prstGeom>
             <a:solidFill>
@@ -5482,12 +5526,12 @@
             </a:ln>
           </p:spPr>
           <p:txBody>
-            <a:bodyPr anchorCtr="0" anchor="ctr" bIns="91425" lIns="91425" spcFirstLastPara="1" rIns="91425" wrap="square" tIns="91425">
+            <a:bodyPr spcFirstLastPara="1" wrap="square" lIns="91425" tIns="91425" rIns="91425" bIns="91425" anchor="ctr" anchorCtr="0">
               <a:noAutofit/>
             </a:bodyPr>
             <a:lstStyle/>
             <a:p>
-              <a:pPr indent="0" lvl="0" marL="0" rtl="0" algn="l">
+              <a:pPr marL="0" lvl="0" indent="0" algn="l" rtl="0">
                 <a:spcBef>
                   <a:spcPts val="0"/>
                 </a:spcBef>
@@ -5496,9 +5540,6 @@
                 </a:spcAft>
                 <a:buNone/>
               </a:pPr>
-              <a:r>
-                <a:t/>
-              </a:r>
               <a:endParaRPr/>
             </a:p>
           </p:txBody>
@@ -5507,7 +5548,9 @@
       <p:sp>
         <p:nvSpPr>
           <p:cNvPr id="52" name="Google Shape;52;p5"/>
-          <p:cNvSpPr txBox="1"/>
+          <p:cNvSpPr txBox="1">
+            <a:spLocks noGrp="1"/>
+          </p:cNvSpPr>
           <p:nvPr>
             <p:ph type="title"/>
           </p:nvPr>
@@ -5522,7 +5565,7 @@
           </a:prstGeom>
         </p:spPr>
         <p:txBody>
-          <a:bodyPr anchorCtr="0" anchor="t" bIns="91425" lIns="91425" spcFirstLastPara="1" rIns="91425" wrap="square" tIns="91425">
+          <a:bodyPr spcFirstLastPara="1" wrap="square" lIns="91425" tIns="91425" rIns="91425" bIns="91425" anchor="t" anchorCtr="0">
             <a:noAutofit/>
           </a:bodyPr>
           <a:lstStyle>
@@ -5626,15 +5669,19 @@
               <a:defRPr sz="2400"/>
             </a:lvl9pPr>
           </a:lstStyle>
-          <a:p/>
+          <a:p>
+            <a:endParaRPr/>
+          </a:p>
         </p:txBody>
       </p:sp>
       <p:sp>
         <p:nvSpPr>
           <p:cNvPr id="53" name="Google Shape;53;p5"/>
-          <p:cNvSpPr txBox="1"/>
+          <p:cNvSpPr txBox="1">
+            <a:spLocks noGrp="1"/>
+          </p:cNvSpPr>
           <p:nvPr>
-            <p:ph idx="1" type="body"/>
+            <p:ph type="body" idx="1"/>
           </p:nvPr>
         </p:nvSpPr>
         <p:spPr>
@@ -5647,11 +5694,11 @@
           </a:prstGeom>
         </p:spPr>
         <p:txBody>
-          <a:bodyPr anchorCtr="0" anchor="t" bIns="91425" lIns="91425" spcFirstLastPara="1" rIns="91425" wrap="square" tIns="91425">
+          <a:bodyPr spcFirstLastPara="1" wrap="square" lIns="91425" tIns="91425" rIns="91425" bIns="91425" anchor="t" anchorCtr="0">
             <a:noAutofit/>
           </a:bodyPr>
           <a:lstStyle>
-            <a:lvl1pPr indent="-311150" lvl="0" marL="457200">
+            <a:lvl1pPr marL="457200" lvl="0" indent="-311150">
               <a:spcBef>
                 <a:spcPts val="0"/>
               </a:spcBef>
@@ -5662,7 +5709,7 @@
               <a:buChar char="●"/>
               <a:defRPr/>
             </a:lvl1pPr>
-            <a:lvl2pPr indent="-298450" lvl="1" marL="914400">
+            <a:lvl2pPr marL="914400" lvl="1" indent="-298450">
               <a:spcBef>
                 <a:spcPts val="1600"/>
               </a:spcBef>
@@ -5673,7 +5720,7 @@
               <a:buChar char="○"/>
               <a:defRPr/>
             </a:lvl2pPr>
-            <a:lvl3pPr indent="-298450" lvl="2" marL="1371600">
+            <a:lvl3pPr marL="1371600" lvl="2" indent="-298450">
               <a:spcBef>
                 <a:spcPts val="1600"/>
               </a:spcBef>
@@ -5684,7 +5731,7 @@
               <a:buChar char="■"/>
               <a:defRPr/>
             </a:lvl3pPr>
-            <a:lvl4pPr indent="-298450" lvl="3" marL="1828800">
+            <a:lvl4pPr marL="1828800" lvl="3" indent="-298450">
               <a:spcBef>
                 <a:spcPts val="1600"/>
               </a:spcBef>
@@ -5695,7 +5742,7 @@
               <a:buChar char="●"/>
               <a:defRPr/>
             </a:lvl4pPr>
-            <a:lvl5pPr indent="-298450" lvl="4" marL="2286000">
+            <a:lvl5pPr marL="2286000" lvl="4" indent="-298450">
               <a:spcBef>
                 <a:spcPts val="1600"/>
               </a:spcBef>
@@ -5706,7 +5753,7 @@
               <a:buChar char="○"/>
               <a:defRPr/>
             </a:lvl5pPr>
-            <a:lvl6pPr indent="-298450" lvl="5" marL="2743200">
+            <a:lvl6pPr marL="2743200" lvl="5" indent="-298450">
               <a:spcBef>
                 <a:spcPts val="1600"/>
               </a:spcBef>
@@ -5717,7 +5764,7 @@
               <a:buChar char="■"/>
               <a:defRPr/>
             </a:lvl6pPr>
-            <a:lvl7pPr indent="-298450" lvl="6" marL="3200400">
+            <a:lvl7pPr marL="3200400" lvl="6" indent="-298450">
               <a:spcBef>
                 <a:spcPts val="1600"/>
               </a:spcBef>
@@ -5728,7 +5775,7 @@
               <a:buChar char="●"/>
               <a:defRPr/>
             </a:lvl7pPr>
-            <a:lvl8pPr indent="-298450" lvl="7" marL="3657600">
+            <a:lvl8pPr marL="3657600" lvl="7" indent="-298450">
               <a:spcBef>
                 <a:spcPts val="1600"/>
               </a:spcBef>
@@ -5739,7 +5786,7 @@
               <a:buChar char="○"/>
               <a:defRPr/>
             </a:lvl8pPr>
-            <a:lvl9pPr indent="-298450" lvl="8" marL="4114800">
+            <a:lvl9pPr marL="4114800" lvl="8" indent="-298450">
               <a:spcBef>
                 <a:spcPts val="1600"/>
               </a:spcBef>
@@ -5751,15 +5798,19 @@
               <a:defRPr/>
             </a:lvl9pPr>
           </a:lstStyle>
-          <a:p/>
+          <a:p>
+            <a:endParaRPr/>
+          </a:p>
         </p:txBody>
       </p:sp>
       <p:sp>
         <p:nvSpPr>
           <p:cNvPr id="54" name="Google Shape;54;p5"/>
-          <p:cNvSpPr txBox="1"/>
+          <p:cNvSpPr txBox="1">
+            <a:spLocks noGrp="1"/>
+          </p:cNvSpPr>
           <p:nvPr>
-            <p:ph idx="2" type="body"/>
+            <p:ph type="body" idx="2"/>
           </p:nvPr>
         </p:nvSpPr>
         <p:spPr>
@@ -5772,11 +5823,11 @@
           </a:prstGeom>
         </p:spPr>
         <p:txBody>
-          <a:bodyPr anchorCtr="0" anchor="t" bIns="91425" lIns="91425" spcFirstLastPara="1" rIns="91425" wrap="square" tIns="91425">
+          <a:bodyPr spcFirstLastPara="1" wrap="square" lIns="91425" tIns="91425" rIns="91425" bIns="91425" anchor="t" anchorCtr="0">
             <a:noAutofit/>
           </a:bodyPr>
           <a:lstStyle>
-            <a:lvl1pPr indent="-311150" lvl="0" marL="457200">
+            <a:lvl1pPr marL="457200" lvl="0" indent="-311150">
               <a:spcBef>
                 <a:spcPts val="0"/>
               </a:spcBef>
@@ -5787,7 +5838,7 @@
               <a:buChar char="●"/>
               <a:defRPr/>
             </a:lvl1pPr>
-            <a:lvl2pPr indent="-298450" lvl="1" marL="914400">
+            <a:lvl2pPr marL="914400" lvl="1" indent="-298450">
               <a:spcBef>
                 <a:spcPts val="1600"/>
               </a:spcBef>
@@ -5798,7 +5849,7 @@
               <a:buChar char="○"/>
               <a:defRPr/>
             </a:lvl2pPr>
-            <a:lvl3pPr indent="-298450" lvl="2" marL="1371600">
+            <a:lvl3pPr marL="1371600" lvl="2" indent="-298450">
               <a:spcBef>
                 <a:spcPts val="1600"/>
               </a:spcBef>
@@ -5809,7 +5860,7 @@
               <a:buChar char="■"/>
               <a:defRPr/>
             </a:lvl3pPr>
-            <a:lvl4pPr indent="-298450" lvl="3" marL="1828800">
+            <a:lvl4pPr marL="1828800" lvl="3" indent="-298450">
               <a:spcBef>
                 <a:spcPts val="1600"/>
               </a:spcBef>
@@ -5820,7 +5871,7 @@
               <a:buChar char="●"/>
               <a:defRPr/>
             </a:lvl4pPr>
-            <a:lvl5pPr indent="-298450" lvl="4" marL="2286000">
+            <a:lvl5pPr marL="2286000" lvl="4" indent="-298450">
               <a:spcBef>
                 <a:spcPts val="1600"/>
               </a:spcBef>
@@ -5831,7 +5882,7 @@
               <a:buChar char="○"/>
               <a:defRPr/>
             </a:lvl5pPr>
-            <a:lvl6pPr indent="-298450" lvl="5" marL="2743200">
+            <a:lvl6pPr marL="2743200" lvl="5" indent="-298450">
               <a:spcBef>
                 <a:spcPts val="1600"/>
               </a:spcBef>
@@ -5842,7 +5893,7 @@
               <a:buChar char="■"/>
               <a:defRPr/>
             </a:lvl6pPr>
-            <a:lvl7pPr indent="-298450" lvl="6" marL="3200400">
+            <a:lvl7pPr marL="3200400" lvl="6" indent="-298450">
               <a:spcBef>
                 <a:spcPts val="1600"/>
               </a:spcBef>
@@ -5853,7 +5904,7 @@
               <a:buChar char="●"/>
               <a:defRPr/>
             </a:lvl7pPr>
-            <a:lvl8pPr indent="-298450" lvl="7" marL="3657600">
+            <a:lvl8pPr marL="3657600" lvl="7" indent="-298450">
               <a:spcBef>
                 <a:spcPts val="1600"/>
               </a:spcBef>
@@ -5864,7 +5915,7 @@
               <a:buChar char="○"/>
               <a:defRPr/>
             </a:lvl8pPr>
-            <a:lvl9pPr indent="-298450" lvl="8" marL="4114800">
+            <a:lvl9pPr marL="4114800" lvl="8" indent="-298450">
               <a:spcBef>
                 <a:spcPts val="1600"/>
               </a:spcBef>
@@ -5876,15 +5927,19 @@
               <a:defRPr/>
             </a:lvl9pPr>
           </a:lstStyle>
-          <a:p/>
+          <a:p>
+            <a:endParaRPr/>
+          </a:p>
         </p:txBody>
       </p:sp>
       <p:sp>
         <p:nvSpPr>
           <p:cNvPr id="55" name="Google Shape;55;p5"/>
-          <p:cNvSpPr txBox="1"/>
+          <p:cNvSpPr txBox="1">
+            <a:spLocks noGrp="1"/>
+          </p:cNvSpPr>
           <p:nvPr>
-            <p:ph idx="12" type="sldNum"/>
+            <p:ph type="sldNum" idx="12"/>
           </p:nvPr>
         </p:nvSpPr>
         <p:spPr>
@@ -5897,7 +5952,7 @@
           </a:prstGeom>
         </p:spPr>
         <p:txBody>
-          <a:bodyPr anchorCtr="0" anchor="ctr" bIns="91425" lIns="91425" spcFirstLastPara="1" rIns="91425" wrap="square" tIns="91425">
+          <a:bodyPr spcFirstLastPara="1" wrap="square" lIns="91425" tIns="91425" rIns="91425" bIns="91425" anchor="ctr" anchorCtr="0">
             <a:noAutofit/>
           </a:bodyPr>
           <a:lstStyle>
@@ -5939,7 +5994,7 @@
             </a:lvl9pPr>
           </a:lstStyle>
           <a:p>
-            <a:pPr indent="0" lvl="0" marL="0" rtl="0" algn="r">
+            <a:pPr marL="0" lvl="0" indent="0" algn="r" rtl="0">
               <a:spcBef>
                 <a:spcPts val="0"/>
               </a:spcBef>
@@ -5965,11 +6020,11 @@
 </file>
 
 <file path=ppt/slideLayouts/slideLayout5.xml><?xml version="1.0" encoding="utf-8"?>
-<p:sldLayout xmlns:a="http://schemas.openxmlformats.org/drawingml/2006/main" xmlns:r="http://schemas.openxmlformats.org/officeDocument/2006/relationships" xmlns:mc="http://schemas.openxmlformats.org/markup-compatibility/2006" xmlns:mv="urn:schemas-microsoft-com:mac:vml" xmlns:p="http://schemas.openxmlformats.org/presentationml/2006/main" xmlns:c="http://schemas.openxmlformats.org/drawingml/2006/chart" xmlns:dgm="http://schemas.openxmlformats.org/drawingml/2006/diagram" xmlns:o="urn:schemas-microsoft-com:office:office" xmlns:v="urn:schemas-microsoft-com:vml" xmlns:pvml="urn:schemas-microsoft-com:office:powerpoint" xmlns:com="http://schemas.openxmlformats.org/drawingml/2006/compatibility" xmlns:p14="http://schemas.microsoft.com/office/powerpoint/2010/main" xmlns:p15="http://schemas.microsoft.com/office/powerpoint/2012/main" matchingName="Title only" type="titleOnly">
+<p:sldLayout xmlns:a="http://schemas.openxmlformats.org/drawingml/2006/main" xmlns:r="http://schemas.openxmlformats.org/officeDocument/2006/relationships" xmlns:p="http://schemas.openxmlformats.org/presentationml/2006/main" matchingName="Title only" type="titleOnly">
   <p:cSld name="TITLE_ONLY">
     <p:spTree>
       <p:nvGrpSpPr>
-        <p:cNvPr id="56" name="Shape 56"/>
+        <p:cNvPr id="1" name="Shape 56"/>
         <p:cNvGrpSpPr/>
         <p:nvPr/>
       </p:nvGrpSpPr>
@@ -6008,7 +6063,7 @@
             </a:xfrm>
             <a:prstGeom prst="diagStripe">
               <a:avLst>
-                <a:gd fmla="val 50000" name="adj"/>
+                <a:gd name="adj" fmla="val 50000"/>
               </a:avLst>
             </a:prstGeom>
             <a:solidFill>
@@ -6019,12 +6074,12 @@
             </a:ln>
           </p:spPr>
           <p:txBody>
-            <a:bodyPr anchorCtr="0" anchor="ctr" bIns="91425" lIns="91425" spcFirstLastPara="1" rIns="91425" wrap="square" tIns="91425">
+            <a:bodyPr spcFirstLastPara="1" wrap="square" lIns="91425" tIns="91425" rIns="91425" bIns="91425" anchor="ctr" anchorCtr="0">
               <a:noAutofit/>
             </a:bodyPr>
             <a:lstStyle/>
             <a:p>
-              <a:pPr indent="0" lvl="0" marL="0" rtl="0" algn="l">
+              <a:pPr marL="0" lvl="0" indent="0" algn="l" rtl="0">
                 <a:spcBef>
                   <a:spcPts val="0"/>
                 </a:spcBef>
@@ -6033,9 +6088,6 @@
                 </a:spcAft>
                 <a:buNone/>
               </a:pPr>
-              <a:r>
-                <a:t/>
-              </a:r>
               <a:endParaRPr/>
             </a:p>
           </p:txBody>
@@ -6053,7 +6105,7 @@
             </a:xfrm>
             <a:prstGeom prst="diagStripe">
               <a:avLst>
-                <a:gd fmla="val 50000" name="adj"/>
+                <a:gd name="adj" fmla="val 50000"/>
               </a:avLst>
             </a:prstGeom>
             <a:solidFill>
@@ -6064,12 +6116,12 @@
             </a:ln>
           </p:spPr>
           <p:txBody>
-            <a:bodyPr anchorCtr="0" anchor="ctr" bIns="91425" lIns="91425" spcFirstLastPara="1" rIns="91425" wrap="square" tIns="91425">
+            <a:bodyPr spcFirstLastPara="1" wrap="square" lIns="91425" tIns="91425" rIns="91425" bIns="91425" anchor="ctr" anchorCtr="0">
               <a:noAutofit/>
             </a:bodyPr>
             <a:lstStyle/>
             <a:p>
-              <a:pPr indent="0" lvl="0" marL="0" rtl="0" algn="l">
+              <a:pPr marL="0" lvl="0" indent="0" algn="l" rtl="0">
                 <a:spcBef>
                   <a:spcPts val="0"/>
                 </a:spcBef>
@@ -6078,9 +6130,6 @@
                 </a:spcAft>
                 <a:buNone/>
               </a:pPr>
-              <a:r>
-                <a:t/>
-              </a:r>
               <a:endParaRPr/>
             </a:p>
           </p:txBody>
@@ -6089,7 +6138,9 @@
       <p:sp>
         <p:nvSpPr>
           <p:cNvPr id="60" name="Google Shape;60;p6"/>
-          <p:cNvSpPr txBox="1"/>
+          <p:cNvSpPr txBox="1">
+            <a:spLocks noGrp="1"/>
+          </p:cNvSpPr>
           <p:nvPr>
             <p:ph type="title"/>
           </p:nvPr>
@@ -6104,7 +6155,7 @@
           </a:prstGeom>
         </p:spPr>
         <p:txBody>
-          <a:bodyPr anchorCtr="0" anchor="t" bIns="91425" lIns="91425" spcFirstLastPara="1" rIns="91425" wrap="square" tIns="91425">
+          <a:bodyPr spcFirstLastPara="1" wrap="square" lIns="91425" tIns="91425" rIns="91425" bIns="91425" anchor="t" anchorCtr="0">
             <a:noAutofit/>
           </a:bodyPr>
           <a:lstStyle>
@@ -6208,15 +6259,19 @@
               <a:defRPr sz="2400"/>
             </a:lvl9pPr>
           </a:lstStyle>
-          <a:p/>
+          <a:p>
+            <a:endParaRPr/>
+          </a:p>
         </p:txBody>
       </p:sp>
       <p:sp>
         <p:nvSpPr>
           <p:cNvPr id="61" name="Google Shape;61;p6"/>
-          <p:cNvSpPr txBox="1"/>
+          <p:cNvSpPr txBox="1">
+            <a:spLocks noGrp="1"/>
+          </p:cNvSpPr>
           <p:nvPr>
-            <p:ph idx="12" type="sldNum"/>
+            <p:ph type="sldNum" idx="12"/>
           </p:nvPr>
         </p:nvSpPr>
         <p:spPr>
@@ -6229,7 +6284,7 @@
           </a:prstGeom>
         </p:spPr>
         <p:txBody>
-          <a:bodyPr anchorCtr="0" anchor="ctr" bIns="91425" lIns="91425" spcFirstLastPara="1" rIns="91425" wrap="square" tIns="91425">
+          <a:bodyPr spcFirstLastPara="1" wrap="square" lIns="91425" tIns="91425" rIns="91425" bIns="91425" anchor="ctr" anchorCtr="0">
             <a:noAutofit/>
           </a:bodyPr>
           <a:lstStyle>
@@ -6271,7 +6326,7 @@
             </a:lvl9pPr>
           </a:lstStyle>
           <a:p>
-            <a:pPr indent="0" lvl="0" marL="0" rtl="0" algn="r">
+            <a:pPr marL="0" lvl="0" indent="0" algn="r" rtl="0">
               <a:spcBef>
                 <a:spcPts val="0"/>
               </a:spcBef>
@@ -6297,11 +6352,11 @@
 </file>
 
 <file path=ppt/slideLayouts/slideLayout6.xml><?xml version="1.0" encoding="utf-8"?>
-<p:sldLayout xmlns:a="http://schemas.openxmlformats.org/drawingml/2006/main" xmlns:r="http://schemas.openxmlformats.org/officeDocument/2006/relationships" xmlns:mc="http://schemas.openxmlformats.org/markup-compatibility/2006" xmlns:mv="urn:schemas-microsoft-com:mac:vml" xmlns:p="http://schemas.openxmlformats.org/presentationml/2006/main" xmlns:c="http://schemas.openxmlformats.org/drawingml/2006/chart" xmlns:dgm="http://schemas.openxmlformats.org/drawingml/2006/diagram" xmlns:o="urn:schemas-microsoft-com:office:office" xmlns:v="urn:schemas-microsoft-com:vml" xmlns:pvml="urn:schemas-microsoft-com:office:powerpoint" xmlns:com="http://schemas.openxmlformats.org/drawingml/2006/compatibility" xmlns:p14="http://schemas.microsoft.com/office/powerpoint/2010/main" xmlns:p15="http://schemas.microsoft.com/office/powerpoint/2012/main" matchingName="One column text">
+<p:sldLayout xmlns:a="http://schemas.openxmlformats.org/drawingml/2006/main" xmlns:r="http://schemas.openxmlformats.org/officeDocument/2006/relationships" xmlns:p="http://schemas.openxmlformats.org/presentationml/2006/main" matchingName="One column text">
   <p:cSld name="ONE_COLUMN_TEXT">
     <p:spTree>
       <p:nvGrpSpPr>
-        <p:cNvPr id="62" name="Shape 62"/>
+        <p:cNvPr id="1" name="Shape 62"/>
         <p:cNvGrpSpPr/>
         <p:nvPr/>
       </p:nvGrpSpPr>
@@ -6340,7 +6395,7 @@
             </a:xfrm>
             <a:prstGeom prst="diagStripe">
               <a:avLst>
-                <a:gd fmla="val 50000" name="adj"/>
+                <a:gd name="adj" fmla="val 50000"/>
               </a:avLst>
             </a:prstGeom>
             <a:solidFill>
@@ -6351,12 +6406,12 @@
             </a:ln>
           </p:spPr>
           <p:txBody>
-            <a:bodyPr anchorCtr="0" anchor="ctr" bIns="91425" lIns="91425" spcFirstLastPara="1" rIns="91425" wrap="square" tIns="91425">
+            <a:bodyPr spcFirstLastPara="1" wrap="square" lIns="91425" tIns="91425" rIns="91425" bIns="91425" anchor="ctr" anchorCtr="0">
               <a:noAutofit/>
             </a:bodyPr>
             <a:lstStyle/>
             <a:p>
-              <a:pPr indent="0" lvl="0" marL="0" rtl="0" algn="l">
+              <a:pPr marL="0" lvl="0" indent="0" algn="l" rtl="0">
                 <a:spcBef>
                   <a:spcPts val="0"/>
                 </a:spcBef>
@@ -6365,9 +6420,6 @@
                 </a:spcAft>
                 <a:buNone/>
               </a:pPr>
-              <a:r>
-                <a:t/>
-              </a:r>
               <a:endParaRPr/>
             </a:p>
           </p:txBody>
@@ -6385,7 +6437,7 @@
             </a:xfrm>
             <a:prstGeom prst="diagStripe">
               <a:avLst>
-                <a:gd fmla="val 50000" name="adj"/>
+                <a:gd name="adj" fmla="val 50000"/>
               </a:avLst>
             </a:prstGeom>
             <a:solidFill>
@@ -6396,12 +6448,12 @@
             </a:ln>
           </p:spPr>
           <p:txBody>
-            <a:bodyPr anchorCtr="0" anchor="ctr" bIns="91425" lIns="91425" spcFirstLastPara="1" rIns="91425" wrap="square" tIns="91425">
+            <a:bodyPr spcFirstLastPara="1" wrap="square" lIns="91425" tIns="91425" rIns="91425" bIns="91425" anchor="ctr" anchorCtr="0">
               <a:noAutofit/>
             </a:bodyPr>
             <a:lstStyle/>
             <a:p>
-              <a:pPr indent="0" lvl="0" marL="0" rtl="0" algn="l">
+              <a:pPr marL="0" lvl="0" indent="0" algn="l" rtl="0">
                 <a:spcBef>
                   <a:spcPts val="0"/>
                 </a:spcBef>
@@ -6410,9 +6462,6 @@
                 </a:spcAft>
                 <a:buNone/>
               </a:pPr>
-              <a:r>
-                <a:t/>
-              </a:r>
               <a:endParaRPr/>
             </a:p>
           </p:txBody>
@@ -6421,7 +6470,9 @@
       <p:sp>
         <p:nvSpPr>
           <p:cNvPr id="66" name="Google Shape;66;p7"/>
-          <p:cNvSpPr txBox="1"/>
+          <p:cNvSpPr txBox="1">
+            <a:spLocks noGrp="1"/>
+          </p:cNvSpPr>
           <p:nvPr>
             <p:ph type="title"/>
           </p:nvPr>
@@ -6436,7 +6487,7 @@
           </a:prstGeom>
         </p:spPr>
         <p:txBody>
-          <a:bodyPr anchorCtr="0" anchor="t" bIns="91425" lIns="91425" spcFirstLastPara="1" rIns="91425" wrap="square" tIns="91425">
+          <a:bodyPr spcFirstLastPara="1" wrap="square" lIns="91425" tIns="91425" rIns="91425" bIns="91425" anchor="t" anchorCtr="0">
             <a:noAutofit/>
           </a:bodyPr>
           <a:lstStyle>
@@ -6540,15 +6591,19 @@
               <a:defRPr sz="2400"/>
             </a:lvl9pPr>
           </a:lstStyle>
-          <a:p/>
+          <a:p>
+            <a:endParaRPr/>
+          </a:p>
         </p:txBody>
       </p:sp>
       <p:sp>
         <p:nvSpPr>
           <p:cNvPr id="67" name="Google Shape;67;p7"/>
-          <p:cNvSpPr txBox="1"/>
+          <p:cNvSpPr txBox="1">
+            <a:spLocks noGrp="1"/>
+          </p:cNvSpPr>
           <p:nvPr>
-            <p:ph idx="1" type="body"/>
+            <p:ph type="body" idx="1"/>
           </p:nvPr>
         </p:nvSpPr>
         <p:spPr>
@@ -6561,11 +6616,11 @@
           </a:prstGeom>
         </p:spPr>
         <p:txBody>
-          <a:bodyPr anchorCtr="0" anchor="t" bIns="91425" lIns="91425" spcFirstLastPara="1" rIns="91425" wrap="square" tIns="91425">
+          <a:bodyPr spcFirstLastPara="1" wrap="square" lIns="91425" tIns="91425" rIns="91425" bIns="91425" anchor="t" anchorCtr="0">
             <a:noAutofit/>
           </a:bodyPr>
           <a:lstStyle>
-            <a:lvl1pPr indent="-311150" lvl="0" marL="457200">
+            <a:lvl1pPr marL="457200" lvl="0" indent="-311150">
               <a:spcBef>
                 <a:spcPts val="0"/>
               </a:spcBef>
@@ -6576,7 +6631,7 @@
               <a:buChar char="●"/>
               <a:defRPr/>
             </a:lvl1pPr>
-            <a:lvl2pPr indent="-298450" lvl="1" marL="914400">
+            <a:lvl2pPr marL="914400" lvl="1" indent="-298450">
               <a:spcBef>
                 <a:spcPts val="1600"/>
               </a:spcBef>
@@ -6587,7 +6642,7 @@
               <a:buChar char="○"/>
               <a:defRPr/>
             </a:lvl2pPr>
-            <a:lvl3pPr indent="-298450" lvl="2" marL="1371600">
+            <a:lvl3pPr marL="1371600" lvl="2" indent="-298450">
               <a:spcBef>
                 <a:spcPts val="1600"/>
               </a:spcBef>
@@ -6598,7 +6653,7 @@
               <a:buChar char="■"/>
               <a:defRPr/>
             </a:lvl3pPr>
-            <a:lvl4pPr indent="-298450" lvl="3" marL="1828800">
+            <a:lvl4pPr marL="1828800" lvl="3" indent="-298450">
               <a:spcBef>
                 <a:spcPts val="1600"/>
               </a:spcBef>
@@ -6609,7 +6664,7 @@
               <a:buChar char="●"/>
               <a:defRPr/>
             </a:lvl4pPr>
-            <a:lvl5pPr indent="-298450" lvl="4" marL="2286000">
+            <a:lvl5pPr marL="2286000" lvl="4" indent="-298450">
               <a:spcBef>
                 <a:spcPts val="1600"/>
               </a:spcBef>
@@ -6620,7 +6675,7 @@
               <a:buChar char="○"/>
               <a:defRPr/>
             </a:lvl5pPr>
-            <a:lvl6pPr indent="-298450" lvl="5" marL="2743200">
+            <a:lvl6pPr marL="2743200" lvl="5" indent="-298450">
               <a:spcBef>
                 <a:spcPts val="1600"/>
               </a:spcBef>
@@ -6631,7 +6686,7 @@
               <a:buChar char="■"/>
               <a:defRPr/>
             </a:lvl6pPr>
-            <a:lvl7pPr indent="-298450" lvl="6" marL="3200400">
+            <a:lvl7pPr marL="3200400" lvl="6" indent="-298450">
               <a:spcBef>
                 <a:spcPts val="1600"/>
               </a:spcBef>
@@ -6642,7 +6697,7 @@
               <a:buChar char="●"/>
               <a:defRPr/>
             </a:lvl7pPr>
-            <a:lvl8pPr indent="-298450" lvl="7" marL="3657600">
+            <a:lvl8pPr marL="3657600" lvl="7" indent="-298450">
               <a:spcBef>
                 <a:spcPts val="1600"/>
               </a:spcBef>
@@ -6653,7 +6708,7 @@
               <a:buChar char="○"/>
               <a:defRPr/>
             </a:lvl8pPr>
-            <a:lvl9pPr indent="-298450" lvl="8" marL="4114800">
+            <a:lvl9pPr marL="4114800" lvl="8" indent="-298450">
               <a:spcBef>
                 <a:spcPts val="1600"/>
               </a:spcBef>
@@ -6665,15 +6720,19 @@
               <a:defRPr/>
             </a:lvl9pPr>
           </a:lstStyle>
-          <a:p/>
+          <a:p>
+            <a:endParaRPr/>
+          </a:p>
         </p:txBody>
       </p:sp>
       <p:sp>
         <p:nvSpPr>
           <p:cNvPr id="68" name="Google Shape;68;p7"/>
-          <p:cNvSpPr txBox="1"/>
+          <p:cNvSpPr txBox="1">
+            <a:spLocks noGrp="1"/>
+          </p:cNvSpPr>
           <p:nvPr>
-            <p:ph idx="12" type="sldNum"/>
+            <p:ph type="sldNum" idx="12"/>
           </p:nvPr>
         </p:nvSpPr>
         <p:spPr>
@@ -6686,7 +6745,7 @@
           </a:prstGeom>
         </p:spPr>
         <p:txBody>
-          <a:bodyPr anchorCtr="0" anchor="ctr" bIns="91425" lIns="91425" spcFirstLastPara="1" rIns="91425" wrap="square" tIns="91425">
+          <a:bodyPr spcFirstLastPara="1" wrap="square" lIns="91425" tIns="91425" rIns="91425" bIns="91425" anchor="ctr" anchorCtr="0">
             <a:noAutofit/>
           </a:bodyPr>
           <a:lstStyle>
@@ -6728,7 +6787,7 @@
             </a:lvl9pPr>
           </a:lstStyle>
           <a:p>
-            <a:pPr indent="0" lvl="0" marL="0" rtl="0" algn="r">
+            <a:pPr marL="0" lvl="0" indent="0" algn="r" rtl="0">
               <a:spcBef>
                 <a:spcPts val="0"/>
               </a:spcBef>
@@ -6754,11 +6813,11 @@
 </file>
 
 <file path=ppt/slideLayouts/slideLayout7.xml><?xml version="1.0" encoding="utf-8"?>
-<p:sldLayout xmlns:a="http://schemas.openxmlformats.org/drawingml/2006/main" xmlns:r="http://schemas.openxmlformats.org/officeDocument/2006/relationships" xmlns:mc="http://schemas.openxmlformats.org/markup-compatibility/2006" xmlns:mv="urn:schemas-microsoft-com:mac:vml" xmlns:p="http://schemas.openxmlformats.org/presentationml/2006/main" xmlns:c="http://schemas.openxmlformats.org/drawingml/2006/chart" xmlns:dgm="http://schemas.openxmlformats.org/drawingml/2006/diagram" xmlns:o="urn:schemas-microsoft-com:office:office" xmlns:v="urn:schemas-microsoft-com:vml" xmlns:pvml="urn:schemas-microsoft-com:office:powerpoint" xmlns:com="http://schemas.openxmlformats.org/drawingml/2006/compatibility" xmlns:p14="http://schemas.microsoft.com/office/powerpoint/2010/main" xmlns:p15="http://schemas.microsoft.com/office/powerpoint/2012/main" matchingName="Main point">
+<p:sldLayout xmlns:a="http://schemas.openxmlformats.org/drawingml/2006/main" xmlns:r="http://schemas.openxmlformats.org/officeDocument/2006/relationships" xmlns:p="http://schemas.openxmlformats.org/presentationml/2006/main" matchingName="Main point">
   <p:cSld name="MAIN_POINT">
     <p:spTree>
       <p:nvGrpSpPr>
-        <p:cNvPr id="69" name="Shape 69"/>
+        <p:cNvPr id="1" name="Shape 69"/>
         <p:cNvGrpSpPr/>
         <p:nvPr/>
       </p:nvGrpSpPr>
@@ -6797,7 +6856,7 @@
             </a:xfrm>
             <a:prstGeom prst="diagStripe">
               <a:avLst>
-                <a:gd fmla="val 49469" name="adj"/>
+                <a:gd name="adj" fmla="val 49469"/>
               </a:avLst>
             </a:prstGeom>
             <a:solidFill>
@@ -6810,12 +6869,12 @@
             </a:ln>
           </p:spPr>
           <p:txBody>
-            <a:bodyPr anchorCtr="0" anchor="ctr" bIns="91425" lIns="91425" spcFirstLastPara="1" rIns="91425" wrap="square" tIns="91425">
+            <a:bodyPr spcFirstLastPara="1" wrap="square" lIns="91425" tIns="91425" rIns="91425" bIns="91425" anchor="ctr" anchorCtr="0">
               <a:noAutofit/>
             </a:bodyPr>
             <a:lstStyle/>
             <a:p>
-              <a:pPr indent="0" lvl="0" marL="0" rtl="0" algn="l">
+              <a:pPr marL="0" lvl="0" indent="0" algn="l" rtl="0">
                 <a:spcBef>
                   <a:spcPts val="0"/>
                 </a:spcBef>
@@ -6824,9 +6883,6 @@
                 </a:spcAft>
                 <a:buNone/>
               </a:pPr>
-              <a:r>
-                <a:t/>
-              </a:r>
               <a:endParaRPr/>
             </a:p>
           </p:txBody>
@@ -6844,7 +6900,7 @@
             </a:xfrm>
             <a:prstGeom prst="diagStripe">
               <a:avLst>
-                <a:gd fmla="val 0" name="adj"/>
+                <a:gd name="adj" fmla="val 0"/>
               </a:avLst>
             </a:prstGeom>
             <a:solidFill>
@@ -6857,12 +6913,12 @@
             </a:ln>
           </p:spPr>
           <p:txBody>
-            <a:bodyPr anchorCtr="0" anchor="ctr" bIns="91425" lIns="91425" spcFirstLastPara="1" rIns="91425" wrap="square" tIns="91425">
+            <a:bodyPr spcFirstLastPara="1" wrap="square" lIns="91425" tIns="91425" rIns="91425" bIns="91425" anchor="ctr" anchorCtr="0">
               <a:noAutofit/>
             </a:bodyPr>
             <a:lstStyle/>
             <a:p>
-              <a:pPr indent="0" lvl="0" marL="0" rtl="0" algn="l">
+              <a:pPr marL="0" lvl="0" indent="0" algn="l" rtl="0">
                 <a:spcBef>
                   <a:spcPts val="0"/>
                 </a:spcBef>
@@ -6871,9 +6927,6 @@
                 </a:spcAft>
                 <a:buNone/>
               </a:pPr>
-              <a:r>
-                <a:t/>
-              </a:r>
               <a:endParaRPr/>
             </a:p>
           </p:txBody>
@@ -6891,7 +6944,7 @@
             </a:xfrm>
             <a:prstGeom prst="diagStripe">
               <a:avLst>
-                <a:gd fmla="val 50000" name="adj"/>
+                <a:gd name="adj" fmla="val 50000"/>
               </a:avLst>
             </a:prstGeom>
             <a:solidFill>
@@ -6904,12 +6957,12 @@
             </a:ln>
           </p:spPr>
           <p:txBody>
-            <a:bodyPr anchorCtr="0" anchor="ctr" bIns="91425" lIns="91425" spcFirstLastPara="1" rIns="91425" wrap="square" tIns="91425">
+            <a:bodyPr spcFirstLastPara="1" wrap="square" lIns="91425" tIns="91425" rIns="91425" bIns="91425" anchor="ctr" anchorCtr="0">
               <a:noAutofit/>
             </a:bodyPr>
             <a:lstStyle/>
             <a:p>
-              <a:pPr indent="0" lvl="0" marL="0" rtl="0" algn="l">
+              <a:pPr marL="0" lvl="0" indent="0" algn="l" rtl="0">
                 <a:spcBef>
                   <a:spcPts val="0"/>
                 </a:spcBef>
@@ -6918,9 +6971,6 @@
                 </a:spcAft>
                 <a:buNone/>
               </a:pPr>
-              <a:r>
-                <a:t/>
-              </a:r>
               <a:endParaRPr/>
             </a:p>
           </p:txBody>
@@ -6938,7 +6988,7 @@
             </a:xfrm>
             <a:prstGeom prst="diagStripe">
               <a:avLst>
-                <a:gd fmla="val 50000" name="adj"/>
+                <a:gd name="adj" fmla="val 50000"/>
               </a:avLst>
             </a:prstGeom>
             <a:solidFill>
@@ -6951,12 +7001,12 @@
             </a:ln>
           </p:spPr>
           <p:txBody>
-            <a:bodyPr anchorCtr="0" anchor="ctr" bIns="91425" lIns="91425" spcFirstLastPara="1" rIns="91425" wrap="square" tIns="91425">
+            <a:bodyPr spcFirstLastPara="1" wrap="square" lIns="91425" tIns="91425" rIns="91425" bIns="91425" anchor="ctr" anchorCtr="0">
               <a:noAutofit/>
             </a:bodyPr>
             <a:lstStyle/>
             <a:p>
-              <a:pPr indent="0" lvl="0" marL="0" rtl="0" algn="l">
+              <a:pPr marL="0" lvl="0" indent="0" algn="l" rtl="0">
                 <a:spcBef>
                   <a:spcPts val="0"/>
                 </a:spcBef>
@@ -6965,9 +7015,6 @@
                 </a:spcAft>
                 <a:buNone/>
               </a:pPr>
-              <a:r>
-                <a:t/>
-              </a:r>
               <a:endParaRPr/>
             </a:p>
           </p:txBody>
@@ -6985,7 +7032,7 @@
             </a:xfrm>
             <a:prstGeom prst="diagStripe">
               <a:avLst>
-                <a:gd fmla="val 50000" name="adj"/>
+                <a:gd name="adj" fmla="val 50000"/>
               </a:avLst>
             </a:prstGeom>
             <a:solidFill>
@@ -6998,12 +7045,12 @@
             </a:ln>
           </p:spPr>
           <p:txBody>
-            <a:bodyPr anchorCtr="0" anchor="ctr" bIns="91425" lIns="91425" spcFirstLastPara="1" rIns="91425" wrap="square" tIns="91425">
+            <a:bodyPr spcFirstLastPara="1" wrap="square" lIns="91425" tIns="91425" rIns="91425" bIns="91425" anchor="ctr" anchorCtr="0">
               <a:noAutofit/>
             </a:bodyPr>
             <a:lstStyle/>
             <a:p>
-              <a:pPr indent="0" lvl="0" marL="0" rtl="0" algn="l">
+              <a:pPr marL="0" lvl="0" indent="0" algn="l" rtl="0">
                 <a:spcBef>
                   <a:spcPts val="0"/>
                 </a:spcBef>
@@ -7012,9 +7059,6 @@
                 </a:spcAft>
                 <a:buNone/>
               </a:pPr>
-              <a:r>
-                <a:t/>
-              </a:r>
               <a:endParaRPr/>
             </a:p>
           </p:txBody>
@@ -7032,7 +7076,7 @@
             </a:xfrm>
             <a:prstGeom prst="diagStripe">
               <a:avLst>
-                <a:gd fmla="val 50000" name="adj"/>
+                <a:gd name="adj" fmla="val 50000"/>
               </a:avLst>
             </a:prstGeom>
             <a:solidFill>
@@ -7045,12 +7089,12 @@
             </a:ln>
           </p:spPr>
           <p:txBody>
-            <a:bodyPr anchorCtr="0" anchor="ctr" bIns="91425" lIns="91425" spcFirstLastPara="1" rIns="91425" wrap="square" tIns="91425">
+            <a:bodyPr spcFirstLastPara="1" wrap="square" lIns="91425" tIns="91425" rIns="91425" bIns="91425" anchor="ctr" anchorCtr="0">
               <a:noAutofit/>
             </a:bodyPr>
             <a:lstStyle/>
             <a:p>
-              <a:pPr indent="0" lvl="0" marL="0" rtl="0" algn="l">
+              <a:pPr marL="0" lvl="0" indent="0" algn="l" rtl="0">
                 <a:spcBef>
                   <a:spcPts val="0"/>
                 </a:spcBef>
@@ -7059,9 +7103,6 @@
                 </a:spcAft>
                 <a:buNone/>
               </a:pPr>
-              <a:r>
-                <a:t/>
-              </a:r>
               <a:endParaRPr/>
             </a:p>
           </p:txBody>
@@ -7079,7 +7120,7 @@
             </a:xfrm>
             <a:prstGeom prst="diagStripe">
               <a:avLst>
-                <a:gd fmla="val 50000" name="adj"/>
+                <a:gd name="adj" fmla="val 50000"/>
               </a:avLst>
             </a:prstGeom>
             <a:solidFill>
@@ -7092,12 +7133,12 @@
             </a:ln>
           </p:spPr>
           <p:txBody>
-            <a:bodyPr anchorCtr="0" anchor="ctr" bIns="91425" lIns="91425" spcFirstLastPara="1" rIns="91425" wrap="square" tIns="91425">
+            <a:bodyPr spcFirstLastPara="1" wrap="square" lIns="91425" tIns="91425" rIns="91425" bIns="91425" anchor="ctr" anchorCtr="0">
               <a:noAutofit/>
             </a:bodyPr>
             <a:lstStyle/>
             <a:p>
-              <a:pPr indent="0" lvl="0" marL="0" rtl="0" algn="l">
+              <a:pPr marL="0" lvl="0" indent="0" algn="l" rtl="0">
                 <a:spcBef>
                   <a:spcPts val="0"/>
                 </a:spcBef>
@@ -7106,9 +7147,6 @@
                 </a:spcAft>
                 <a:buNone/>
               </a:pPr>
-              <a:r>
-                <a:t/>
-              </a:r>
               <a:endParaRPr/>
             </a:p>
           </p:txBody>
@@ -7126,7 +7164,7 @@
             </a:xfrm>
             <a:prstGeom prst="diagStripe">
               <a:avLst>
-                <a:gd fmla="val 50000" name="adj"/>
+                <a:gd name="adj" fmla="val 50000"/>
               </a:avLst>
             </a:prstGeom>
             <a:solidFill>
@@ -7137,12 +7175,12 @@
             </a:ln>
           </p:spPr>
           <p:txBody>
-            <a:bodyPr anchorCtr="0" anchor="ctr" bIns="91425" lIns="91425" spcFirstLastPara="1" rIns="91425" wrap="square" tIns="91425">
+            <a:bodyPr spcFirstLastPara="1" wrap="square" lIns="91425" tIns="91425" rIns="91425" bIns="91425" anchor="ctr" anchorCtr="0">
               <a:noAutofit/>
             </a:bodyPr>
             <a:lstStyle/>
             <a:p>
-              <a:pPr indent="0" lvl="0" marL="0" rtl="0" algn="l">
+              <a:pPr marL="0" lvl="0" indent="0" algn="l" rtl="0">
                 <a:spcBef>
                   <a:spcPts val="0"/>
                 </a:spcBef>
@@ -7151,9 +7189,6 @@
                 </a:spcAft>
                 <a:buNone/>
               </a:pPr>
-              <a:r>
-                <a:t/>
-              </a:r>
               <a:endParaRPr/>
             </a:p>
           </p:txBody>
@@ -7171,7 +7206,7 @@
             </a:xfrm>
             <a:prstGeom prst="diagStripe">
               <a:avLst>
-                <a:gd fmla="val 50000" name="adj"/>
+                <a:gd name="adj" fmla="val 50000"/>
               </a:avLst>
             </a:prstGeom>
             <a:solidFill>
@@ -7184,12 +7219,12 @@
             </a:ln>
           </p:spPr>
           <p:txBody>
-            <a:bodyPr anchorCtr="0" anchor="ctr" bIns="91425" lIns="91425" spcFirstLastPara="1" rIns="91425" wrap="square" tIns="91425">
+            <a:bodyPr spcFirstLastPara="1" wrap="square" lIns="91425" tIns="91425" rIns="91425" bIns="91425" anchor="ctr" anchorCtr="0">
               <a:noAutofit/>
             </a:bodyPr>
             <a:lstStyle/>
             <a:p>
-              <a:pPr indent="0" lvl="0" marL="0" rtl="0" algn="l">
+              <a:pPr marL="0" lvl="0" indent="0" algn="l" rtl="0">
                 <a:spcBef>
                   <a:spcPts val="0"/>
                 </a:spcBef>
@@ -7198,9 +7233,6 @@
                 </a:spcAft>
                 <a:buNone/>
               </a:pPr>
-              <a:r>
-                <a:t/>
-              </a:r>
               <a:endParaRPr/>
             </a:p>
           </p:txBody>
@@ -7218,7 +7250,7 @@
             </a:xfrm>
             <a:prstGeom prst="diagStripe">
               <a:avLst>
-                <a:gd fmla="val 50000" name="adj"/>
+                <a:gd name="adj" fmla="val 50000"/>
               </a:avLst>
             </a:prstGeom>
             <a:solidFill>
@@ -7231,12 +7263,12 @@
             </a:ln>
           </p:spPr>
           <p:txBody>
-            <a:bodyPr anchorCtr="0" anchor="ctr" bIns="91425" lIns="91425" spcFirstLastPara="1" rIns="91425" wrap="square" tIns="91425">
+            <a:bodyPr spcFirstLastPara="1" wrap="square" lIns="91425" tIns="91425" rIns="91425" bIns="91425" anchor="ctr" anchorCtr="0">
               <a:noAutofit/>
             </a:bodyPr>
             <a:lstStyle/>
             <a:p>
-              <a:pPr indent="0" lvl="0" marL="0" rtl="0" algn="l">
+              <a:pPr marL="0" lvl="0" indent="0" algn="l" rtl="0">
                 <a:spcBef>
                   <a:spcPts val="0"/>
                 </a:spcBef>
@@ -7245,9 +7277,6 @@
                 </a:spcAft>
                 <a:buNone/>
               </a:pPr>
-              <a:r>
-                <a:t/>
-              </a:r>
               <a:endParaRPr/>
             </a:p>
           </p:txBody>
@@ -7265,7 +7294,7 @@
             </a:xfrm>
             <a:prstGeom prst="diagStripe">
               <a:avLst>
-                <a:gd fmla="val 50000" name="adj"/>
+                <a:gd name="adj" fmla="val 50000"/>
               </a:avLst>
             </a:prstGeom>
             <a:solidFill>
@@ -7278,12 +7307,12 @@
             </a:ln>
           </p:spPr>
           <p:txBody>
-            <a:bodyPr anchorCtr="0" anchor="ctr" bIns="91425" lIns="91425" spcFirstLastPara="1" rIns="91425" wrap="square" tIns="91425">
+            <a:bodyPr spcFirstLastPara="1" wrap="square" lIns="91425" tIns="91425" rIns="91425" bIns="91425" anchor="ctr" anchorCtr="0">
               <a:noAutofit/>
             </a:bodyPr>
             <a:lstStyle/>
             <a:p>
-              <a:pPr indent="0" lvl="0" marL="0" rtl="0" algn="l">
+              <a:pPr marL="0" lvl="0" indent="0" algn="l" rtl="0">
                 <a:spcBef>
                   <a:spcPts val="0"/>
                 </a:spcBef>
@@ -7292,9 +7321,6 @@
                 </a:spcAft>
                 <a:buNone/>
               </a:pPr>
-              <a:r>
-                <a:t/>
-              </a:r>
               <a:endParaRPr/>
             </a:p>
           </p:txBody>
@@ -7312,7 +7338,7 @@
             </a:xfrm>
             <a:prstGeom prst="diagStripe">
               <a:avLst>
-                <a:gd fmla="val 50000" name="adj"/>
+                <a:gd name="adj" fmla="val 50000"/>
               </a:avLst>
             </a:prstGeom>
             <a:solidFill>
@@ -7325,12 +7351,12 @@
             </a:ln>
           </p:spPr>
           <p:txBody>
-            <a:bodyPr anchorCtr="0" anchor="ctr" bIns="91425" lIns="91425" spcFirstLastPara="1" rIns="91425" wrap="square" tIns="91425">
+            <a:bodyPr spcFirstLastPara="1" wrap="square" lIns="91425" tIns="91425" rIns="91425" bIns="91425" anchor="ctr" anchorCtr="0">
               <a:noAutofit/>
             </a:bodyPr>
             <a:lstStyle/>
             <a:p>
-              <a:pPr indent="0" lvl="0" marL="0" rtl="0" algn="l">
+              <a:pPr marL="0" lvl="0" indent="0" algn="l" rtl="0">
                 <a:spcBef>
                   <a:spcPts val="0"/>
                 </a:spcBef>
@@ -7339,9 +7365,6 @@
                 </a:spcAft>
                 <a:buNone/>
               </a:pPr>
-              <a:r>
-                <a:t/>
-              </a:r>
               <a:endParaRPr/>
             </a:p>
           </p:txBody>
@@ -7359,7 +7382,7 @@
             </a:xfrm>
             <a:prstGeom prst="diagStripe">
               <a:avLst>
-                <a:gd fmla="val 50000" name="adj"/>
+                <a:gd name="adj" fmla="val 50000"/>
               </a:avLst>
             </a:prstGeom>
             <a:solidFill>
@@ -7372,12 +7395,12 @@
             </a:ln>
           </p:spPr>
           <p:txBody>
-            <a:bodyPr anchorCtr="0" anchor="ctr" bIns="91425" lIns="91425" spcFirstLastPara="1" rIns="91425" wrap="square" tIns="91425">
+            <a:bodyPr spcFirstLastPara="1" wrap="square" lIns="91425" tIns="91425" rIns="91425" bIns="91425" anchor="ctr" anchorCtr="0">
               <a:noAutofit/>
             </a:bodyPr>
             <a:lstStyle/>
             <a:p>
-              <a:pPr indent="0" lvl="0" marL="0" rtl="0" algn="l">
+              <a:pPr marL="0" lvl="0" indent="0" algn="l" rtl="0">
                 <a:spcBef>
                   <a:spcPts val="0"/>
                 </a:spcBef>
@@ -7386,9 +7409,6 @@
                 </a:spcAft>
                 <a:buNone/>
               </a:pPr>
-              <a:r>
-                <a:t/>
-              </a:r>
               <a:endParaRPr/>
             </a:p>
           </p:txBody>
@@ -7406,7 +7426,7 @@
             </a:xfrm>
             <a:prstGeom prst="diagStripe">
               <a:avLst>
-                <a:gd fmla="val 50000" name="adj"/>
+                <a:gd name="adj" fmla="val 50000"/>
               </a:avLst>
             </a:prstGeom>
             <a:solidFill>
@@ -7417,12 +7437,12 @@
             </a:ln>
           </p:spPr>
           <p:txBody>
-            <a:bodyPr anchorCtr="0" anchor="ctr" bIns="91425" lIns="91425" spcFirstLastPara="1" rIns="91425" wrap="square" tIns="91425">
+            <a:bodyPr spcFirstLastPara="1" wrap="square" lIns="91425" tIns="91425" rIns="91425" bIns="91425" anchor="ctr" anchorCtr="0">
               <a:noAutofit/>
             </a:bodyPr>
             <a:lstStyle/>
             <a:p>
-              <a:pPr indent="0" lvl="0" marL="0" rtl="0" algn="l">
+              <a:pPr marL="0" lvl="0" indent="0" algn="l" rtl="0">
                 <a:spcBef>
                   <a:spcPts val="0"/>
                 </a:spcBef>
@@ -7431,9 +7451,6 @@
                 </a:spcAft>
                 <a:buNone/>
               </a:pPr>
-              <a:r>
-                <a:t/>
-              </a:r>
               <a:endParaRPr/>
             </a:p>
           </p:txBody>
@@ -7451,7 +7468,7 @@
             </a:xfrm>
             <a:prstGeom prst="diagStripe">
               <a:avLst>
-                <a:gd fmla="val 50000" name="adj"/>
+                <a:gd name="adj" fmla="val 50000"/>
               </a:avLst>
             </a:prstGeom>
             <a:solidFill>
@@ -7464,12 +7481,12 @@
             </a:ln>
           </p:spPr>
           <p:txBody>
-            <a:bodyPr anchorCtr="0" anchor="ctr" bIns="91425" lIns="91425" spcFirstLastPara="1" rIns="91425" wrap="square" tIns="91425">
+            <a:bodyPr spcFirstLastPara="1" wrap="square" lIns="91425" tIns="91425" rIns="91425" bIns="91425" anchor="ctr" anchorCtr="0">
               <a:noAutofit/>
             </a:bodyPr>
             <a:lstStyle/>
             <a:p>
-              <a:pPr indent="0" lvl="0" marL="0" rtl="0" algn="l">
+              <a:pPr marL="0" lvl="0" indent="0" algn="l" rtl="0">
                 <a:spcBef>
                   <a:spcPts val="0"/>
                 </a:spcBef>
@@ -7478,9 +7495,6 @@
                 </a:spcAft>
                 <a:buNone/>
               </a:pPr>
-              <a:r>
-                <a:t/>
-              </a:r>
               <a:endParaRPr/>
             </a:p>
           </p:txBody>
@@ -7498,7 +7512,7 @@
             </a:xfrm>
             <a:prstGeom prst="diagStripe">
               <a:avLst>
-                <a:gd fmla="val 50000" name="adj"/>
+                <a:gd name="adj" fmla="val 50000"/>
               </a:avLst>
             </a:prstGeom>
             <a:solidFill>
@@ -7511,12 +7525,12 @@
             </a:ln>
           </p:spPr>
           <p:txBody>
-            <a:bodyPr anchorCtr="0" anchor="ctr" bIns="91425" lIns="91425" spcFirstLastPara="1" rIns="91425" wrap="square" tIns="91425">
+            <a:bodyPr spcFirstLastPara="1" wrap="square" lIns="91425" tIns="91425" rIns="91425" bIns="91425" anchor="ctr" anchorCtr="0">
               <a:noAutofit/>
             </a:bodyPr>
             <a:lstStyle/>
             <a:p>
-              <a:pPr indent="0" lvl="0" marL="0" rtl="0" algn="l">
+              <a:pPr marL="0" lvl="0" indent="0" algn="l" rtl="0">
                 <a:spcBef>
                   <a:spcPts val="0"/>
                 </a:spcBef>
@@ -7525,9 +7539,6 @@
                 </a:spcAft>
                 <a:buNone/>
               </a:pPr>
-              <a:r>
-                <a:t/>
-              </a:r>
               <a:endParaRPr/>
             </a:p>
           </p:txBody>
@@ -7545,7 +7556,7 @@
             </a:xfrm>
             <a:prstGeom prst="diagStripe">
               <a:avLst>
-                <a:gd fmla="val 50000" name="adj"/>
+                <a:gd name="adj" fmla="val 50000"/>
               </a:avLst>
             </a:prstGeom>
             <a:solidFill>
@@ -7558,12 +7569,12 @@
             </a:ln>
           </p:spPr>
           <p:txBody>
-            <a:bodyPr anchorCtr="0" anchor="ctr" bIns="91425" lIns="91425" spcFirstLastPara="1" rIns="91425" wrap="square" tIns="91425">
+            <a:bodyPr spcFirstLastPara="1" wrap="square" lIns="91425" tIns="91425" rIns="91425" bIns="91425" anchor="ctr" anchorCtr="0">
               <a:noAutofit/>
             </a:bodyPr>
             <a:lstStyle/>
             <a:p>
-              <a:pPr indent="0" lvl="0" marL="0" rtl="0" algn="l">
+              <a:pPr marL="0" lvl="0" indent="0" algn="l" rtl="0">
                 <a:spcBef>
                   <a:spcPts val="0"/>
                 </a:spcBef>
@@ -7572,9 +7583,6 @@
                 </a:spcAft>
                 <a:buNone/>
               </a:pPr>
-              <a:r>
-                <a:t/>
-              </a:r>
               <a:endParaRPr/>
             </a:p>
           </p:txBody>
@@ -7592,7 +7600,7 @@
             </a:xfrm>
             <a:prstGeom prst="diagStripe">
               <a:avLst>
-                <a:gd fmla="val 50000" name="adj"/>
+                <a:gd name="adj" fmla="val 50000"/>
               </a:avLst>
             </a:prstGeom>
             <a:solidFill>
@@ -7605,12 +7613,12 @@
             </a:ln>
           </p:spPr>
           <p:txBody>
-            <a:bodyPr anchorCtr="0" anchor="ctr" bIns="91425" lIns="91425" spcFirstLastPara="1" rIns="91425" wrap="square" tIns="91425">
+            <a:bodyPr spcFirstLastPara="1" wrap="square" lIns="91425" tIns="91425" rIns="91425" bIns="91425" anchor="ctr" anchorCtr="0">
               <a:noAutofit/>
             </a:bodyPr>
             <a:lstStyle/>
             <a:p>
-              <a:pPr indent="0" lvl="0" marL="0" rtl="0" algn="l">
+              <a:pPr marL="0" lvl="0" indent="0" algn="l" rtl="0">
                 <a:spcBef>
                   <a:spcPts val="0"/>
                 </a:spcBef>
@@ -7619,9 +7627,6 @@
                 </a:spcAft>
                 <a:buNone/>
               </a:pPr>
-              <a:r>
-                <a:t/>
-              </a:r>
               <a:endParaRPr/>
             </a:p>
           </p:txBody>
@@ -7630,7 +7635,9 @@
       <p:sp>
         <p:nvSpPr>
           <p:cNvPr id="89" name="Google Shape;89;p8"/>
-          <p:cNvSpPr txBox="1"/>
+          <p:cNvSpPr txBox="1">
+            <a:spLocks noGrp="1"/>
+          </p:cNvSpPr>
           <p:nvPr>
             <p:ph type="title"/>
           </p:nvPr>
@@ -7645,7 +7652,7 @@
           </a:prstGeom>
         </p:spPr>
         <p:txBody>
-          <a:bodyPr anchorCtr="0" anchor="ctr" bIns="91425" lIns="91425" spcFirstLastPara="1" rIns="91425" wrap="square" tIns="91425">
+          <a:bodyPr spcFirstLastPara="1" wrap="square" lIns="91425" tIns="91425" rIns="91425" bIns="91425" anchor="ctr" anchorCtr="0">
             <a:noAutofit/>
           </a:bodyPr>
           <a:lstStyle>
@@ -7749,15 +7756,19 @@
               <a:defRPr/>
             </a:lvl9pPr>
           </a:lstStyle>
-          <a:p/>
+          <a:p>
+            <a:endParaRPr/>
+          </a:p>
         </p:txBody>
       </p:sp>
       <p:sp>
         <p:nvSpPr>
           <p:cNvPr id="90" name="Google Shape;90;p8"/>
-          <p:cNvSpPr txBox="1"/>
+          <p:cNvSpPr txBox="1">
+            <a:spLocks noGrp="1"/>
+          </p:cNvSpPr>
           <p:nvPr>
-            <p:ph idx="12" type="sldNum"/>
+            <p:ph type="sldNum" idx="12"/>
           </p:nvPr>
         </p:nvSpPr>
         <p:spPr>
@@ -7770,7 +7781,7 @@
           </a:prstGeom>
         </p:spPr>
         <p:txBody>
-          <a:bodyPr anchorCtr="0" anchor="ctr" bIns="91425" lIns="91425" spcFirstLastPara="1" rIns="91425" wrap="square" tIns="91425">
+          <a:bodyPr spcFirstLastPara="1" wrap="square" lIns="91425" tIns="91425" rIns="91425" bIns="91425" anchor="ctr" anchorCtr="0">
             <a:noAutofit/>
           </a:bodyPr>
           <a:lstStyle>
@@ -7812,7 +7823,7 @@
             </a:lvl9pPr>
           </a:lstStyle>
           <a:p>
-            <a:pPr indent="0" lvl="0" marL="0" rtl="0" algn="r">
+            <a:pPr marL="0" lvl="0" indent="0" algn="r" rtl="0">
               <a:spcBef>
                 <a:spcPts val="0"/>
               </a:spcBef>
@@ -7838,11 +7849,11 @@
 </file>
 
 <file path=ppt/slideLayouts/slideLayout8.xml><?xml version="1.0" encoding="utf-8"?>
-<p:sldLayout xmlns:a="http://schemas.openxmlformats.org/drawingml/2006/main" xmlns:r="http://schemas.openxmlformats.org/officeDocument/2006/relationships" xmlns:mc="http://schemas.openxmlformats.org/markup-compatibility/2006" xmlns:mv="urn:schemas-microsoft-com:mac:vml" xmlns:p="http://schemas.openxmlformats.org/presentationml/2006/main" xmlns:c="http://schemas.openxmlformats.org/drawingml/2006/chart" xmlns:dgm="http://schemas.openxmlformats.org/drawingml/2006/diagram" xmlns:o="urn:schemas-microsoft-com:office:office" xmlns:v="urn:schemas-microsoft-com:vml" xmlns:pvml="urn:schemas-microsoft-com:office:powerpoint" xmlns:com="http://schemas.openxmlformats.org/drawingml/2006/compatibility" xmlns:p14="http://schemas.microsoft.com/office/powerpoint/2010/main" xmlns:p15="http://schemas.microsoft.com/office/powerpoint/2012/main" matchingName="Section title and description">
+<p:sldLayout xmlns:a="http://schemas.openxmlformats.org/drawingml/2006/main" xmlns:r="http://schemas.openxmlformats.org/officeDocument/2006/relationships" xmlns:p="http://schemas.openxmlformats.org/presentationml/2006/main" matchingName="Section title and description">
   <p:cSld name="SECTION_TITLE_AND_DESCRIPTION">
     <p:spTree>
       <p:nvGrpSpPr>
-        <p:cNvPr id="91" name="Shape 91"/>
+        <p:cNvPr id="1" name="Shape 91"/>
         <p:cNvGrpSpPr/>
         <p:nvPr/>
       </p:nvGrpSpPr>
@@ -7881,7 +7892,7 @@
             </a:xfrm>
             <a:prstGeom prst="diagStripe">
               <a:avLst>
-                <a:gd fmla="val 50000" name="adj"/>
+                <a:gd name="adj" fmla="val 50000"/>
               </a:avLst>
             </a:prstGeom>
             <a:solidFill>
@@ -7892,12 +7903,12 @@
             </a:ln>
           </p:spPr>
           <p:txBody>
-            <a:bodyPr anchorCtr="0" anchor="ctr" bIns="91425" lIns="91425" spcFirstLastPara="1" rIns="91425" wrap="square" tIns="91425">
+            <a:bodyPr spcFirstLastPara="1" wrap="square" lIns="91425" tIns="91425" rIns="91425" bIns="91425" anchor="ctr" anchorCtr="0">
               <a:noAutofit/>
             </a:bodyPr>
             <a:lstStyle/>
             <a:p>
-              <a:pPr indent="0" lvl="0" marL="0" rtl="0" algn="l">
+              <a:pPr marL="0" lvl="0" indent="0" algn="l" rtl="0">
                 <a:spcBef>
                   <a:spcPts val="0"/>
                 </a:spcBef>
@@ -7906,9 +7917,6 @@
                 </a:spcAft>
                 <a:buNone/>
               </a:pPr>
-              <a:r>
-                <a:t/>
-              </a:r>
               <a:endParaRPr/>
             </a:p>
           </p:txBody>
@@ -7926,7 +7934,7 @@
             </a:xfrm>
             <a:prstGeom prst="diagStripe">
               <a:avLst>
-                <a:gd fmla="val 50000" name="adj"/>
+                <a:gd name="adj" fmla="val 50000"/>
               </a:avLst>
             </a:prstGeom>
             <a:solidFill>
@@ -7937,12 +7945,12 @@
             </a:ln>
           </p:spPr>
           <p:txBody>
-            <a:bodyPr anchorCtr="0" anchor="ctr" bIns="91425" lIns="91425" spcFirstLastPara="1" rIns="91425" wrap="square" tIns="91425">
+            <a:bodyPr spcFirstLastPara="1" wrap="square" lIns="91425" tIns="91425" rIns="91425" bIns="91425" anchor="ctr" anchorCtr="0">
               <a:noAutofit/>
             </a:bodyPr>
             <a:lstStyle/>
             <a:p>
-              <a:pPr indent="0" lvl="0" marL="0" rtl="0" algn="l">
+              <a:pPr marL="0" lvl="0" indent="0" algn="l" rtl="0">
                 <a:spcBef>
                   <a:spcPts val="0"/>
                 </a:spcBef>
@@ -7951,9 +7959,6 @@
                 </a:spcAft>
                 <a:buNone/>
               </a:pPr>
-              <a:r>
-                <a:t/>
-              </a:r>
               <a:endParaRPr/>
             </a:p>
           </p:txBody>
@@ -7962,7 +7967,9 @@
       <p:sp>
         <p:nvSpPr>
           <p:cNvPr id="95" name="Google Shape;95;p9"/>
-          <p:cNvSpPr txBox="1"/>
+          <p:cNvSpPr txBox="1">
+            <a:spLocks noGrp="1"/>
+          </p:cNvSpPr>
           <p:nvPr>
             <p:ph type="title"/>
           </p:nvPr>
@@ -7977,7 +7984,7 @@
           </a:prstGeom>
         </p:spPr>
         <p:txBody>
-          <a:bodyPr anchorCtr="0" anchor="t" bIns="91425" lIns="91425" spcFirstLastPara="1" rIns="91425" wrap="square" tIns="91425">
+          <a:bodyPr spcFirstLastPara="1" wrap="square" lIns="91425" tIns="91425" rIns="91425" bIns="91425" anchor="t" anchorCtr="0">
             <a:noAutofit/>
           </a:bodyPr>
           <a:lstStyle>
@@ -8081,15 +8088,19 @@
               <a:defRPr sz="2400"/>
             </a:lvl9pPr>
           </a:lstStyle>
-          <a:p/>
+          <a:p>
+            <a:endParaRPr/>
+          </a:p>
         </p:txBody>
       </p:sp>
       <p:sp>
         <p:nvSpPr>
           <p:cNvPr id="96" name="Google Shape;96;p9"/>
-          <p:cNvSpPr txBox="1"/>
+          <p:cNvSpPr txBox="1">
+            <a:spLocks noGrp="1"/>
+          </p:cNvSpPr>
           <p:nvPr>
-            <p:ph idx="1" type="subTitle"/>
+            <p:ph type="subTitle" idx="1"/>
           </p:nvPr>
         </p:nvSpPr>
         <p:spPr>
@@ -8102,7 +8113,7 @@
           </a:prstGeom>
         </p:spPr>
         <p:txBody>
-          <a:bodyPr anchorCtr="0" anchor="t" bIns="91425" lIns="91425" spcFirstLastPara="1" rIns="91425" wrap="square" tIns="91425">
+          <a:bodyPr spcFirstLastPara="1" wrap="square" lIns="91425" tIns="91425" rIns="91425" bIns="91425" anchor="t" anchorCtr="0">
             <a:noAutofit/>
           </a:bodyPr>
           <a:lstStyle>
@@ -8233,15 +8244,19 @@
               <a:defRPr sz="1300"/>
             </a:lvl9pPr>
           </a:lstStyle>
-          <a:p/>
+          <a:p>
+            <a:endParaRPr/>
+          </a:p>
         </p:txBody>
       </p:sp>
       <p:sp>
         <p:nvSpPr>
           <p:cNvPr id="97" name="Google Shape;97;p9"/>
-          <p:cNvSpPr txBox="1"/>
+          <p:cNvSpPr txBox="1">
+            <a:spLocks noGrp="1"/>
+          </p:cNvSpPr>
           <p:nvPr>
-            <p:ph idx="2" type="body"/>
+            <p:ph type="body" idx="2"/>
           </p:nvPr>
         </p:nvSpPr>
         <p:spPr>
@@ -8254,11 +8269,11 @@
           </a:prstGeom>
         </p:spPr>
         <p:txBody>
-          <a:bodyPr anchorCtr="0" anchor="t" bIns="91425" lIns="91425" spcFirstLastPara="1" rIns="91425" wrap="square" tIns="91425">
+          <a:bodyPr spcFirstLastPara="1" wrap="square" lIns="91425" tIns="91425" rIns="91425" bIns="91425" anchor="t" anchorCtr="0">
             <a:noAutofit/>
           </a:bodyPr>
           <a:lstStyle>
-            <a:lvl1pPr indent="-311150" lvl="0" marL="457200">
+            <a:lvl1pPr marL="457200" lvl="0" indent="-311150">
               <a:spcBef>
                 <a:spcPts val="0"/>
               </a:spcBef>
@@ -8269,7 +8284,7 @@
               <a:buChar char="●"/>
               <a:defRPr/>
             </a:lvl1pPr>
-            <a:lvl2pPr indent="-298450" lvl="1" marL="914400">
+            <a:lvl2pPr marL="914400" lvl="1" indent="-298450">
               <a:spcBef>
                 <a:spcPts val="1600"/>
               </a:spcBef>
@@ -8280,7 +8295,7 @@
               <a:buChar char="○"/>
               <a:defRPr/>
             </a:lvl2pPr>
-            <a:lvl3pPr indent="-298450" lvl="2" marL="1371600">
+            <a:lvl3pPr marL="1371600" lvl="2" indent="-298450">
               <a:spcBef>
                 <a:spcPts val="1600"/>
               </a:spcBef>
@@ -8291,7 +8306,7 @@
               <a:buChar char="■"/>
               <a:defRPr/>
             </a:lvl3pPr>
-            <a:lvl4pPr indent="-298450" lvl="3" marL="1828800">
+            <a:lvl4pPr marL="1828800" lvl="3" indent="-298450">
               <a:spcBef>
                 <a:spcPts val="1600"/>
               </a:spcBef>
@@ -8302,7 +8317,7 @@
               <a:buChar char="●"/>
               <a:defRPr/>
             </a:lvl4pPr>
-            <a:lvl5pPr indent="-298450" lvl="4" marL="2286000">
+            <a:lvl5pPr marL="2286000" lvl="4" indent="-298450">
               <a:spcBef>
                 <a:spcPts val="1600"/>
               </a:spcBef>
@@ -8313,7 +8328,7 @@
               <a:buChar char="○"/>
               <a:defRPr/>
             </a:lvl5pPr>
-            <a:lvl6pPr indent="-298450" lvl="5" marL="2743200">
+            <a:lvl6pPr marL="2743200" lvl="5" indent="-298450">
               <a:spcBef>
                 <a:spcPts val="1600"/>
               </a:spcBef>
@@ -8324,7 +8339,7 @@
               <a:buChar char="■"/>
               <a:defRPr/>
             </a:lvl6pPr>
-            <a:lvl7pPr indent="-298450" lvl="6" marL="3200400">
+            <a:lvl7pPr marL="3200400" lvl="6" indent="-298450">
               <a:spcBef>
                 <a:spcPts val="1600"/>
               </a:spcBef>
@@ -8335,7 +8350,7 @@
               <a:buChar char="●"/>
               <a:defRPr/>
             </a:lvl7pPr>
-            <a:lvl8pPr indent="-298450" lvl="7" marL="3657600">
+            <a:lvl8pPr marL="3657600" lvl="7" indent="-298450">
               <a:spcBef>
                 <a:spcPts val="1600"/>
               </a:spcBef>
@@ -8346,7 +8361,7 @@
               <a:buChar char="○"/>
               <a:defRPr/>
             </a:lvl8pPr>
-            <a:lvl9pPr indent="-298450" lvl="8" marL="4114800">
+            <a:lvl9pPr marL="4114800" lvl="8" indent="-298450">
               <a:spcBef>
                 <a:spcPts val="1600"/>
               </a:spcBef>
@@ -8358,15 +8373,19 @@
               <a:defRPr/>
             </a:lvl9pPr>
           </a:lstStyle>
-          <a:p/>
+          <a:p>
+            <a:endParaRPr/>
+          </a:p>
         </p:txBody>
       </p:sp>
       <p:sp>
         <p:nvSpPr>
           <p:cNvPr id="98" name="Google Shape;98;p9"/>
-          <p:cNvSpPr txBox="1"/>
+          <p:cNvSpPr txBox="1">
+            <a:spLocks noGrp="1"/>
+          </p:cNvSpPr>
           <p:nvPr>
-            <p:ph idx="12" type="sldNum"/>
+            <p:ph type="sldNum" idx="12"/>
           </p:nvPr>
         </p:nvSpPr>
         <p:spPr>
@@ -8379,7 +8398,7 @@
           </a:prstGeom>
         </p:spPr>
         <p:txBody>
-          <a:bodyPr anchorCtr="0" anchor="ctr" bIns="91425" lIns="91425" spcFirstLastPara="1" rIns="91425" wrap="square" tIns="91425">
+          <a:bodyPr spcFirstLastPara="1" wrap="square" lIns="91425" tIns="91425" rIns="91425" bIns="91425" anchor="ctr" anchorCtr="0">
             <a:noAutofit/>
           </a:bodyPr>
           <a:lstStyle>
@@ -8421,7 +8440,7 @@
             </a:lvl9pPr>
           </a:lstStyle>
           <a:p>
-            <a:pPr indent="0" lvl="0" marL="0" rtl="0" algn="r">
+            <a:pPr marL="0" lvl="0" indent="0" algn="r" rtl="0">
               <a:spcBef>
                 <a:spcPts val="0"/>
               </a:spcBef>
@@ -8447,11 +8466,11 @@
 </file>
 
 <file path=ppt/slideLayouts/slideLayout9.xml><?xml version="1.0" encoding="utf-8"?>
-<p:sldLayout xmlns:a="http://schemas.openxmlformats.org/drawingml/2006/main" xmlns:r="http://schemas.openxmlformats.org/officeDocument/2006/relationships" xmlns:mc="http://schemas.openxmlformats.org/markup-compatibility/2006" xmlns:mv="urn:schemas-microsoft-com:mac:vml" xmlns:p="http://schemas.openxmlformats.org/presentationml/2006/main" xmlns:c="http://schemas.openxmlformats.org/drawingml/2006/chart" xmlns:dgm="http://schemas.openxmlformats.org/drawingml/2006/diagram" xmlns:o="urn:schemas-microsoft-com:office:office" xmlns:v="urn:schemas-microsoft-com:vml" xmlns:pvml="urn:schemas-microsoft-com:office:powerpoint" xmlns:com="http://schemas.openxmlformats.org/drawingml/2006/compatibility" xmlns:p14="http://schemas.microsoft.com/office/powerpoint/2010/main" xmlns:p15="http://schemas.microsoft.com/office/powerpoint/2012/main" matchingName="Caption">
+<p:sldLayout xmlns:a="http://schemas.openxmlformats.org/drawingml/2006/main" xmlns:r="http://schemas.openxmlformats.org/officeDocument/2006/relationships" xmlns:p="http://schemas.openxmlformats.org/presentationml/2006/main" matchingName="Caption">
   <p:cSld name="CAPTION_ONLY">
     <p:spTree>
       <p:nvGrpSpPr>
-        <p:cNvPr id="99" name="Shape 99"/>
+        <p:cNvPr id="1" name="Shape 99"/>
         <p:cNvGrpSpPr/>
         <p:nvPr/>
       </p:nvGrpSpPr>
@@ -8490,7 +8509,7 @@
             </a:xfrm>
             <a:prstGeom prst="diagStripe">
               <a:avLst>
-                <a:gd fmla="val 50000" name="adj"/>
+                <a:gd name="adj" fmla="val 50000"/>
               </a:avLst>
             </a:prstGeom>
             <a:solidFill>
@@ -8503,12 +8522,12 @@
             </a:ln>
           </p:spPr>
           <p:txBody>
-            <a:bodyPr anchorCtr="0" anchor="ctr" bIns="91425" lIns="91425" spcFirstLastPara="1" rIns="91425" wrap="square" tIns="91425">
+            <a:bodyPr spcFirstLastPara="1" wrap="square" lIns="91425" tIns="91425" rIns="91425" bIns="91425" anchor="ctr" anchorCtr="0">
               <a:noAutofit/>
             </a:bodyPr>
             <a:lstStyle/>
             <a:p>
-              <a:pPr indent="0" lvl="0" marL="0" rtl="0" algn="l">
+              <a:pPr marL="0" lvl="0" indent="0" algn="l" rtl="0">
                 <a:spcBef>
                   <a:spcPts val="0"/>
                 </a:spcBef>
@@ -8517,9 +8536,6 @@
                 </a:spcAft>
                 <a:buNone/>
               </a:pPr>
-              <a:r>
-                <a:t/>
-              </a:r>
               <a:endParaRPr/>
             </a:p>
           </p:txBody>
@@ -8537,7 +8553,7 @@
             </a:xfrm>
             <a:prstGeom prst="diagStripe">
               <a:avLst>
-                <a:gd fmla="val 50000" name="adj"/>
+                <a:gd name="adj" fmla="val 50000"/>
               </a:avLst>
             </a:prstGeom>
             <a:solidFill>
@@ -8550,12 +8566,12 @@
             </a:ln>
           </p:spPr>
           <p:txBody>
-            <a:bodyPr anchorCtr="0" anchor="ctr" bIns="91425" lIns="91425" spcFirstLastPara="1" rIns="91425" wrap="square" tIns="91425">
+            <a:bodyPr spcFirstLastPara="1" wrap="square" lIns="91425" tIns="91425" rIns="91425" bIns="91425" anchor="ctr" anchorCtr="0">
               <a:noAutofit/>
             </a:bodyPr>
             <a:lstStyle/>
             <a:p>
-              <a:pPr indent="0" lvl="0" marL="0" rtl="0" algn="l">
+              <a:pPr marL="0" lvl="0" indent="0" algn="l" rtl="0">
                 <a:spcBef>
                   <a:spcPts val="0"/>
                 </a:spcBef>
@@ -8564,9 +8580,6 @@
                 </a:spcAft>
                 <a:buNone/>
               </a:pPr>
-              <a:r>
-                <a:t/>
-              </a:r>
               <a:endParaRPr/>
             </a:p>
           </p:txBody>
@@ -8575,9 +8588,11 @@
       <p:sp>
         <p:nvSpPr>
           <p:cNvPr id="103" name="Google Shape;103;p10"/>
-          <p:cNvSpPr txBox="1"/>
+          <p:cNvSpPr txBox="1">
+            <a:spLocks noGrp="1"/>
+          </p:cNvSpPr>
           <p:nvPr>
-            <p:ph idx="1" type="body"/>
+            <p:ph type="body" idx="1"/>
           </p:nvPr>
         </p:nvSpPr>
         <p:spPr>
@@ -8590,11 +8605,11 @@
           </a:prstGeom>
         </p:spPr>
         <p:txBody>
-          <a:bodyPr anchorCtr="0" anchor="ctr" bIns="91425" lIns="91425" spcFirstLastPara="1" rIns="91425" wrap="square" tIns="91425">
+          <a:bodyPr spcFirstLastPara="1" wrap="square" lIns="91425" tIns="91425" rIns="91425" bIns="91425" anchor="ctr" anchorCtr="0">
             <a:noAutofit/>
           </a:bodyPr>
           <a:lstStyle>
-            <a:lvl1pPr indent="-228600" lvl="0" marL="457200">
+            <a:lvl1pPr marL="457200" lvl="0" indent="-228600">
               <a:lnSpc>
                 <a:spcPct val="100000"/>
               </a:lnSpc>
@@ -8609,15 +8624,19 @@
               <a:defRPr/>
             </a:lvl1pPr>
           </a:lstStyle>
-          <a:p/>
+          <a:p>
+            <a:endParaRPr/>
+          </a:p>
         </p:txBody>
       </p:sp>
       <p:sp>
         <p:nvSpPr>
           <p:cNvPr id="104" name="Google Shape;104;p10"/>
-          <p:cNvSpPr txBox="1"/>
+          <p:cNvSpPr txBox="1">
+            <a:spLocks noGrp="1"/>
+          </p:cNvSpPr>
           <p:nvPr>
-            <p:ph idx="12" type="sldNum"/>
+            <p:ph type="sldNum" idx="12"/>
           </p:nvPr>
         </p:nvSpPr>
         <p:spPr>
@@ -8630,7 +8649,7 @@
           </a:prstGeom>
         </p:spPr>
         <p:txBody>
-          <a:bodyPr anchorCtr="0" anchor="ctr" bIns="91425" lIns="91425" spcFirstLastPara="1" rIns="91425" wrap="square" tIns="91425">
+          <a:bodyPr spcFirstLastPara="1" wrap="square" lIns="91425" tIns="91425" rIns="91425" bIns="91425" anchor="ctr" anchorCtr="0">
             <a:noAutofit/>
           </a:bodyPr>
           <a:lstStyle>
@@ -8672,7 +8691,7 @@
             </a:lvl9pPr>
           </a:lstStyle>
           <a:p>
-            <a:pPr indent="0" lvl="0" marL="0" rtl="0" algn="r">
+            <a:pPr marL="0" lvl="0" indent="0" algn="r" rtl="0">
               <a:spcBef>
                 <a:spcPts val="0"/>
               </a:spcBef>
@@ -8698,18 +8717,19 @@
 </file>
 
 <file path=ppt/slideMasters/slideMaster1.xml><?xml version="1.0" encoding="utf-8"?>
-<p:sldMaster xmlns:a="http://schemas.openxmlformats.org/drawingml/2006/main" xmlns:r="http://schemas.openxmlformats.org/officeDocument/2006/relationships" xmlns:mc="http://schemas.openxmlformats.org/markup-compatibility/2006" xmlns:mv="urn:schemas-microsoft-com:mac:vml" xmlns:p="http://schemas.openxmlformats.org/presentationml/2006/main" xmlns:c="http://schemas.openxmlformats.org/drawingml/2006/chart" xmlns:dgm="http://schemas.openxmlformats.org/drawingml/2006/diagram" xmlns:o="urn:schemas-microsoft-com:office:office" xmlns:v="urn:schemas-microsoft-com:vml" xmlns:pvml="urn:schemas-microsoft-com:office:powerpoint" xmlns:com="http://schemas.openxmlformats.org/drawingml/2006/compatibility" xmlns:p14="http://schemas.microsoft.com/office/powerpoint/2010/main" xmlns:p15="http://schemas.microsoft.com/office/powerpoint/2012/main">
+<p:sldMaster xmlns:a="http://schemas.openxmlformats.org/drawingml/2006/main" xmlns:r="http://schemas.openxmlformats.org/officeDocument/2006/relationships" xmlns:p="http://schemas.openxmlformats.org/presentationml/2006/main">
   <p:cSld name="focus">
     <p:bg>
       <p:bgPr>
         <a:solidFill>
           <a:schemeClr val="dk1"/>
         </a:solidFill>
+        <a:effectLst/>
       </p:bgPr>
     </p:bg>
     <p:spTree>
       <p:nvGrpSpPr>
-        <p:cNvPr id="5" name="Shape 5"/>
+        <p:cNvPr id="1" name="Shape 5"/>
         <p:cNvGrpSpPr/>
         <p:nvPr/>
       </p:nvGrpSpPr>
@@ -8724,7 +8744,9 @@
       <p:sp>
         <p:nvSpPr>
           <p:cNvPr id="6" name="Google Shape;6;p1"/>
-          <p:cNvSpPr txBox="1"/>
+          <p:cNvSpPr txBox="1">
+            <a:spLocks noGrp="1"/>
+          </p:cNvSpPr>
           <p:nvPr>
             <p:ph type="title"/>
           </p:nvPr>
@@ -8743,7 +8765,7 @@
           </a:ln>
         </p:spPr>
         <p:txBody>
-          <a:bodyPr anchorCtr="0" anchor="t" bIns="91425" lIns="91425" spcFirstLastPara="1" rIns="91425" wrap="square" tIns="91425">
+          <a:bodyPr spcFirstLastPara="1" wrap="square" lIns="91425" tIns="91425" rIns="91425" bIns="91425" anchor="t" anchorCtr="0">
             <a:noAutofit/>
           </a:bodyPr>
           <a:lstStyle>
@@ -8955,15 +8977,19 @@
               </a:defRPr>
             </a:lvl9pPr>
           </a:lstStyle>
-          <a:p/>
+          <a:p>
+            <a:endParaRPr/>
+          </a:p>
         </p:txBody>
       </p:sp>
       <p:sp>
         <p:nvSpPr>
           <p:cNvPr id="7" name="Google Shape;7;p1"/>
-          <p:cNvSpPr txBox="1"/>
+          <p:cNvSpPr txBox="1">
+            <a:spLocks noGrp="1"/>
+          </p:cNvSpPr>
           <p:nvPr>
-            <p:ph idx="1" type="body"/>
+            <p:ph type="body" idx="1"/>
           </p:nvPr>
         </p:nvSpPr>
         <p:spPr>
@@ -8980,11 +9006,11 @@
           </a:ln>
         </p:spPr>
         <p:txBody>
-          <a:bodyPr anchorCtr="0" anchor="t" bIns="91425" lIns="91425" spcFirstLastPara="1" rIns="91425" wrap="square" tIns="91425">
+          <a:bodyPr spcFirstLastPara="1" wrap="square" lIns="91425" tIns="91425" rIns="91425" bIns="91425" anchor="t" anchorCtr="0">
             <a:noAutofit/>
           </a:bodyPr>
           <a:lstStyle>
-            <a:lvl1pPr indent="-311150" lvl="0" marL="457200">
+            <a:lvl1pPr marL="457200" lvl="0" indent="-311150">
               <a:lnSpc>
                 <a:spcPct val="115000"/>
               </a:lnSpc>
@@ -9010,7 +9036,7 @@
                 <a:sym typeface="Lato"/>
               </a:defRPr>
             </a:lvl1pPr>
-            <a:lvl2pPr indent="-298450" lvl="1" marL="914400">
+            <a:lvl2pPr marL="914400" lvl="1" indent="-298450">
               <a:lnSpc>
                 <a:spcPct val="115000"/>
               </a:lnSpc>
@@ -9036,7 +9062,7 @@
                 <a:sym typeface="Lato"/>
               </a:defRPr>
             </a:lvl2pPr>
-            <a:lvl3pPr indent="-298450" lvl="2" marL="1371600">
+            <a:lvl3pPr marL="1371600" lvl="2" indent="-298450">
               <a:lnSpc>
                 <a:spcPct val="115000"/>
               </a:lnSpc>
@@ -9062,7 +9088,7 @@
                 <a:sym typeface="Lato"/>
               </a:defRPr>
             </a:lvl3pPr>
-            <a:lvl4pPr indent="-298450" lvl="3" marL="1828800">
+            <a:lvl4pPr marL="1828800" lvl="3" indent="-298450">
               <a:lnSpc>
                 <a:spcPct val="115000"/>
               </a:lnSpc>
@@ -9088,7 +9114,7 @@
                 <a:sym typeface="Lato"/>
               </a:defRPr>
             </a:lvl4pPr>
-            <a:lvl5pPr indent="-298450" lvl="4" marL="2286000">
+            <a:lvl5pPr marL="2286000" lvl="4" indent="-298450">
               <a:lnSpc>
                 <a:spcPct val="115000"/>
               </a:lnSpc>
@@ -9114,7 +9140,7 @@
                 <a:sym typeface="Lato"/>
               </a:defRPr>
             </a:lvl5pPr>
-            <a:lvl6pPr indent="-298450" lvl="5" marL="2743200">
+            <a:lvl6pPr marL="2743200" lvl="5" indent="-298450">
               <a:lnSpc>
                 <a:spcPct val="115000"/>
               </a:lnSpc>
@@ -9140,7 +9166,7 @@
                 <a:sym typeface="Lato"/>
               </a:defRPr>
             </a:lvl6pPr>
-            <a:lvl7pPr indent="-298450" lvl="6" marL="3200400">
+            <a:lvl7pPr marL="3200400" lvl="6" indent="-298450">
               <a:lnSpc>
                 <a:spcPct val="115000"/>
               </a:lnSpc>
@@ -9166,7 +9192,7 @@
                 <a:sym typeface="Lato"/>
               </a:defRPr>
             </a:lvl7pPr>
-            <a:lvl8pPr indent="-298450" lvl="7" marL="3657600">
+            <a:lvl8pPr marL="3657600" lvl="7" indent="-298450">
               <a:lnSpc>
                 <a:spcPct val="115000"/>
               </a:lnSpc>
@@ -9192,7 +9218,7 @@
                 <a:sym typeface="Lato"/>
               </a:defRPr>
             </a:lvl8pPr>
-            <a:lvl9pPr indent="-298450" lvl="8" marL="4114800">
+            <a:lvl9pPr marL="4114800" lvl="8" indent="-298450">
               <a:lnSpc>
                 <a:spcPct val="115000"/>
               </a:lnSpc>
@@ -9219,15 +9245,19 @@
               </a:defRPr>
             </a:lvl9pPr>
           </a:lstStyle>
-          <a:p/>
+          <a:p>
+            <a:endParaRPr/>
+          </a:p>
         </p:txBody>
       </p:sp>
       <p:sp>
         <p:nvSpPr>
           <p:cNvPr id="8" name="Google Shape;8;p1"/>
-          <p:cNvSpPr txBox="1"/>
+          <p:cNvSpPr txBox="1">
+            <a:spLocks noGrp="1"/>
+          </p:cNvSpPr>
           <p:nvPr>
-            <p:ph idx="12" type="sldNum"/>
+            <p:ph type="sldNum" idx="12"/>
           </p:nvPr>
         </p:nvSpPr>
         <p:spPr>
@@ -9244,7 +9274,7 @@
           </a:ln>
         </p:spPr>
         <p:txBody>
-          <a:bodyPr anchorCtr="0" anchor="ctr" bIns="91425" lIns="91425" spcFirstLastPara="1" rIns="91425" wrap="square" tIns="91425">
+          <a:bodyPr spcFirstLastPara="1" wrap="square" lIns="91425" tIns="91425" rIns="91425" bIns="91425" anchor="ctr" anchorCtr="0">
             <a:noAutofit/>
           </a:bodyPr>
           <a:lstStyle>
@@ -9358,7 +9388,7 @@
             </a:lvl9pPr>
           </a:lstStyle>
           <a:p>
-            <a:pPr indent="0" lvl="0" marL="0" rtl="0" algn="r">
+            <a:pPr marL="0" lvl="0" indent="0" algn="r" rtl="0">
               <a:spcBef>
                 <a:spcPts val="0"/>
               </a:spcBef>
@@ -9377,7 +9407,7 @@
       </p:sp>
     </p:spTree>
   </p:cSld>
-  <p:clrMap accent1="accent1" accent2="accent2" accent3="accent3" accent4="accent4" accent5="accent5" accent6="accent6" bg1="lt1" bg2="dk2" tx1="dk1" tx2="lt2" folHlink="folHlink" hlink="hlink"/>
+  <p:clrMap bg1="lt1" tx1="dk1" bg2="dk2" tx2="lt2" accent1="accent1" accent2="accent2" accent3="accent3" accent4="accent4" accent5="accent5" accent6="accent6" hlink="hlink" folHlink="folHlink"/>
   <p:sldLayoutIdLst>
     <p:sldLayoutId id="2147483648" r:id="rId1"/>
     <p:sldLayoutId id="2147483649" r:id="rId2"/>
@@ -9391,10 +9421,10 @@
     <p:sldLayoutId id="2147483657" r:id="rId10"/>
     <p:sldLayoutId id="2147483658" r:id="rId11"/>
   </p:sldLayoutIdLst>
-  <p:hf dt="0" ftr="0" hdr="0" sldNum="0"/>
+  <p:hf sldNum="0" hdr="0" ftr="0" dt="0"/>
   <p:txStyles>
     <p:titleStyle>
-      <a:defPPr lvl="0" marR="0" rtl="0" algn="l">
+      <a:defPPr marR="0" lvl="0" algn="l" rtl="0">
         <a:lnSpc>
           <a:spcPct val="100000"/>
         </a:lnSpc>
@@ -9405,7 +9435,7 @@
           <a:spcPts val="0"/>
         </a:spcAft>
       </a:defPPr>
-      <a:lvl1pPr lvl="0" marR="0" rtl="0" algn="l">
+      <a:lvl1pPr marR="0" lvl="0" algn="l" rtl="0">
         <a:lnSpc>
           <a:spcPct val="100000"/>
         </a:lnSpc>
@@ -9419,7 +9449,7 @@
           <a:srgbClr val="000000"/>
         </a:buClr>
         <a:buFont typeface="Arial"/>
-        <a:defRPr b="0" i="0" sz="1400" u="none" cap="none" strike="noStrike">
+        <a:defRPr sz="1400" b="0" i="0" u="none" strike="noStrike" cap="none">
           <a:solidFill>
             <a:srgbClr val="000000"/>
           </a:solidFill>
@@ -9429,7 +9459,7 @@
           <a:sym typeface="Arial"/>
         </a:defRPr>
       </a:lvl1pPr>
-      <a:lvl2pPr lvl="1" marR="0" rtl="0" algn="l">
+      <a:lvl2pPr marR="0" lvl="1" algn="l" rtl="0">
         <a:lnSpc>
           <a:spcPct val="100000"/>
         </a:lnSpc>
@@ -9443,7 +9473,7 @@
           <a:srgbClr val="000000"/>
         </a:buClr>
         <a:buFont typeface="Arial"/>
-        <a:defRPr b="0" i="0" sz="1400" u="none" cap="none" strike="noStrike">
+        <a:defRPr sz="1400" b="0" i="0" u="none" strike="noStrike" cap="none">
           <a:solidFill>
             <a:srgbClr val="000000"/>
           </a:solidFill>
@@ -9453,7 +9483,7 @@
           <a:sym typeface="Arial"/>
         </a:defRPr>
       </a:lvl2pPr>
-      <a:lvl3pPr lvl="2" marR="0" rtl="0" algn="l">
+      <a:lvl3pPr marR="0" lvl="2" algn="l" rtl="0">
         <a:lnSpc>
           <a:spcPct val="100000"/>
         </a:lnSpc>
@@ -9467,7 +9497,7 @@
           <a:srgbClr val="000000"/>
         </a:buClr>
         <a:buFont typeface="Arial"/>
-        <a:defRPr b="0" i="0" sz="1400" u="none" cap="none" strike="noStrike">
+        <a:defRPr sz="1400" b="0" i="0" u="none" strike="noStrike" cap="none">
           <a:solidFill>
             <a:srgbClr val="000000"/>
           </a:solidFill>
@@ -9477,7 +9507,7 @@
           <a:sym typeface="Arial"/>
         </a:defRPr>
       </a:lvl3pPr>
-      <a:lvl4pPr lvl="3" marR="0" rtl="0" algn="l">
+      <a:lvl4pPr marR="0" lvl="3" algn="l" rtl="0">
         <a:lnSpc>
           <a:spcPct val="100000"/>
         </a:lnSpc>
@@ -9491,7 +9521,7 @@
           <a:srgbClr val="000000"/>
         </a:buClr>
         <a:buFont typeface="Arial"/>
-        <a:defRPr b="0" i="0" sz="1400" u="none" cap="none" strike="noStrike">
+        <a:defRPr sz="1400" b="0" i="0" u="none" strike="noStrike" cap="none">
           <a:solidFill>
             <a:srgbClr val="000000"/>
           </a:solidFill>
@@ -9501,7 +9531,7 @@
           <a:sym typeface="Arial"/>
         </a:defRPr>
       </a:lvl4pPr>
-      <a:lvl5pPr lvl="4" marR="0" rtl="0" algn="l">
+      <a:lvl5pPr marR="0" lvl="4" algn="l" rtl="0">
         <a:lnSpc>
           <a:spcPct val="100000"/>
         </a:lnSpc>
@@ -9515,7 +9545,7 @@
           <a:srgbClr val="000000"/>
         </a:buClr>
         <a:buFont typeface="Arial"/>
-        <a:defRPr b="0" i="0" sz="1400" u="none" cap="none" strike="noStrike">
+        <a:defRPr sz="1400" b="0" i="0" u="none" strike="noStrike" cap="none">
           <a:solidFill>
             <a:srgbClr val="000000"/>
           </a:solidFill>
@@ -9525,7 +9555,7 @@
           <a:sym typeface="Arial"/>
         </a:defRPr>
       </a:lvl5pPr>
-      <a:lvl6pPr lvl="5" marR="0" rtl="0" algn="l">
+      <a:lvl6pPr marR="0" lvl="5" algn="l" rtl="0">
         <a:lnSpc>
           <a:spcPct val="100000"/>
         </a:lnSpc>
@@ -9539,7 +9569,7 @@
           <a:srgbClr val="000000"/>
         </a:buClr>
         <a:buFont typeface="Arial"/>
-        <a:defRPr b="0" i="0" sz="1400" u="none" cap="none" strike="noStrike">
+        <a:defRPr sz="1400" b="0" i="0" u="none" strike="noStrike" cap="none">
           <a:solidFill>
             <a:srgbClr val="000000"/>
           </a:solidFill>
@@ -9549,7 +9579,7 @@
           <a:sym typeface="Arial"/>
         </a:defRPr>
       </a:lvl6pPr>
-      <a:lvl7pPr lvl="6" marR="0" rtl="0" algn="l">
+      <a:lvl7pPr marR="0" lvl="6" algn="l" rtl="0">
         <a:lnSpc>
           <a:spcPct val="100000"/>
         </a:lnSpc>
@@ -9563,7 +9593,7 @@
           <a:srgbClr val="000000"/>
         </a:buClr>
         <a:buFont typeface="Arial"/>
-        <a:defRPr b="0" i="0" sz="1400" u="none" cap="none" strike="noStrike">
+        <a:defRPr sz="1400" b="0" i="0" u="none" strike="noStrike" cap="none">
           <a:solidFill>
             <a:srgbClr val="000000"/>
           </a:solidFill>
@@ -9573,7 +9603,7 @@
           <a:sym typeface="Arial"/>
         </a:defRPr>
       </a:lvl7pPr>
-      <a:lvl8pPr lvl="7" marR="0" rtl="0" algn="l">
+      <a:lvl8pPr marR="0" lvl="7" algn="l" rtl="0">
         <a:lnSpc>
           <a:spcPct val="100000"/>
         </a:lnSpc>
@@ -9587,7 +9617,7 @@
           <a:srgbClr val="000000"/>
         </a:buClr>
         <a:buFont typeface="Arial"/>
-        <a:defRPr b="0" i="0" sz="1400" u="none" cap="none" strike="noStrike">
+        <a:defRPr sz="1400" b="0" i="0" u="none" strike="noStrike" cap="none">
           <a:solidFill>
             <a:srgbClr val="000000"/>
           </a:solidFill>
@@ -9597,7 +9627,7 @@
           <a:sym typeface="Arial"/>
         </a:defRPr>
       </a:lvl8pPr>
-      <a:lvl9pPr lvl="8" marR="0" rtl="0" algn="l">
+      <a:lvl9pPr marR="0" lvl="8" algn="l" rtl="0">
         <a:lnSpc>
           <a:spcPct val="100000"/>
         </a:lnSpc>
@@ -9611,7 +9641,7 @@
           <a:srgbClr val="000000"/>
         </a:buClr>
         <a:buFont typeface="Arial"/>
-        <a:defRPr b="0" i="0" sz="1400" u="none" cap="none" strike="noStrike">
+        <a:defRPr sz="1400" b="0" i="0" u="none" strike="noStrike" cap="none">
           <a:solidFill>
             <a:srgbClr val="000000"/>
           </a:solidFill>
@@ -9623,7 +9653,7 @@
       </a:lvl9pPr>
     </p:titleStyle>
     <p:bodyStyle>
-      <a:defPPr lvl="0" marR="0" rtl="0" algn="l">
+      <a:defPPr marR="0" lvl="0" algn="l" rtl="0">
         <a:lnSpc>
           <a:spcPct val="100000"/>
         </a:lnSpc>
@@ -9634,7 +9664,7 @@
           <a:spcPts val="0"/>
         </a:spcAft>
       </a:defPPr>
-      <a:lvl1pPr lvl="0" marR="0" rtl="0" algn="l">
+      <a:lvl1pPr marR="0" lvl="0" algn="l" rtl="0">
         <a:lnSpc>
           <a:spcPct val="100000"/>
         </a:lnSpc>
@@ -9648,7 +9678,7 @@
           <a:srgbClr val="000000"/>
         </a:buClr>
         <a:buFont typeface="Arial"/>
-        <a:defRPr b="0" i="0" sz="1400" u="none" cap="none" strike="noStrike">
+        <a:defRPr sz="1400" b="0" i="0" u="none" strike="noStrike" cap="none">
           <a:solidFill>
             <a:srgbClr val="000000"/>
           </a:solidFill>
@@ -9658,7 +9688,7 @@
           <a:sym typeface="Arial"/>
         </a:defRPr>
       </a:lvl1pPr>
-      <a:lvl2pPr lvl="1" marR="0" rtl="0" algn="l">
+      <a:lvl2pPr marR="0" lvl="1" algn="l" rtl="0">
         <a:lnSpc>
           <a:spcPct val="100000"/>
         </a:lnSpc>
@@ -9672,7 +9702,7 @@
           <a:srgbClr val="000000"/>
         </a:buClr>
         <a:buFont typeface="Arial"/>
-        <a:defRPr b="0" i="0" sz="1400" u="none" cap="none" strike="noStrike">
+        <a:defRPr sz="1400" b="0" i="0" u="none" strike="noStrike" cap="none">
           <a:solidFill>
             <a:srgbClr val="000000"/>
           </a:solidFill>
@@ -9682,7 +9712,7 @@
           <a:sym typeface="Arial"/>
         </a:defRPr>
       </a:lvl2pPr>
-      <a:lvl3pPr lvl="2" marR="0" rtl="0" algn="l">
+      <a:lvl3pPr marR="0" lvl="2" algn="l" rtl="0">
         <a:lnSpc>
           <a:spcPct val="100000"/>
         </a:lnSpc>
@@ -9696,7 +9726,7 @@
           <a:srgbClr val="000000"/>
         </a:buClr>
         <a:buFont typeface="Arial"/>
-        <a:defRPr b="0" i="0" sz="1400" u="none" cap="none" strike="noStrike">
+        <a:defRPr sz="1400" b="0" i="0" u="none" strike="noStrike" cap="none">
           <a:solidFill>
             <a:srgbClr val="000000"/>
           </a:solidFill>
@@ -9706,7 +9736,7 @@
           <a:sym typeface="Arial"/>
         </a:defRPr>
       </a:lvl3pPr>
-      <a:lvl4pPr lvl="3" marR="0" rtl="0" algn="l">
+      <a:lvl4pPr marR="0" lvl="3" algn="l" rtl="0">
         <a:lnSpc>
           <a:spcPct val="100000"/>
         </a:lnSpc>
@@ -9720,7 +9750,7 @@
           <a:srgbClr val="000000"/>
         </a:buClr>
         <a:buFont typeface="Arial"/>
-        <a:defRPr b="0" i="0" sz="1400" u="none" cap="none" strike="noStrike">
+        <a:defRPr sz="1400" b="0" i="0" u="none" strike="noStrike" cap="none">
           <a:solidFill>
             <a:srgbClr val="000000"/>
           </a:solidFill>
@@ -9730,7 +9760,7 @@
           <a:sym typeface="Arial"/>
         </a:defRPr>
       </a:lvl4pPr>
-      <a:lvl5pPr lvl="4" marR="0" rtl="0" algn="l">
+      <a:lvl5pPr marR="0" lvl="4" algn="l" rtl="0">
         <a:lnSpc>
           <a:spcPct val="100000"/>
         </a:lnSpc>
@@ -9744,7 +9774,7 @@
           <a:srgbClr val="000000"/>
         </a:buClr>
         <a:buFont typeface="Arial"/>
-        <a:defRPr b="0" i="0" sz="1400" u="none" cap="none" strike="noStrike">
+        <a:defRPr sz="1400" b="0" i="0" u="none" strike="noStrike" cap="none">
           <a:solidFill>
             <a:srgbClr val="000000"/>
           </a:solidFill>
@@ -9754,7 +9784,7 @@
           <a:sym typeface="Arial"/>
         </a:defRPr>
       </a:lvl5pPr>
-      <a:lvl6pPr lvl="5" marR="0" rtl="0" algn="l">
+      <a:lvl6pPr marR="0" lvl="5" algn="l" rtl="0">
         <a:lnSpc>
           <a:spcPct val="100000"/>
         </a:lnSpc>
@@ -9768,7 +9798,7 @@
           <a:srgbClr val="000000"/>
         </a:buClr>
         <a:buFont typeface="Arial"/>
-        <a:defRPr b="0" i="0" sz="1400" u="none" cap="none" strike="noStrike">
+        <a:defRPr sz="1400" b="0" i="0" u="none" strike="noStrike" cap="none">
           <a:solidFill>
             <a:srgbClr val="000000"/>
           </a:solidFill>
@@ -9778,7 +9808,7 @@
           <a:sym typeface="Arial"/>
         </a:defRPr>
       </a:lvl6pPr>
-      <a:lvl7pPr lvl="6" marR="0" rtl="0" algn="l">
+      <a:lvl7pPr marR="0" lvl="6" algn="l" rtl="0">
         <a:lnSpc>
           <a:spcPct val="100000"/>
         </a:lnSpc>
@@ -9792,7 +9822,7 @@
           <a:srgbClr val="000000"/>
         </a:buClr>
         <a:buFont typeface="Arial"/>
-        <a:defRPr b="0" i="0" sz="1400" u="none" cap="none" strike="noStrike">
+        <a:defRPr sz="1400" b="0" i="0" u="none" strike="noStrike" cap="none">
           <a:solidFill>
             <a:srgbClr val="000000"/>
           </a:solidFill>
@@ -9802,7 +9832,7 @@
           <a:sym typeface="Arial"/>
         </a:defRPr>
       </a:lvl7pPr>
-      <a:lvl8pPr lvl="7" marR="0" rtl="0" algn="l">
+      <a:lvl8pPr marR="0" lvl="7" algn="l" rtl="0">
         <a:lnSpc>
           <a:spcPct val="100000"/>
         </a:lnSpc>
@@ -9816,7 +9846,7 @@
           <a:srgbClr val="000000"/>
         </a:buClr>
         <a:buFont typeface="Arial"/>
-        <a:defRPr b="0" i="0" sz="1400" u="none" cap="none" strike="noStrike">
+        <a:defRPr sz="1400" b="0" i="0" u="none" strike="noStrike" cap="none">
           <a:solidFill>
             <a:srgbClr val="000000"/>
           </a:solidFill>
@@ -9826,7 +9856,7 @@
           <a:sym typeface="Arial"/>
         </a:defRPr>
       </a:lvl8pPr>
-      <a:lvl9pPr lvl="8" marR="0" rtl="0" algn="l">
+      <a:lvl9pPr marR="0" lvl="8" algn="l" rtl="0">
         <a:lnSpc>
           <a:spcPct val="100000"/>
         </a:lnSpc>
@@ -9840,7 +9870,7 @@
           <a:srgbClr val="000000"/>
         </a:buClr>
         <a:buFont typeface="Arial"/>
-        <a:defRPr b="0" i="0" sz="1400" u="none" cap="none" strike="noStrike">
+        <a:defRPr sz="1400" b="0" i="0" u="none" strike="noStrike" cap="none">
           <a:solidFill>
             <a:srgbClr val="000000"/>
           </a:solidFill>
@@ -9852,7 +9882,7 @@
       </a:lvl9pPr>
     </p:bodyStyle>
     <p:otherStyle>
-      <a:defPPr lvl="0" marR="0" rtl="0" algn="l">
+      <a:defPPr marR="0" lvl="0" algn="l" rtl="0">
         <a:lnSpc>
           <a:spcPct val="100000"/>
         </a:lnSpc>
@@ -9863,7 +9893,7 @@
           <a:spcPts val="0"/>
         </a:spcAft>
       </a:defPPr>
-      <a:lvl1pPr lvl="0" marR="0" rtl="0" algn="l">
+      <a:lvl1pPr marR="0" lvl="0" algn="l" rtl="0">
         <a:lnSpc>
           <a:spcPct val="100000"/>
         </a:lnSpc>
@@ -9877,7 +9907,7 @@
           <a:srgbClr val="000000"/>
         </a:buClr>
         <a:buFont typeface="Arial"/>
-        <a:defRPr b="0" i="0" sz="1400" u="none" cap="none" strike="noStrike">
+        <a:defRPr sz="1400" b="0" i="0" u="none" strike="noStrike" cap="none">
           <a:solidFill>
             <a:srgbClr val="000000"/>
           </a:solidFill>
@@ -9887,7 +9917,7 @@
           <a:sym typeface="Arial"/>
         </a:defRPr>
       </a:lvl1pPr>
-      <a:lvl2pPr lvl="1" marR="0" rtl="0" algn="l">
+      <a:lvl2pPr marR="0" lvl="1" algn="l" rtl="0">
         <a:lnSpc>
           <a:spcPct val="100000"/>
         </a:lnSpc>
@@ -9901,7 +9931,7 @@
           <a:srgbClr val="000000"/>
         </a:buClr>
         <a:buFont typeface="Arial"/>
-        <a:defRPr b="0" i="0" sz="1400" u="none" cap="none" strike="noStrike">
+        <a:defRPr sz="1400" b="0" i="0" u="none" strike="noStrike" cap="none">
           <a:solidFill>
             <a:srgbClr val="000000"/>
           </a:solidFill>
@@ -9911,7 +9941,7 @@
           <a:sym typeface="Arial"/>
         </a:defRPr>
       </a:lvl2pPr>
-      <a:lvl3pPr lvl="2" marR="0" rtl="0" algn="l">
+      <a:lvl3pPr marR="0" lvl="2" algn="l" rtl="0">
         <a:lnSpc>
           <a:spcPct val="100000"/>
         </a:lnSpc>
@@ -9925,7 +9955,7 @@
           <a:srgbClr val="000000"/>
         </a:buClr>
         <a:buFont typeface="Arial"/>
-        <a:defRPr b="0" i="0" sz="1400" u="none" cap="none" strike="noStrike">
+        <a:defRPr sz="1400" b="0" i="0" u="none" strike="noStrike" cap="none">
           <a:solidFill>
             <a:srgbClr val="000000"/>
           </a:solidFill>
@@ -9935,7 +9965,7 @@
           <a:sym typeface="Arial"/>
         </a:defRPr>
       </a:lvl3pPr>
-      <a:lvl4pPr lvl="3" marR="0" rtl="0" algn="l">
+      <a:lvl4pPr marR="0" lvl="3" algn="l" rtl="0">
         <a:lnSpc>
           <a:spcPct val="100000"/>
         </a:lnSpc>
@@ -9949,7 +9979,7 @@
           <a:srgbClr val="000000"/>
         </a:buClr>
         <a:buFont typeface="Arial"/>
-        <a:defRPr b="0" i="0" sz="1400" u="none" cap="none" strike="noStrike">
+        <a:defRPr sz="1400" b="0" i="0" u="none" strike="noStrike" cap="none">
           <a:solidFill>
             <a:srgbClr val="000000"/>
           </a:solidFill>
@@ -9959,7 +9989,7 @@
           <a:sym typeface="Arial"/>
         </a:defRPr>
       </a:lvl4pPr>
-      <a:lvl5pPr lvl="4" marR="0" rtl="0" algn="l">
+      <a:lvl5pPr marR="0" lvl="4" algn="l" rtl="0">
         <a:lnSpc>
           <a:spcPct val="100000"/>
         </a:lnSpc>
@@ -9973,7 +10003,7 @@
           <a:srgbClr val="000000"/>
         </a:buClr>
         <a:buFont typeface="Arial"/>
-        <a:defRPr b="0" i="0" sz="1400" u="none" cap="none" strike="noStrike">
+        <a:defRPr sz="1400" b="0" i="0" u="none" strike="noStrike" cap="none">
           <a:solidFill>
             <a:srgbClr val="000000"/>
           </a:solidFill>
@@ -9983,7 +10013,7 @@
           <a:sym typeface="Arial"/>
         </a:defRPr>
       </a:lvl5pPr>
-      <a:lvl6pPr lvl="5" marR="0" rtl="0" algn="l">
+      <a:lvl6pPr marR="0" lvl="5" algn="l" rtl="0">
         <a:lnSpc>
           <a:spcPct val="100000"/>
         </a:lnSpc>
@@ -9997,7 +10027,7 @@
           <a:srgbClr val="000000"/>
         </a:buClr>
         <a:buFont typeface="Arial"/>
-        <a:defRPr b="0" i="0" sz="1400" u="none" cap="none" strike="noStrike">
+        <a:defRPr sz="1400" b="0" i="0" u="none" strike="noStrike" cap="none">
           <a:solidFill>
             <a:srgbClr val="000000"/>
           </a:solidFill>
@@ -10007,7 +10037,7 @@
           <a:sym typeface="Arial"/>
         </a:defRPr>
       </a:lvl6pPr>
-      <a:lvl7pPr lvl="6" marR="0" rtl="0" algn="l">
+      <a:lvl7pPr marR="0" lvl="6" algn="l" rtl="0">
         <a:lnSpc>
           <a:spcPct val="100000"/>
         </a:lnSpc>
@@ -10021,7 +10051,7 @@
           <a:srgbClr val="000000"/>
         </a:buClr>
         <a:buFont typeface="Arial"/>
-        <a:defRPr b="0" i="0" sz="1400" u="none" cap="none" strike="noStrike">
+        <a:defRPr sz="1400" b="0" i="0" u="none" strike="noStrike" cap="none">
           <a:solidFill>
             <a:srgbClr val="000000"/>
           </a:solidFill>
@@ -10031,7 +10061,7 @@
           <a:sym typeface="Arial"/>
         </a:defRPr>
       </a:lvl7pPr>
-      <a:lvl8pPr lvl="7" marR="0" rtl="0" algn="l">
+      <a:lvl8pPr marR="0" lvl="7" algn="l" rtl="0">
         <a:lnSpc>
           <a:spcPct val="100000"/>
         </a:lnSpc>
@@ -10045,7 +10075,7 @@
           <a:srgbClr val="000000"/>
         </a:buClr>
         <a:buFont typeface="Arial"/>
-        <a:defRPr b="0" i="0" sz="1400" u="none" cap="none" strike="noStrike">
+        <a:defRPr sz="1400" b="0" i="0" u="none" strike="noStrike" cap="none">
           <a:solidFill>
             <a:srgbClr val="000000"/>
           </a:solidFill>
@@ -10055,7 +10085,7 @@
           <a:sym typeface="Arial"/>
         </a:defRPr>
       </a:lvl8pPr>
-      <a:lvl9pPr lvl="8" marR="0" rtl="0" algn="l">
+      <a:lvl9pPr marR="0" lvl="8" algn="l" rtl="0">
         <a:lnSpc>
           <a:spcPct val="100000"/>
         </a:lnSpc>
@@ -10069,7 +10099,7 @@
           <a:srgbClr val="000000"/>
         </a:buClr>
         <a:buFont typeface="Arial"/>
-        <a:defRPr b="0" i="0" sz="1400" u="none" cap="none" strike="noStrike">
+        <a:defRPr sz="1400" b="0" i="0" u="none" strike="noStrike" cap="none">
           <a:solidFill>
             <a:srgbClr val="000000"/>
           </a:solidFill>
@@ -10085,11 +10115,11 @@
 </file>
 
 <file path=ppt/slides/slide1.xml><?xml version="1.0" encoding="utf-8"?>
-<p:sld xmlns:a="http://schemas.openxmlformats.org/drawingml/2006/main" xmlns:r="http://schemas.openxmlformats.org/officeDocument/2006/relationships" xmlns:mc="http://schemas.openxmlformats.org/markup-compatibility/2006" xmlns:mv="urn:schemas-microsoft-com:mac:vml" xmlns:p="http://schemas.openxmlformats.org/presentationml/2006/main" xmlns:c="http://schemas.openxmlformats.org/drawingml/2006/chart" xmlns:dgm="http://schemas.openxmlformats.org/drawingml/2006/diagram" xmlns:o="urn:schemas-microsoft-com:office:office" xmlns:v="urn:schemas-microsoft-com:vml" xmlns:pvml="urn:schemas-microsoft-com:office:powerpoint" xmlns:com="http://schemas.openxmlformats.org/drawingml/2006/compatibility" xmlns:p14="http://schemas.microsoft.com/office/powerpoint/2010/main" xmlns:p15="http://schemas.microsoft.com/office/powerpoint/2012/main">
+<p:sld xmlns:a="http://schemas.openxmlformats.org/drawingml/2006/main" xmlns:r="http://schemas.openxmlformats.org/officeDocument/2006/relationships" xmlns:p="http://schemas.openxmlformats.org/presentationml/2006/main">
   <p:cSld>
     <p:spTree>
       <p:nvGrpSpPr>
-        <p:cNvPr id="133" name="Shape 133"/>
+        <p:cNvPr id="1" name="Shape 133"/>
         <p:cNvGrpSpPr/>
         <p:nvPr/>
       </p:nvGrpSpPr>
@@ -10104,7 +10134,9 @@
       <p:sp>
         <p:nvSpPr>
           <p:cNvPr id="134" name="Google Shape;134;p13"/>
-          <p:cNvSpPr txBox="1"/>
+          <p:cNvSpPr txBox="1">
+            <a:spLocks noGrp="1"/>
+          </p:cNvSpPr>
           <p:nvPr>
             <p:ph type="ctrTitle"/>
           </p:nvPr>
@@ -10119,12 +10151,12 @@
           </a:prstGeom>
         </p:spPr>
         <p:txBody>
-          <a:bodyPr anchorCtr="0" anchor="t" bIns="91425" lIns="91425" spcFirstLastPara="1" rIns="91425" wrap="square" tIns="91425">
+          <a:bodyPr spcFirstLastPara="1" wrap="square" lIns="91425" tIns="91425" rIns="91425" bIns="91425" anchor="t" anchorCtr="0">
             <a:noAutofit/>
           </a:bodyPr>
           <a:lstStyle/>
           <a:p>
-            <a:pPr indent="0" lvl="0" marL="0" rtl="0" algn="l">
+            <a:pPr marL="0" lvl="0" indent="0" algn="l" rtl="0">
               <a:spcBef>
                 <a:spcPts val="0"/>
               </a:spcBef>
@@ -10144,9 +10176,11 @@
       <p:sp>
         <p:nvSpPr>
           <p:cNvPr id="135" name="Google Shape;135;p13"/>
-          <p:cNvSpPr txBox="1"/>
+          <p:cNvSpPr txBox="1">
+            <a:spLocks noGrp="1"/>
+          </p:cNvSpPr>
           <p:nvPr>
-            <p:ph idx="1" type="subTitle"/>
+            <p:ph type="subTitle" idx="1"/>
           </p:nvPr>
         </p:nvSpPr>
         <p:spPr>
@@ -10159,12 +10193,12 @@
           </a:prstGeom>
         </p:spPr>
         <p:txBody>
-          <a:bodyPr anchorCtr="0" anchor="t" bIns="91425" lIns="91425" spcFirstLastPara="1" rIns="91425" wrap="square" tIns="91425">
+          <a:bodyPr spcFirstLastPara="1" wrap="square" lIns="91425" tIns="91425" rIns="91425" bIns="91425" anchor="t" anchorCtr="0">
             <a:noAutofit/>
           </a:bodyPr>
           <a:lstStyle/>
           <a:p>
-            <a:pPr indent="0" lvl="0" marL="0" rtl="0" algn="l">
+            <a:pPr marL="0" lvl="0" indent="0" algn="l" rtl="0">
               <a:spcBef>
                 <a:spcPts val="0"/>
               </a:spcBef>
@@ -10190,11 +10224,11 @@
 </file>
 
 <file path=ppt/slides/slide10.xml><?xml version="1.0" encoding="utf-8"?>
-<p:sld xmlns:a="http://schemas.openxmlformats.org/drawingml/2006/main" xmlns:r="http://schemas.openxmlformats.org/officeDocument/2006/relationships" xmlns:mc="http://schemas.openxmlformats.org/markup-compatibility/2006" xmlns:mv="urn:schemas-microsoft-com:mac:vml" xmlns:p="http://schemas.openxmlformats.org/presentationml/2006/main" xmlns:c="http://schemas.openxmlformats.org/drawingml/2006/chart" xmlns:dgm="http://schemas.openxmlformats.org/drawingml/2006/diagram" xmlns:o="urn:schemas-microsoft-com:office:office" xmlns:v="urn:schemas-microsoft-com:vml" xmlns:pvml="urn:schemas-microsoft-com:office:powerpoint" xmlns:com="http://schemas.openxmlformats.org/drawingml/2006/compatibility" xmlns:p14="http://schemas.microsoft.com/office/powerpoint/2010/main" xmlns:p15="http://schemas.microsoft.com/office/powerpoint/2012/main">
+<p:sld xmlns:a="http://schemas.openxmlformats.org/drawingml/2006/main" xmlns:r="http://schemas.openxmlformats.org/officeDocument/2006/relationships" xmlns:p="http://schemas.openxmlformats.org/presentationml/2006/main">
   <p:cSld>
     <p:spTree>
       <p:nvGrpSpPr>
-        <p:cNvPr id="187" name="Shape 187"/>
+        <p:cNvPr id="1" name="Shape 187"/>
         <p:cNvGrpSpPr/>
         <p:nvPr/>
       </p:nvGrpSpPr>
@@ -10209,7 +10243,9 @@
       <p:sp>
         <p:nvSpPr>
           <p:cNvPr id="188" name="Google Shape;188;p22"/>
-          <p:cNvSpPr txBox="1"/>
+          <p:cNvSpPr txBox="1">
+            <a:spLocks noGrp="1"/>
+          </p:cNvSpPr>
           <p:nvPr>
             <p:ph type="title"/>
           </p:nvPr>
@@ -10224,12 +10260,12 @@
           </a:prstGeom>
         </p:spPr>
         <p:txBody>
-          <a:bodyPr anchorCtr="0" anchor="t" bIns="91425" lIns="91425" spcFirstLastPara="1" rIns="91425" wrap="square" tIns="91425">
+          <a:bodyPr spcFirstLastPara="1" wrap="square" lIns="91425" tIns="91425" rIns="91425" bIns="91425" anchor="t" anchorCtr="0">
             <a:noAutofit/>
           </a:bodyPr>
           <a:lstStyle/>
           <a:p>
-            <a:pPr indent="0" lvl="0" marL="0" rtl="0" algn="l">
+            <a:pPr marL="0" lvl="0" indent="0" algn="l" rtl="0">
               <a:spcBef>
                 <a:spcPts val="0"/>
               </a:spcBef>
@@ -10249,9 +10285,11 @@
       <p:sp>
         <p:nvSpPr>
           <p:cNvPr id="189" name="Google Shape;189;p22"/>
-          <p:cNvSpPr txBox="1"/>
+          <p:cNvSpPr txBox="1">
+            <a:spLocks noGrp="1"/>
+          </p:cNvSpPr>
           <p:nvPr>
-            <p:ph idx="1" type="body"/>
+            <p:ph type="body" idx="1"/>
           </p:nvPr>
         </p:nvSpPr>
         <p:spPr>
@@ -10264,12 +10302,12 @@
           </a:prstGeom>
         </p:spPr>
         <p:txBody>
-          <a:bodyPr anchorCtr="0" anchor="t" bIns="91425" lIns="91425" spcFirstLastPara="1" rIns="91425" wrap="square" tIns="91425">
+          <a:bodyPr spcFirstLastPara="1" wrap="square" lIns="91425" tIns="91425" rIns="91425" bIns="91425" anchor="t" anchorCtr="0">
             <a:noAutofit/>
           </a:bodyPr>
           <a:lstStyle/>
           <a:p>
-            <a:pPr indent="-311150" lvl="0" marL="457200" rtl="0" algn="l">
+            <a:pPr marL="457200" lvl="0" indent="-311150" algn="l" rtl="0">
               <a:spcBef>
                 <a:spcPts val="0"/>
               </a:spcBef>
@@ -10286,7 +10324,7 @@
             <a:endParaRPr/>
           </a:p>
           <a:p>
-            <a:pPr indent="-311150" lvl="0" marL="457200" rtl="0" algn="l">
+            <a:pPr marL="457200" lvl="0" indent="-311150" algn="l" rtl="0">
               <a:spcBef>
                 <a:spcPts val="0"/>
               </a:spcBef>
@@ -10303,7 +10341,7 @@
             <a:endParaRPr/>
           </a:p>
           <a:p>
-            <a:pPr indent="-311150" lvl="0" marL="457200" rtl="0" algn="l">
+            <a:pPr marL="457200" lvl="0" indent="-311150" algn="l" rtl="0">
               <a:spcBef>
                 <a:spcPts val="0"/>
               </a:spcBef>
@@ -10320,7 +10358,7 @@
             <a:endParaRPr/>
           </a:p>
           <a:p>
-            <a:pPr indent="-311150" lvl="0" marL="457200" rtl="0" algn="l">
+            <a:pPr marL="457200" lvl="0" indent="-311150" algn="l" rtl="0">
               <a:spcBef>
                 <a:spcPts val="0"/>
               </a:spcBef>
@@ -10347,11 +10385,11 @@
 </file>
 
 <file path=ppt/slides/slide11.xml><?xml version="1.0" encoding="utf-8"?>
-<p:sld xmlns:a="http://schemas.openxmlformats.org/drawingml/2006/main" xmlns:r="http://schemas.openxmlformats.org/officeDocument/2006/relationships" xmlns:mc="http://schemas.openxmlformats.org/markup-compatibility/2006" xmlns:mv="urn:schemas-microsoft-com:mac:vml" xmlns:p="http://schemas.openxmlformats.org/presentationml/2006/main" xmlns:c="http://schemas.openxmlformats.org/drawingml/2006/chart" xmlns:dgm="http://schemas.openxmlformats.org/drawingml/2006/diagram" xmlns:o="urn:schemas-microsoft-com:office:office" xmlns:v="urn:schemas-microsoft-com:vml" xmlns:pvml="urn:schemas-microsoft-com:office:powerpoint" xmlns:com="http://schemas.openxmlformats.org/drawingml/2006/compatibility" xmlns:p14="http://schemas.microsoft.com/office/powerpoint/2010/main" xmlns:p15="http://schemas.microsoft.com/office/powerpoint/2012/main">
+<p:sld xmlns:a="http://schemas.openxmlformats.org/drawingml/2006/main" xmlns:r="http://schemas.openxmlformats.org/officeDocument/2006/relationships" xmlns:p="http://schemas.openxmlformats.org/presentationml/2006/main">
   <p:cSld>
     <p:spTree>
       <p:nvGrpSpPr>
-        <p:cNvPr id="193" name="Shape 193"/>
+        <p:cNvPr id="1" name="Shape 193"/>
         <p:cNvGrpSpPr/>
         <p:nvPr/>
       </p:nvGrpSpPr>
@@ -10366,7 +10404,9 @@
       <p:sp>
         <p:nvSpPr>
           <p:cNvPr id="194" name="Google Shape;194;p23"/>
-          <p:cNvSpPr txBox="1"/>
+          <p:cNvSpPr txBox="1">
+            <a:spLocks noGrp="1"/>
+          </p:cNvSpPr>
           <p:nvPr>
             <p:ph type="title"/>
           </p:nvPr>
@@ -10381,12 +10421,12 @@
           </a:prstGeom>
         </p:spPr>
         <p:txBody>
-          <a:bodyPr anchorCtr="0" anchor="t" bIns="91425" lIns="91425" spcFirstLastPara="1" rIns="91425" wrap="square" tIns="91425">
+          <a:bodyPr spcFirstLastPara="1" wrap="square" lIns="91425" tIns="91425" rIns="91425" bIns="91425" anchor="t" anchorCtr="0">
             <a:noAutofit/>
           </a:bodyPr>
           <a:lstStyle/>
           <a:p>
-            <a:pPr indent="0" lvl="0" marL="0" rtl="0" algn="l">
+            <a:pPr marL="0" lvl="0" indent="0" algn="l" rtl="0">
               <a:spcBef>
                 <a:spcPts val="0"/>
               </a:spcBef>
@@ -10406,9 +10446,11 @@
       <p:sp>
         <p:nvSpPr>
           <p:cNvPr id="195" name="Google Shape;195;p23"/>
-          <p:cNvSpPr txBox="1"/>
+          <p:cNvSpPr txBox="1">
+            <a:spLocks noGrp="1"/>
+          </p:cNvSpPr>
           <p:nvPr>
-            <p:ph idx="1" type="body"/>
+            <p:ph type="body" idx="1"/>
           </p:nvPr>
         </p:nvSpPr>
         <p:spPr>
@@ -10421,12 +10463,12 @@
           </a:prstGeom>
         </p:spPr>
         <p:txBody>
-          <a:bodyPr anchorCtr="0" anchor="t" bIns="91425" lIns="91425" spcFirstLastPara="1" rIns="91425" wrap="square" tIns="91425">
+          <a:bodyPr spcFirstLastPara="1" wrap="square" lIns="91425" tIns="91425" rIns="91425" bIns="91425" anchor="t" anchorCtr="0">
             <a:noAutofit/>
           </a:bodyPr>
           <a:lstStyle/>
           <a:p>
-            <a:pPr indent="-311150" lvl="0" marL="457200" rtl="0" algn="l">
+            <a:pPr marL="457200" lvl="0" indent="-311150" algn="l" rtl="0">
               <a:spcBef>
                 <a:spcPts val="0"/>
               </a:spcBef>
@@ -10443,7 +10485,7 @@
             <a:endParaRPr/>
           </a:p>
           <a:p>
-            <a:pPr indent="-311150" lvl="0" marL="457200" rtl="0" algn="l">
+            <a:pPr marL="457200" lvl="0" indent="-311150" algn="l" rtl="0">
               <a:spcBef>
                 <a:spcPts val="0"/>
               </a:spcBef>
@@ -10460,7 +10502,7 @@
             <a:endParaRPr/>
           </a:p>
           <a:p>
-            <a:pPr indent="-311150" lvl="0" marL="457200" rtl="0" algn="l">
+            <a:pPr marL="457200" lvl="0" indent="-311150" algn="l" rtl="0">
               <a:spcBef>
                 <a:spcPts val="0"/>
               </a:spcBef>
@@ -10477,7 +10519,7 @@
             <a:endParaRPr/>
           </a:p>
           <a:p>
-            <a:pPr indent="-311150" lvl="0" marL="457200" rtl="0" algn="l">
+            <a:pPr marL="457200" lvl="0" indent="-311150" algn="l" rtl="0">
               <a:spcBef>
                 <a:spcPts val="0"/>
               </a:spcBef>
@@ -10504,11 +10546,11 @@
 </file>
 
 <file path=ppt/slides/slide12.xml><?xml version="1.0" encoding="utf-8"?>
-<p:sld xmlns:a="http://schemas.openxmlformats.org/drawingml/2006/main" xmlns:r="http://schemas.openxmlformats.org/officeDocument/2006/relationships" xmlns:mc="http://schemas.openxmlformats.org/markup-compatibility/2006" xmlns:mv="urn:schemas-microsoft-com:mac:vml" xmlns:p="http://schemas.openxmlformats.org/presentationml/2006/main" xmlns:c="http://schemas.openxmlformats.org/drawingml/2006/chart" xmlns:dgm="http://schemas.openxmlformats.org/drawingml/2006/diagram" xmlns:o="urn:schemas-microsoft-com:office:office" xmlns:v="urn:schemas-microsoft-com:vml" xmlns:pvml="urn:schemas-microsoft-com:office:powerpoint" xmlns:com="http://schemas.openxmlformats.org/drawingml/2006/compatibility" xmlns:p14="http://schemas.microsoft.com/office/powerpoint/2010/main" xmlns:p15="http://schemas.microsoft.com/office/powerpoint/2012/main">
+<p:sld xmlns:a="http://schemas.openxmlformats.org/drawingml/2006/main" xmlns:r="http://schemas.openxmlformats.org/officeDocument/2006/relationships" xmlns:p="http://schemas.openxmlformats.org/presentationml/2006/main">
   <p:cSld>
     <p:spTree>
       <p:nvGrpSpPr>
-        <p:cNvPr id="199" name="Shape 199"/>
+        <p:cNvPr id="1" name="Shape 199"/>
         <p:cNvGrpSpPr/>
         <p:nvPr/>
       </p:nvGrpSpPr>
@@ -10523,7 +10565,9 @@
       <p:sp>
         <p:nvSpPr>
           <p:cNvPr id="200" name="Google Shape;200;p24"/>
-          <p:cNvSpPr txBox="1"/>
+          <p:cNvSpPr txBox="1">
+            <a:spLocks noGrp="1"/>
+          </p:cNvSpPr>
           <p:nvPr>
             <p:ph type="title"/>
           </p:nvPr>
@@ -10538,12 +10582,12 @@
           </a:prstGeom>
         </p:spPr>
         <p:txBody>
-          <a:bodyPr anchorCtr="0" anchor="t" bIns="91425" lIns="91425" spcFirstLastPara="1" rIns="91425" wrap="square" tIns="91425">
+          <a:bodyPr spcFirstLastPara="1" wrap="square" lIns="91425" tIns="91425" rIns="91425" bIns="91425" anchor="t" anchorCtr="0">
             <a:noAutofit/>
           </a:bodyPr>
           <a:lstStyle/>
           <a:p>
-            <a:pPr indent="0" lvl="0" marL="0" rtl="0" algn="l">
+            <a:pPr marL="0" lvl="0" indent="0" algn="l" rtl="0">
               <a:spcBef>
                 <a:spcPts val="0"/>
               </a:spcBef>
@@ -10563,9 +10607,11 @@
       <p:sp>
         <p:nvSpPr>
           <p:cNvPr id="201" name="Google Shape;201;p24"/>
-          <p:cNvSpPr txBox="1"/>
+          <p:cNvSpPr txBox="1">
+            <a:spLocks noGrp="1"/>
+          </p:cNvSpPr>
           <p:nvPr>
-            <p:ph idx="1" type="body"/>
+            <p:ph type="body" idx="1"/>
           </p:nvPr>
         </p:nvSpPr>
         <p:spPr>
@@ -10578,12 +10624,12 @@
           </a:prstGeom>
         </p:spPr>
         <p:txBody>
-          <a:bodyPr anchorCtr="0" anchor="t" bIns="91425" lIns="91425" spcFirstLastPara="1" rIns="91425" wrap="square" tIns="91425">
+          <a:bodyPr spcFirstLastPara="1" wrap="square" lIns="91425" tIns="91425" rIns="91425" bIns="91425" anchor="t" anchorCtr="0">
             <a:noAutofit/>
           </a:bodyPr>
           <a:lstStyle/>
           <a:p>
-            <a:pPr indent="-311150" lvl="0" marL="457200" rtl="0" algn="l">
+            <a:pPr marL="457200" lvl="0" indent="-311150" algn="l" rtl="0">
               <a:spcBef>
                 <a:spcPts val="0"/>
               </a:spcBef>
@@ -10609,7 +10655,7 @@
             <a:endParaRPr/>
           </a:p>
           <a:p>
-            <a:pPr indent="-311150" lvl="0" marL="457200" rtl="0" algn="l">
+            <a:pPr marL="457200" lvl="0" indent="-311150" algn="l" rtl="0">
               <a:spcBef>
                 <a:spcPts val="0"/>
               </a:spcBef>
@@ -10639,7 +10685,7 @@
             <a:endParaRPr/>
           </a:p>
           <a:p>
-            <a:pPr indent="-311150" lvl="0" marL="457200" rtl="0" algn="l">
+            <a:pPr marL="457200" lvl="0" indent="-311150" algn="l" rtl="0">
               <a:spcBef>
                 <a:spcPts val="0"/>
               </a:spcBef>
@@ -10666,11 +10712,11 @@
 </file>
 
 <file path=ppt/slides/slide2.xml><?xml version="1.0" encoding="utf-8"?>
-<p:sld xmlns:a="http://schemas.openxmlformats.org/drawingml/2006/main" xmlns:r="http://schemas.openxmlformats.org/officeDocument/2006/relationships" xmlns:mc="http://schemas.openxmlformats.org/markup-compatibility/2006" xmlns:mv="urn:schemas-microsoft-com:mac:vml" xmlns:p="http://schemas.openxmlformats.org/presentationml/2006/main" xmlns:c="http://schemas.openxmlformats.org/drawingml/2006/chart" xmlns:dgm="http://schemas.openxmlformats.org/drawingml/2006/diagram" xmlns:o="urn:schemas-microsoft-com:office:office" xmlns:v="urn:schemas-microsoft-com:vml" xmlns:pvml="urn:schemas-microsoft-com:office:powerpoint" xmlns:com="http://schemas.openxmlformats.org/drawingml/2006/compatibility" xmlns:p14="http://schemas.microsoft.com/office/powerpoint/2010/main" xmlns:p15="http://schemas.microsoft.com/office/powerpoint/2012/main">
+<p:sld xmlns:a="http://schemas.openxmlformats.org/drawingml/2006/main" xmlns:r="http://schemas.openxmlformats.org/officeDocument/2006/relationships" xmlns:p="http://schemas.openxmlformats.org/presentationml/2006/main">
   <p:cSld>
     <p:spTree>
       <p:nvGrpSpPr>
-        <p:cNvPr id="139" name="Shape 139"/>
+        <p:cNvPr id="1" name="Shape 139"/>
         <p:cNvGrpSpPr/>
         <p:nvPr/>
       </p:nvGrpSpPr>
@@ -10685,7 +10731,9 @@
       <p:sp>
         <p:nvSpPr>
           <p:cNvPr id="140" name="Google Shape;140;p14"/>
-          <p:cNvSpPr txBox="1"/>
+          <p:cNvSpPr txBox="1">
+            <a:spLocks noGrp="1"/>
+          </p:cNvSpPr>
           <p:nvPr>
             <p:ph type="title"/>
           </p:nvPr>
@@ -10700,12 +10748,12 @@
           </a:prstGeom>
         </p:spPr>
         <p:txBody>
-          <a:bodyPr anchorCtr="0" anchor="t" bIns="91425" lIns="91425" spcFirstLastPara="1" rIns="91425" wrap="square" tIns="91425">
+          <a:bodyPr spcFirstLastPara="1" wrap="square" lIns="91425" tIns="91425" rIns="91425" bIns="91425" anchor="t" anchorCtr="0">
             <a:noAutofit/>
           </a:bodyPr>
           <a:lstStyle/>
           <a:p>
-            <a:pPr indent="0" lvl="0" marL="0" rtl="0" algn="l">
+            <a:pPr marL="0" lvl="0" indent="0" algn="l" rtl="0">
               <a:spcBef>
                 <a:spcPts val="0"/>
               </a:spcBef>
@@ -10725,9 +10773,11 @@
       <p:sp>
         <p:nvSpPr>
           <p:cNvPr id="141" name="Google Shape;141;p14"/>
-          <p:cNvSpPr txBox="1"/>
+          <p:cNvSpPr txBox="1">
+            <a:spLocks noGrp="1"/>
+          </p:cNvSpPr>
           <p:nvPr>
-            <p:ph idx="1" type="body"/>
+            <p:ph type="body" idx="1"/>
           </p:nvPr>
         </p:nvSpPr>
         <p:spPr>
@@ -10740,12 +10790,12 @@
           </a:prstGeom>
         </p:spPr>
         <p:txBody>
-          <a:bodyPr anchorCtr="0" anchor="t" bIns="91425" lIns="91425" spcFirstLastPara="1" rIns="91425" wrap="square" tIns="91425">
+          <a:bodyPr spcFirstLastPara="1" wrap="square" lIns="91425" tIns="91425" rIns="91425" bIns="91425" anchor="t" anchorCtr="0">
             <a:noAutofit/>
           </a:bodyPr>
           <a:lstStyle/>
           <a:p>
-            <a:pPr indent="-311150" lvl="0" marL="457200" rtl="0" algn="l">
+            <a:pPr marL="457200" lvl="0" indent="-311150" algn="l" rtl="0">
               <a:spcBef>
                 <a:spcPts val="0"/>
               </a:spcBef>
@@ -10762,7 +10812,7 @@
             <a:endParaRPr/>
           </a:p>
           <a:p>
-            <a:pPr indent="-311150" lvl="0" marL="457200" rtl="0" algn="l">
+            <a:pPr marL="457200" lvl="0" indent="-311150" algn="l" rtl="0">
               <a:spcBef>
                 <a:spcPts val="0"/>
               </a:spcBef>
@@ -10779,7 +10829,7 @@
             <a:endParaRPr/>
           </a:p>
           <a:p>
-            <a:pPr indent="-311150" lvl="0" marL="457200" rtl="0" algn="l">
+            <a:pPr marL="457200" lvl="0" indent="-311150" algn="l" rtl="0">
               <a:spcBef>
                 <a:spcPts val="0"/>
               </a:spcBef>
@@ -10796,7 +10846,7 @@
             <a:endParaRPr/>
           </a:p>
           <a:p>
-            <a:pPr indent="-311150" lvl="0" marL="457200" rtl="0" algn="l">
+            <a:pPr marL="457200" lvl="0" indent="-311150" algn="l" rtl="0">
               <a:spcBef>
                 <a:spcPts val="0"/>
               </a:spcBef>
@@ -10813,7 +10863,7 @@
             <a:endParaRPr/>
           </a:p>
           <a:p>
-            <a:pPr indent="-311150" lvl="0" marL="457200" rtl="0" algn="l">
+            <a:pPr marL="457200" lvl="0" indent="-311150" algn="l" rtl="0">
               <a:spcBef>
                 <a:spcPts val="0"/>
               </a:spcBef>
@@ -10840,11 +10890,11 @@
 </file>
 
 <file path=ppt/slides/slide3.xml><?xml version="1.0" encoding="utf-8"?>
-<p:sld xmlns:a="http://schemas.openxmlformats.org/drawingml/2006/main" xmlns:r="http://schemas.openxmlformats.org/officeDocument/2006/relationships" xmlns:mc="http://schemas.openxmlformats.org/markup-compatibility/2006" xmlns:mv="urn:schemas-microsoft-com:mac:vml" xmlns:p="http://schemas.openxmlformats.org/presentationml/2006/main" xmlns:c="http://schemas.openxmlformats.org/drawingml/2006/chart" xmlns:dgm="http://schemas.openxmlformats.org/drawingml/2006/diagram" xmlns:o="urn:schemas-microsoft-com:office:office" xmlns:v="urn:schemas-microsoft-com:vml" xmlns:pvml="urn:schemas-microsoft-com:office:powerpoint" xmlns:com="http://schemas.openxmlformats.org/drawingml/2006/compatibility" xmlns:p14="http://schemas.microsoft.com/office/powerpoint/2010/main" xmlns:p15="http://schemas.microsoft.com/office/powerpoint/2012/main">
+<p:sld xmlns:a="http://schemas.openxmlformats.org/drawingml/2006/main" xmlns:r="http://schemas.openxmlformats.org/officeDocument/2006/relationships" xmlns:p="http://schemas.openxmlformats.org/presentationml/2006/main">
   <p:cSld>
     <p:spTree>
       <p:nvGrpSpPr>
-        <p:cNvPr id="145" name="Shape 145"/>
+        <p:cNvPr id="1" name="Shape 145"/>
         <p:cNvGrpSpPr/>
         <p:nvPr/>
       </p:nvGrpSpPr>
@@ -10859,7 +10909,9 @@
       <p:sp>
         <p:nvSpPr>
           <p:cNvPr id="146" name="Google Shape;146;p15"/>
-          <p:cNvSpPr txBox="1"/>
+          <p:cNvSpPr txBox="1">
+            <a:spLocks noGrp="1"/>
+          </p:cNvSpPr>
           <p:nvPr>
             <p:ph type="title"/>
           </p:nvPr>
@@ -10874,12 +10926,12 @@
           </a:prstGeom>
         </p:spPr>
         <p:txBody>
-          <a:bodyPr anchorCtr="0" anchor="t" bIns="91425" lIns="91425" spcFirstLastPara="1" rIns="91425" wrap="square" tIns="91425">
+          <a:bodyPr spcFirstLastPara="1" wrap="square" lIns="91425" tIns="91425" rIns="91425" bIns="91425" anchor="t" anchorCtr="0">
             <a:noAutofit/>
           </a:bodyPr>
           <a:lstStyle/>
           <a:p>
-            <a:pPr indent="0" lvl="0" marL="0" rtl="0" algn="l">
+            <a:pPr marL="0" lvl="0" indent="0" algn="l" rtl="0">
               <a:spcBef>
                 <a:spcPts val="0"/>
               </a:spcBef>
@@ -10899,9 +10951,11 @@
       <p:sp>
         <p:nvSpPr>
           <p:cNvPr id="147" name="Google Shape;147;p15"/>
-          <p:cNvSpPr txBox="1"/>
+          <p:cNvSpPr txBox="1">
+            <a:spLocks noGrp="1"/>
+          </p:cNvSpPr>
           <p:nvPr>
-            <p:ph idx="1" type="body"/>
+            <p:ph type="body" idx="1"/>
           </p:nvPr>
         </p:nvSpPr>
         <p:spPr>
@@ -10914,12 +10968,12 @@
           </a:prstGeom>
         </p:spPr>
         <p:txBody>
-          <a:bodyPr anchorCtr="0" anchor="t" bIns="91425" lIns="91425" spcFirstLastPara="1" rIns="91425" wrap="square" tIns="91425">
+          <a:bodyPr spcFirstLastPara="1" wrap="square" lIns="91425" tIns="91425" rIns="91425" bIns="91425" anchor="t" anchorCtr="0">
             <a:noAutofit/>
           </a:bodyPr>
           <a:lstStyle/>
           <a:p>
-            <a:pPr indent="-311150" lvl="0" marL="457200" rtl="0" algn="l">
+            <a:pPr marL="457200" lvl="0" indent="-311150" algn="l" rtl="0">
               <a:spcBef>
                 <a:spcPts val="0"/>
               </a:spcBef>
@@ -10936,7 +10990,7 @@
             <a:endParaRPr/>
           </a:p>
           <a:p>
-            <a:pPr indent="-311150" lvl="0" marL="457200" rtl="0" algn="l">
+            <a:pPr marL="457200" lvl="0" indent="-311150" algn="l" rtl="0">
               <a:spcBef>
                 <a:spcPts val="0"/>
               </a:spcBef>
@@ -10953,7 +11007,7 @@
             <a:endParaRPr/>
           </a:p>
           <a:p>
-            <a:pPr indent="-311150" lvl="0" marL="457200" rtl="0" algn="l">
+            <a:pPr marL="457200" lvl="0" indent="-311150" algn="l" rtl="0">
               <a:spcBef>
                 <a:spcPts val="0"/>
               </a:spcBef>
@@ -10970,7 +11024,7 @@
             <a:endParaRPr/>
           </a:p>
           <a:p>
-            <a:pPr indent="-298450" lvl="1" marL="914400" rtl="0" algn="l">
+            <a:pPr marL="914400" lvl="1" indent="-298450" algn="l" rtl="0">
               <a:spcBef>
                 <a:spcPts val="0"/>
               </a:spcBef>
@@ -10987,7 +11041,7 @@
             <a:endParaRPr/>
           </a:p>
           <a:p>
-            <a:pPr indent="-298450" lvl="1" marL="914400" rtl="0" algn="l">
+            <a:pPr marL="914400" lvl="1" indent="-298450" algn="l" rtl="0">
               <a:spcBef>
                 <a:spcPts val="0"/>
               </a:spcBef>
@@ -11004,7 +11058,7 @@
             <a:endParaRPr/>
           </a:p>
           <a:p>
-            <a:pPr indent="-298450" lvl="1" marL="914400" rtl="0" algn="l">
+            <a:pPr marL="914400" lvl="1" indent="-298450" algn="l" rtl="0">
               <a:spcBef>
                 <a:spcPts val="0"/>
               </a:spcBef>
@@ -11021,7 +11075,7 @@
             <a:endParaRPr/>
           </a:p>
           <a:p>
-            <a:pPr indent="-298450" lvl="1" marL="914400" rtl="0" algn="l">
+            <a:pPr marL="914400" lvl="1" indent="-298450" algn="l" rtl="0">
               <a:spcBef>
                 <a:spcPts val="0"/>
               </a:spcBef>
@@ -11038,7 +11092,7 @@
             <a:endParaRPr/>
           </a:p>
           <a:p>
-            <a:pPr indent="-298450" lvl="1" marL="914400" rtl="0" algn="l">
+            <a:pPr marL="914400" lvl="1" indent="-298450" algn="l" rtl="0">
               <a:spcBef>
                 <a:spcPts val="0"/>
               </a:spcBef>
@@ -11065,11 +11119,11 @@
 </file>
 
 <file path=ppt/slides/slide4.xml><?xml version="1.0" encoding="utf-8"?>
-<p:sld xmlns:a="http://schemas.openxmlformats.org/drawingml/2006/main" xmlns:r="http://schemas.openxmlformats.org/officeDocument/2006/relationships" xmlns:mc="http://schemas.openxmlformats.org/markup-compatibility/2006" xmlns:mv="urn:schemas-microsoft-com:mac:vml" xmlns:p="http://schemas.openxmlformats.org/presentationml/2006/main" xmlns:c="http://schemas.openxmlformats.org/drawingml/2006/chart" xmlns:dgm="http://schemas.openxmlformats.org/drawingml/2006/diagram" xmlns:o="urn:schemas-microsoft-com:office:office" xmlns:v="urn:schemas-microsoft-com:vml" xmlns:pvml="urn:schemas-microsoft-com:office:powerpoint" xmlns:com="http://schemas.openxmlformats.org/drawingml/2006/compatibility" xmlns:p14="http://schemas.microsoft.com/office/powerpoint/2010/main" xmlns:p15="http://schemas.microsoft.com/office/powerpoint/2012/main">
+<p:sld xmlns:a="http://schemas.openxmlformats.org/drawingml/2006/main" xmlns:r="http://schemas.openxmlformats.org/officeDocument/2006/relationships" xmlns:p="http://schemas.openxmlformats.org/presentationml/2006/main">
   <p:cSld>
     <p:spTree>
       <p:nvGrpSpPr>
-        <p:cNvPr id="151" name="Shape 151"/>
+        <p:cNvPr id="1" name="Shape 151"/>
         <p:cNvGrpSpPr/>
         <p:nvPr/>
       </p:nvGrpSpPr>
@@ -11084,7 +11138,9 @@
       <p:sp>
         <p:nvSpPr>
           <p:cNvPr id="152" name="Google Shape;152;p16"/>
-          <p:cNvSpPr txBox="1"/>
+          <p:cNvSpPr txBox="1">
+            <a:spLocks noGrp="1"/>
+          </p:cNvSpPr>
           <p:nvPr>
             <p:ph type="title"/>
           </p:nvPr>
@@ -11099,12 +11155,12 @@
           </a:prstGeom>
         </p:spPr>
         <p:txBody>
-          <a:bodyPr anchorCtr="0" anchor="t" bIns="91425" lIns="91425" spcFirstLastPara="1" rIns="91425" wrap="square" tIns="91425">
+          <a:bodyPr spcFirstLastPara="1" wrap="square" lIns="91425" tIns="91425" rIns="91425" bIns="91425" anchor="t" anchorCtr="0">
             <a:noAutofit/>
           </a:bodyPr>
           <a:lstStyle/>
           <a:p>
-            <a:pPr indent="0" lvl="0" marL="0" rtl="0" algn="l">
+            <a:pPr marL="0" lvl="0" indent="0" algn="l" rtl="0">
               <a:spcBef>
                 <a:spcPts val="0"/>
               </a:spcBef>
@@ -11124,9 +11180,11 @@
       <p:sp>
         <p:nvSpPr>
           <p:cNvPr id="153" name="Google Shape;153;p16"/>
-          <p:cNvSpPr txBox="1"/>
+          <p:cNvSpPr txBox="1">
+            <a:spLocks noGrp="1"/>
+          </p:cNvSpPr>
           <p:nvPr>
-            <p:ph idx="1" type="body"/>
+            <p:ph type="body" idx="1"/>
           </p:nvPr>
         </p:nvSpPr>
         <p:spPr>
@@ -11139,12 +11197,12 @@
           </a:prstGeom>
         </p:spPr>
         <p:txBody>
-          <a:bodyPr anchorCtr="0" anchor="t" bIns="91425" lIns="91425" spcFirstLastPara="1" rIns="91425" wrap="square" tIns="91425">
+          <a:bodyPr spcFirstLastPara="1" wrap="square" lIns="91425" tIns="91425" rIns="91425" bIns="91425" anchor="t" anchorCtr="0">
             <a:noAutofit/>
           </a:bodyPr>
           <a:lstStyle/>
           <a:p>
-            <a:pPr indent="-311150" lvl="0" marL="457200" rtl="0" algn="l">
+            <a:pPr marL="457200" lvl="0" indent="-311150" algn="l" rtl="0">
               <a:spcBef>
                 <a:spcPts val="0"/>
               </a:spcBef>
@@ -11161,7 +11219,7 @@
             <a:endParaRPr/>
           </a:p>
           <a:p>
-            <a:pPr indent="-298450" lvl="1" marL="914400" rtl="0" algn="l">
+            <a:pPr marL="914400" lvl="1" indent="-298450" algn="l" rtl="0">
               <a:spcBef>
                 <a:spcPts val="0"/>
               </a:spcBef>
@@ -11178,7 +11236,7 @@
             <a:endParaRPr/>
           </a:p>
           <a:p>
-            <a:pPr indent="-298450" lvl="1" marL="914400" rtl="0" algn="l">
+            <a:pPr marL="914400" lvl="1" indent="-298450" algn="l" rtl="0">
               <a:spcBef>
                 <a:spcPts val="0"/>
               </a:spcBef>
@@ -11195,7 +11253,7 @@
             <a:endParaRPr/>
           </a:p>
           <a:p>
-            <a:pPr indent="-298450" lvl="1" marL="914400" rtl="0" algn="l">
+            <a:pPr marL="914400" lvl="1" indent="-298450" algn="l" rtl="0">
               <a:spcBef>
                 <a:spcPts val="0"/>
               </a:spcBef>
@@ -11212,7 +11270,7 @@
             <a:endParaRPr/>
           </a:p>
           <a:p>
-            <a:pPr indent="-298450" lvl="1" marL="914400" rtl="0" algn="l">
+            <a:pPr marL="914400" lvl="1" indent="-298450" algn="l" rtl="0">
               <a:spcBef>
                 <a:spcPts val="0"/>
               </a:spcBef>
@@ -11239,11 +11297,11 @@
 </file>
 
 <file path=ppt/slides/slide5.xml><?xml version="1.0" encoding="utf-8"?>
-<p:sld xmlns:a="http://schemas.openxmlformats.org/drawingml/2006/main" xmlns:r="http://schemas.openxmlformats.org/officeDocument/2006/relationships" xmlns:mc="http://schemas.openxmlformats.org/markup-compatibility/2006" xmlns:mv="urn:schemas-microsoft-com:mac:vml" xmlns:p="http://schemas.openxmlformats.org/presentationml/2006/main" xmlns:c="http://schemas.openxmlformats.org/drawingml/2006/chart" xmlns:dgm="http://schemas.openxmlformats.org/drawingml/2006/diagram" xmlns:o="urn:schemas-microsoft-com:office:office" xmlns:v="urn:schemas-microsoft-com:vml" xmlns:pvml="urn:schemas-microsoft-com:office:powerpoint" xmlns:com="http://schemas.openxmlformats.org/drawingml/2006/compatibility" xmlns:p14="http://schemas.microsoft.com/office/powerpoint/2010/main" xmlns:p15="http://schemas.microsoft.com/office/powerpoint/2012/main">
+<p:sld xmlns:a="http://schemas.openxmlformats.org/drawingml/2006/main" xmlns:r="http://schemas.openxmlformats.org/officeDocument/2006/relationships" xmlns:p="http://schemas.openxmlformats.org/presentationml/2006/main">
   <p:cSld>
     <p:spTree>
       <p:nvGrpSpPr>
-        <p:cNvPr id="157" name="Shape 157"/>
+        <p:cNvPr id="1" name="Shape 157"/>
         <p:cNvGrpSpPr/>
         <p:nvPr/>
       </p:nvGrpSpPr>
@@ -11258,7 +11316,9 @@
       <p:sp>
         <p:nvSpPr>
           <p:cNvPr id="158" name="Google Shape;158;p17"/>
-          <p:cNvSpPr txBox="1"/>
+          <p:cNvSpPr txBox="1">
+            <a:spLocks noGrp="1"/>
+          </p:cNvSpPr>
           <p:nvPr>
             <p:ph type="title"/>
           </p:nvPr>
@@ -11273,12 +11333,12 @@
           </a:prstGeom>
         </p:spPr>
         <p:txBody>
-          <a:bodyPr anchorCtr="0" anchor="t" bIns="91425" lIns="91425" spcFirstLastPara="1" rIns="91425" wrap="square" tIns="91425">
+          <a:bodyPr spcFirstLastPara="1" wrap="square" lIns="91425" tIns="91425" rIns="91425" bIns="91425" anchor="t" anchorCtr="0">
             <a:noAutofit/>
           </a:bodyPr>
           <a:lstStyle/>
           <a:p>
-            <a:pPr indent="0" lvl="0" marL="0" rtl="0" algn="l">
+            <a:pPr marL="0" lvl="0" indent="0" algn="l" rtl="0">
               <a:spcBef>
                 <a:spcPts val="0"/>
               </a:spcBef>
@@ -11298,9 +11358,11 @@
       <p:sp>
         <p:nvSpPr>
           <p:cNvPr id="159" name="Google Shape;159;p17"/>
-          <p:cNvSpPr txBox="1"/>
+          <p:cNvSpPr txBox="1">
+            <a:spLocks noGrp="1"/>
+          </p:cNvSpPr>
           <p:nvPr>
-            <p:ph idx="1" type="body"/>
+            <p:ph type="body" idx="1"/>
           </p:nvPr>
         </p:nvSpPr>
         <p:spPr>
@@ -11313,12 +11375,12 @@
           </a:prstGeom>
         </p:spPr>
         <p:txBody>
-          <a:bodyPr anchorCtr="0" anchor="t" bIns="91425" lIns="91425" spcFirstLastPara="1" rIns="91425" wrap="square" tIns="91425">
+          <a:bodyPr spcFirstLastPara="1" wrap="square" lIns="91425" tIns="91425" rIns="91425" bIns="91425" anchor="t" anchorCtr="0">
             <a:noAutofit/>
           </a:bodyPr>
           <a:lstStyle/>
           <a:p>
-            <a:pPr indent="0" lvl="0" marL="0" rtl="0" algn="l">
+            <a:pPr marL="0" lvl="0" indent="0" algn="l" rtl="0">
               <a:spcBef>
                 <a:spcPts val="0"/>
               </a:spcBef>
@@ -11334,7 +11396,7 @@
             <a:endParaRPr/>
           </a:p>
           <a:p>
-            <a:pPr indent="-311150" lvl="0" marL="457200" rtl="0" algn="l">
+            <a:pPr marL="457200" lvl="0" indent="-311150" algn="l" rtl="0">
               <a:spcBef>
                 <a:spcPts val="1600"/>
               </a:spcBef>
@@ -11351,7 +11413,7 @@
             <a:endParaRPr/>
           </a:p>
           <a:p>
-            <a:pPr indent="-298450" lvl="1" marL="914400" rtl="0" algn="l">
+            <a:pPr marL="914400" lvl="1" indent="-298450" algn="l" rtl="0">
               <a:spcBef>
                 <a:spcPts val="0"/>
               </a:spcBef>
@@ -11368,7 +11430,7 @@
             <a:endParaRPr/>
           </a:p>
           <a:p>
-            <a:pPr indent="-298450" lvl="1" marL="914400" rtl="0" algn="l">
+            <a:pPr marL="914400" lvl="1" indent="-298450" algn="l" rtl="0">
               <a:spcBef>
                 <a:spcPts val="0"/>
               </a:spcBef>
@@ -11385,7 +11447,7 @@
             <a:endParaRPr/>
           </a:p>
           <a:p>
-            <a:pPr indent="-298450" lvl="1" marL="914400" rtl="0" algn="l">
+            <a:pPr marL="914400" lvl="1" indent="-298450" algn="l" rtl="0">
               <a:spcBef>
                 <a:spcPts val="0"/>
               </a:spcBef>
@@ -11402,7 +11464,7 @@
             <a:endParaRPr/>
           </a:p>
           <a:p>
-            <a:pPr indent="-311150" lvl="0" marL="457200" rtl="0" algn="l">
+            <a:pPr marL="457200" lvl="0" indent="-311150" algn="l" rtl="0">
               <a:spcBef>
                 <a:spcPts val="0"/>
               </a:spcBef>
@@ -11419,7 +11481,7 @@
             <a:endParaRPr/>
           </a:p>
           <a:p>
-            <a:pPr indent="-311150" lvl="0" marL="457200" rtl="0" algn="l">
+            <a:pPr marL="457200" lvl="0" indent="-311150" algn="l" rtl="0">
               <a:spcBef>
                 <a:spcPts val="0"/>
               </a:spcBef>
@@ -11436,7 +11498,7 @@
             <a:endParaRPr/>
           </a:p>
           <a:p>
-            <a:pPr indent="-298450" lvl="1" marL="914400" rtl="0" algn="l">
+            <a:pPr marL="914400" lvl="1" indent="-298450" algn="l" rtl="0">
               <a:spcBef>
                 <a:spcPts val="0"/>
               </a:spcBef>
@@ -11463,11 +11525,11 @@
 </file>
 
 <file path=ppt/slides/slide6.xml><?xml version="1.0" encoding="utf-8"?>
-<p:sld xmlns:a="http://schemas.openxmlformats.org/drawingml/2006/main" xmlns:r="http://schemas.openxmlformats.org/officeDocument/2006/relationships" xmlns:mc="http://schemas.openxmlformats.org/markup-compatibility/2006" xmlns:mv="urn:schemas-microsoft-com:mac:vml" xmlns:p="http://schemas.openxmlformats.org/presentationml/2006/main" xmlns:c="http://schemas.openxmlformats.org/drawingml/2006/chart" xmlns:dgm="http://schemas.openxmlformats.org/drawingml/2006/diagram" xmlns:o="urn:schemas-microsoft-com:office:office" xmlns:v="urn:schemas-microsoft-com:vml" xmlns:pvml="urn:schemas-microsoft-com:office:powerpoint" xmlns:com="http://schemas.openxmlformats.org/drawingml/2006/compatibility" xmlns:p14="http://schemas.microsoft.com/office/powerpoint/2010/main" xmlns:p15="http://schemas.microsoft.com/office/powerpoint/2012/main">
+<p:sld xmlns:a="http://schemas.openxmlformats.org/drawingml/2006/main" xmlns:r="http://schemas.openxmlformats.org/officeDocument/2006/relationships" xmlns:p="http://schemas.openxmlformats.org/presentationml/2006/main">
   <p:cSld>
     <p:spTree>
       <p:nvGrpSpPr>
-        <p:cNvPr id="163" name="Shape 163"/>
+        <p:cNvPr id="1" name="Shape 163"/>
         <p:cNvGrpSpPr/>
         <p:nvPr/>
       </p:nvGrpSpPr>
@@ -11482,7 +11544,9 @@
       <p:sp>
         <p:nvSpPr>
           <p:cNvPr id="164" name="Google Shape;164;p18"/>
-          <p:cNvSpPr txBox="1"/>
+          <p:cNvSpPr txBox="1">
+            <a:spLocks noGrp="1"/>
+          </p:cNvSpPr>
           <p:nvPr>
             <p:ph type="title"/>
           </p:nvPr>
@@ -11497,12 +11561,12 @@
           </a:prstGeom>
         </p:spPr>
         <p:txBody>
-          <a:bodyPr anchorCtr="0" anchor="t" bIns="91425" lIns="91425" spcFirstLastPara="1" rIns="91425" wrap="square" tIns="91425">
+          <a:bodyPr spcFirstLastPara="1" wrap="square" lIns="91425" tIns="91425" rIns="91425" bIns="91425" anchor="t" anchorCtr="0">
             <a:noAutofit/>
           </a:bodyPr>
           <a:lstStyle/>
           <a:p>
-            <a:pPr indent="0" lvl="0" marL="0" rtl="0" algn="l">
+            <a:pPr marL="0" lvl="0" indent="0" algn="l" rtl="0">
               <a:spcBef>
                 <a:spcPts val="0"/>
               </a:spcBef>
@@ -11522,9 +11586,11 @@
       <p:sp>
         <p:nvSpPr>
           <p:cNvPr id="165" name="Google Shape;165;p18"/>
-          <p:cNvSpPr txBox="1"/>
+          <p:cNvSpPr txBox="1">
+            <a:spLocks noGrp="1"/>
+          </p:cNvSpPr>
           <p:nvPr>
-            <p:ph idx="1" type="body"/>
+            <p:ph type="body" idx="1"/>
           </p:nvPr>
         </p:nvSpPr>
         <p:spPr>
@@ -11537,12 +11603,12 @@
           </a:prstGeom>
         </p:spPr>
         <p:txBody>
-          <a:bodyPr anchorCtr="0" anchor="t" bIns="91425" lIns="91425" spcFirstLastPara="1" rIns="91425" wrap="square" tIns="91425">
+          <a:bodyPr spcFirstLastPara="1" wrap="square" lIns="91425" tIns="91425" rIns="91425" bIns="91425" anchor="t" anchorCtr="0">
             <a:noAutofit/>
           </a:bodyPr>
           <a:lstStyle/>
           <a:p>
-            <a:pPr indent="-311150" lvl="0" marL="457200" rtl="0" algn="l">
+            <a:pPr marL="457200" lvl="0" indent="-311150" algn="l" rtl="0">
               <a:spcBef>
                 <a:spcPts val="0"/>
               </a:spcBef>
@@ -11559,7 +11625,7 @@
             <a:endParaRPr/>
           </a:p>
           <a:p>
-            <a:pPr indent="-298450" lvl="1" marL="914400" rtl="0" algn="l">
+            <a:pPr marL="914400" lvl="1" indent="-298450" algn="l" rtl="0">
               <a:spcBef>
                 <a:spcPts val="0"/>
               </a:spcBef>
@@ -11576,7 +11642,7 @@
             <a:endParaRPr/>
           </a:p>
           <a:p>
-            <a:pPr indent="-311150" lvl="0" marL="457200" rtl="0" algn="l">
+            <a:pPr marL="457200" lvl="0" indent="-311150" algn="l" rtl="0">
               <a:spcBef>
                 <a:spcPts val="0"/>
               </a:spcBef>
@@ -11593,7 +11659,7 @@
             <a:endParaRPr/>
           </a:p>
           <a:p>
-            <a:pPr indent="-298450" lvl="1" marL="914400" rtl="0" algn="l">
+            <a:pPr marL="914400" lvl="1" indent="-298450" algn="l" rtl="0">
               <a:spcBef>
                 <a:spcPts val="0"/>
               </a:spcBef>
@@ -11610,7 +11676,7 @@
             <a:endParaRPr/>
           </a:p>
           <a:p>
-            <a:pPr indent="-311150" lvl="0" marL="457200" rtl="0" algn="l">
+            <a:pPr marL="457200" lvl="0" indent="-311150" algn="l" rtl="0">
               <a:spcBef>
                 <a:spcPts val="0"/>
               </a:spcBef>
@@ -11627,7 +11693,7 @@
             <a:endParaRPr/>
           </a:p>
           <a:p>
-            <a:pPr indent="-298450" lvl="1" marL="914400" rtl="0" algn="l">
+            <a:pPr marL="914400" lvl="1" indent="-298450" algn="l" rtl="0">
               <a:spcBef>
                 <a:spcPts val="0"/>
               </a:spcBef>
@@ -11654,11 +11720,11 @@
 </file>
 
 <file path=ppt/slides/slide7.xml><?xml version="1.0" encoding="utf-8"?>
-<p:sld xmlns:a="http://schemas.openxmlformats.org/drawingml/2006/main" xmlns:r="http://schemas.openxmlformats.org/officeDocument/2006/relationships" xmlns:mc="http://schemas.openxmlformats.org/markup-compatibility/2006" xmlns:mv="urn:schemas-microsoft-com:mac:vml" xmlns:p="http://schemas.openxmlformats.org/presentationml/2006/main" xmlns:c="http://schemas.openxmlformats.org/drawingml/2006/chart" xmlns:dgm="http://schemas.openxmlformats.org/drawingml/2006/diagram" xmlns:o="urn:schemas-microsoft-com:office:office" xmlns:v="urn:schemas-microsoft-com:vml" xmlns:pvml="urn:schemas-microsoft-com:office:powerpoint" xmlns:com="http://schemas.openxmlformats.org/drawingml/2006/compatibility" xmlns:p14="http://schemas.microsoft.com/office/powerpoint/2010/main" xmlns:p15="http://schemas.microsoft.com/office/powerpoint/2012/main">
+<p:sld xmlns:a="http://schemas.openxmlformats.org/drawingml/2006/main" xmlns:r="http://schemas.openxmlformats.org/officeDocument/2006/relationships" xmlns:p="http://schemas.openxmlformats.org/presentationml/2006/main">
   <p:cSld>
     <p:spTree>
       <p:nvGrpSpPr>
-        <p:cNvPr id="169" name="Shape 169"/>
+        <p:cNvPr id="1" name="Shape 169"/>
         <p:cNvGrpSpPr/>
         <p:nvPr/>
       </p:nvGrpSpPr>
@@ -11673,7 +11739,9 @@
       <p:sp>
         <p:nvSpPr>
           <p:cNvPr id="170" name="Google Shape;170;p19"/>
-          <p:cNvSpPr txBox="1"/>
+          <p:cNvSpPr txBox="1">
+            <a:spLocks noGrp="1"/>
+          </p:cNvSpPr>
           <p:nvPr>
             <p:ph type="title"/>
           </p:nvPr>
@@ -11688,12 +11756,12 @@
           </a:prstGeom>
         </p:spPr>
         <p:txBody>
-          <a:bodyPr anchorCtr="0" anchor="t" bIns="91425" lIns="91425" spcFirstLastPara="1" rIns="91425" wrap="square" tIns="91425">
+          <a:bodyPr spcFirstLastPara="1" wrap="square" lIns="91425" tIns="91425" rIns="91425" bIns="91425" anchor="t" anchorCtr="0">
             <a:noAutofit/>
           </a:bodyPr>
           <a:lstStyle/>
           <a:p>
-            <a:pPr indent="0" lvl="0" marL="0" rtl="0" algn="l">
+            <a:pPr marL="0" lvl="0" indent="0" algn="l" rtl="0">
               <a:spcBef>
                 <a:spcPts val="0"/>
               </a:spcBef>
@@ -11709,7 +11777,7 @@
             <a:endParaRPr/>
           </a:p>
           <a:p>
-            <a:pPr indent="0" lvl="0" marL="0" rtl="0" algn="l">
+            <a:pPr marL="0" lvl="0" indent="0" algn="l" rtl="0">
               <a:spcBef>
                 <a:spcPts val="0"/>
               </a:spcBef>
@@ -11718,9 +11786,6 @@
               </a:spcAft>
               <a:buNone/>
             </a:pPr>
-            <a:r>
-              <a:t/>
-            </a:r>
             <a:endParaRPr/>
           </a:p>
         </p:txBody>
@@ -11728,9 +11793,11 @@
       <p:sp>
         <p:nvSpPr>
           <p:cNvPr id="171" name="Google Shape;171;p19"/>
-          <p:cNvSpPr txBox="1"/>
+          <p:cNvSpPr txBox="1">
+            <a:spLocks noGrp="1"/>
+          </p:cNvSpPr>
           <p:nvPr>
-            <p:ph idx="1" type="body"/>
+            <p:ph type="body" idx="1"/>
           </p:nvPr>
         </p:nvSpPr>
         <p:spPr>
@@ -11743,12 +11810,12 @@
           </a:prstGeom>
         </p:spPr>
         <p:txBody>
-          <a:bodyPr anchorCtr="0" anchor="t" bIns="91425" lIns="91425" spcFirstLastPara="1" rIns="91425" wrap="square" tIns="91425">
+          <a:bodyPr spcFirstLastPara="1" wrap="square" lIns="91425" tIns="91425" rIns="91425" bIns="91425" anchor="t" anchorCtr="0">
             <a:noAutofit/>
           </a:bodyPr>
           <a:lstStyle/>
           <a:p>
-            <a:pPr indent="-311150" lvl="0" marL="457200" rtl="0" algn="l">
+            <a:pPr marL="457200" lvl="0" indent="-311150" algn="l" rtl="0">
               <a:spcBef>
                 <a:spcPts val="0"/>
               </a:spcBef>
@@ -11765,7 +11832,7 @@
             <a:endParaRPr/>
           </a:p>
           <a:p>
-            <a:pPr indent="-298450" lvl="1" marL="914400" rtl="0" algn="l">
+            <a:pPr marL="914400" lvl="1" indent="-298450" algn="l" rtl="0">
               <a:spcBef>
                 <a:spcPts val="0"/>
               </a:spcBef>
@@ -11792,11 +11859,11 @@
 </file>
 
 <file path=ppt/slides/slide8.xml><?xml version="1.0" encoding="utf-8"?>
-<p:sld xmlns:a="http://schemas.openxmlformats.org/drawingml/2006/main" xmlns:r="http://schemas.openxmlformats.org/officeDocument/2006/relationships" xmlns:mc="http://schemas.openxmlformats.org/markup-compatibility/2006" xmlns:mv="urn:schemas-microsoft-com:mac:vml" xmlns:p="http://schemas.openxmlformats.org/presentationml/2006/main" xmlns:c="http://schemas.openxmlformats.org/drawingml/2006/chart" xmlns:dgm="http://schemas.openxmlformats.org/drawingml/2006/diagram" xmlns:o="urn:schemas-microsoft-com:office:office" xmlns:v="urn:schemas-microsoft-com:vml" xmlns:pvml="urn:schemas-microsoft-com:office:powerpoint" xmlns:com="http://schemas.openxmlformats.org/drawingml/2006/compatibility" xmlns:p14="http://schemas.microsoft.com/office/powerpoint/2010/main" xmlns:p15="http://schemas.microsoft.com/office/powerpoint/2012/main">
+<p:sld xmlns:a="http://schemas.openxmlformats.org/drawingml/2006/main" xmlns:r="http://schemas.openxmlformats.org/officeDocument/2006/relationships" xmlns:p="http://schemas.openxmlformats.org/presentationml/2006/main">
   <p:cSld>
     <p:spTree>
       <p:nvGrpSpPr>
-        <p:cNvPr id="175" name="Shape 175"/>
+        <p:cNvPr id="1" name="Shape 175"/>
         <p:cNvGrpSpPr/>
         <p:nvPr/>
       </p:nvGrpSpPr>
@@ -11811,7 +11878,9 @@
       <p:sp>
         <p:nvSpPr>
           <p:cNvPr id="176" name="Google Shape;176;p20"/>
-          <p:cNvSpPr txBox="1"/>
+          <p:cNvSpPr txBox="1">
+            <a:spLocks noGrp="1"/>
+          </p:cNvSpPr>
           <p:nvPr>
             <p:ph type="title"/>
           </p:nvPr>
@@ -11826,12 +11895,12 @@
           </a:prstGeom>
         </p:spPr>
         <p:txBody>
-          <a:bodyPr anchorCtr="0" anchor="t" bIns="91425" lIns="91425" spcFirstLastPara="1" rIns="91425" wrap="square" tIns="91425">
+          <a:bodyPr spcFirstLastPara="1" wrap="square" lIns="91425" tIns="91425" rIns="91425" bIns="91425" anchor="t" anchorCtr="0">
             <a:noAutofit/>
           </a:bodyPr>
           <a:lstStyle/>
           <a:p>
-            <a:pPr indent="0" lvl="0" marL="0" rtl="0" algn="l">
+            <a:pPr marL="0" lvl="0" indent="0" algn="l" rtl="0">
               <a:spcBef>
                 <a:spcPts val="0"/>
               </a:spcBef>
@@ -11851,9 +11920,11 @@
       <p:sp>
         <p:nvSpPr>
           <p:cNvPr id="177" name="Google Shape;177;p20"/>
-          <p:cNvSpPr txBox="1"/>
+          <p:cNvSpPr txBox="1">
+            <a:spLocks noGrp="1"/>
+          </p:cNvSpPr>
           <p:nvPr>
-            <p:ph idx="1" type="body"/>
+            <p:ph type="body" idx="1"/>
           </p:nvPr>
         </p:nvSpPr>
         <p:spPr>
@@ -11866,12 +11937,12 @@
           </a:prstGeom>
         </p:spPr>
         <p:txBody>
-          <a:bodyPr anchorCtr="0" anchor="t" bIns="91425" lIns="91425" spcFirstLastPara="1" rIns="91425" wrap="square" tIns="91425">
+          <a:bodyPr spcFirstLastPara="1" wrap="square" lIns="91425" tIns="91425" rIns="91425" bIns="91425" anchor="t" anchorCtr="0">
             <a:noAutofit/>
           </a:bodyPr>
           <a:lstStyle/>
           <a:p>
-            <a:pPr indent="-311150" lvl="0" marL="457200" rtl="0" algn="l">
+            <a:pPr marL="457200" lvl="0" indent="-311150" algn="l" rtl="0">
               <a:spcBef>
                 <a:spcPts val="0"/>
               </a:spcBef>
@@ -11888,7 +11959,7 @@
             <a:endParaRPr/>
           </a:p>
           <a:p>
-            <a:pPr indent="-311150" lvl="0" marL="457200" rtl="0" algn="l">
+            <a:pPr marL="457200" lvl="0" indent="-311150" algn="l" rtl="0">
               <a:spcBef>
                 <a:spcPts val="0"/>
               </a:spcBef>
@@ -11905,7 +11976,7 @@
             <a:endParaRPr/>
           </a:p>
           <a:p>
-            <a:pPr indent="-311150" lvl="0" marL="457200" rtl="0" algn="l">
+            <a:pPr marL="457200" lvl="0" indent="-311150" algn="l" rtl="0">
               <a:spcBef>
                 <a:spcPts val="0"/>
               </a:spcBef>
@@ -11922,7 +11993,7 @@
             <a:endParaRPr/>
           </a:p>
           <a:p>
-            <a:pPr indent="-311150" lvl="0" marL="457200" rtl="0" algn="l">
+            <a:pPr marL="457200" lvl="0" indent="-311150" algn="l" rtl="0">
               <a:spcBef>
                 <a:spcPts val="0"/>
               </a:spcBef>
@@ -11939,7 +12010,7 @@
             <a:endParaRPr/>
           </a:p>
           <a:p>
-            <a:pPr indent="-311150" lvl="0" marL="457200" rtl="0" algn="l">
+            <a:pPr marL="457200" lvl="0" indent="-311150" algn="l" rtl="0">
               <a:spcBef>
                 <a:spcPts val="0"/>
               </a:spcBef>
@@ -11966,11 +12037,11 @@
 </file>
 
 <file path=ppt/slides/slide9.xml><?xml version="1.0" encoding="utf-8"?>
-<p:sld xmlns:a="http://schemas.openxmlformats.org/drawingml/2006/main" xmlns:r="http://schemas.openxmlformats.org/officeDocument/2006/relationships" xmlns:mc="http://schemas.openxmlformats.org/markup-compatibility/2006" xmlns:mv="urn:schemas-microsoft-com:mac:vml" xmlns:p="http://schemas.openxmlformats.org/presentationml/2006/main" xmlns:c="http://schemas.openxmlformats.org/drawingml/2006/chart" xmlns:dgm="http://schemas.openxmlformats.org/drawingml/2006/diagram" xmlns:o="urn:schemas-microsoft-com:office:office" xmlns:v="urn:schemas-microsoft-com:vml" xmlns:pvml="urn:schemas-microsoft-com:office:powerpoint" xmlns:com="http://schemas.openxmlformats.org/drawingml/2006/compatibility" xmlns:p14="http://schemas.microsoft.com/office/powerpoint/2010/main" xmlns:p15="http://schemas.microsoft.com/office/powerpoint/2012/main">
+<p:sld xmlns:a="http://schemas.openxmlformats.org/drawingml/2006/main" xmlns:r="http://schemas.openxmlformats.org/officeDocument/2006/relationships" xmlns:p="http://schemas.openxmlformats.org/presentationml/2006/main">
   <p:cSld>
     <p:spTree>
       <p:nvGrpSpPr>
-        <p:cNvPr id="181" name="Shape 181"/>
+        <p:cNvPr id="1" name="Shape 181"/>
         <p:cNvGrpSpPr/>
         <p:nvPr/>
       </p:nvGrpSpPr>
@@ -11985,7 +12056,9 @@
       <p:sp>
         <p:nvSpPr>
           <p:cNvPr id="182" name="Google Shape;182;p21"/>
-          <p:cNvSpPr txBox="1"/>
+          <p:cNvSpPr txBox="1">
+            <a:spLocks noGrp="1"/>
+          </p:cNvSpPr>
           <p:nvPr>
             <p:ph type="title"/>
           </p:nvPr>
@@ -12000,12 +12073,12 @@
           </a:prstGeom>
         </p:spPr>
         <p:txBody>
-          <a:bodyPr anchorCtr="0" anchor="t" bIns="91425" lIns="91425" spcFirstLastPara="1" rIns="91425" wrap="square" tIns="91425">
+          <a:bodyPr spcFirstLastPara="1" wrap="square" lIns="91425" tIns="91425" rIns="91425" bIns="91425" anchor="t" anchorCtr="0">
             <a:noAutofit/>
           </a:bodyPr>
           <a:lstStyle/>
           <a:p>
-            <a:pPr indent="0" lvl="0" marL="0" rtl="0" algn="l">
+            <a:pPr marL="0" lvl="0" indent="0" algn="l" rtl="0">
               <a:spcBef>
                 <a:spcPts val="0"/>
               </a:spcBef>
@@ -12025,9 +12098,11 @@
       <p:sp>
         <p:nvSpPr>
           <p:cNvPr id="183" name="Google Shape;183;p21"/>
-          <p:cNvSpPr txBox="1"/>
+          <p:cNvSpPr txBox="1">
+            <a:spLocks noGrp="1"/>
+          </p:cNvSpPr>
           <p:nvPr>
-            <p:ph idx="1" type="body"/>
+            <p:ph type="body" idx="1"/>
           </p:nvPr>
         </p:nvSpPr>
         <p:spPr>
@@ -12040,12 +12115,12 @@
           </a:prstGeom>
         </p:spPr>
         <p:txBody>
-          <a:bodyPr anchorCtr="0" anchor="t" bIns="91425" lIns="91425" spcFirstLastPara="1" rIns="91425" wrap="square" tIns="91425">
+          <a:bodyPr spcFirstLastPara="1" wrap="square" lIns="91425" tIns="91425" rIns="91425" bIns="91425" anchor="t" anchorCtr="0">
             <a:noAutofit/>
           </a:bodyPr>
           <a:lstStyle/>
           <a:p>
-            <a:pPr indent="-311150" lvl="0" marL="457200" rtl="0" algn="l">
+            <a:pPr marL="457200" lvl="0" indent="-311150" algn="l" rtl="0">
               <a:spcBef>
                 <a:spcPts val="0"/>
               </a:spcBef>
@@ -12062,7 +12137,7 @@
             <a:endParaRPr/>
           </a:p>
           <a:p>
-            <a:pPr indent="-311150" lvl="0" marL="457200" rtl="0" algn="l">
+            <a:pPr marL="457200" lvl="0" indent="-311150" algn="l" rtl="0">
               <a:spcBef>
                 <a:spcPts val="0"/>
               </a:spcBef>
@@ -12079,7 +12154,7 @@
             <a:endParaRPr/>
           </a:p>
           <a:p>
-            <a:pPr indent="-311150" lvl="0" marL="457200" rtl="0" algn="l">
+            <a:pPr marL="457200" lvl="0" indent="-311150" algn="l" rtl="0">
               <a:spcBef>
                 <a:spcPts val="0"/>
               </a:spcBef>
@@ -12096,7 +12171,7 @@
             <a:endParaRPr/>
           </a:p>
           <a:p>
-            <a:pPr indent="-298450" lvl="1" marL="914400" rtl="0" algn="l">
+            <a:pPr marL="914400" lvl="1" indent="-298450" algn="l" rtl="0">
               <a:spcBef>
                 <a:spcPts val="0"/>
               </a:spcBef>
@@ -12113,7 +12188,7 @@
             <a:endParaRPr/>
           </a:p>
           <a:p>
-            <a:pPr indent="-298450" lvl="1" marL="914400" rtl="0" algn="l">
+            <a:pPr marL="914400" lvl="1" indent="-298450" algn="l" rtl="0">
               <a:spcBef>
                 <a:spcPts val="0"/>
               </a:spcBef>
@@ -12130,7 +12205,7 @@
             <a:endParaRPr/>
           </a:p>
           <a:p>
-            <a:pPr indent="-298450" lvl="1" marL="914400" rtl="0" algn="l">
+            <a:pPr marL="914400" lvl="1" indent="-298450" algn="l" rtl="0">
               <a:spcBef>
                 <a:spcPts val="0"/>
               </a:spcBef>
@@ -12157,7 +12232,288 @@
 </file>
 
 <file path=ppt/theme/theme1.xml><?xml version="1.0" encoding="utf-8"?>
-<a:theme xmlns:a="http://schemas.openxmlformats.org/drawingml/2006/main" xmlns:r="http://schemas.openxmlformats.org/officeDocument/2006/relationships">
+<a:theme xmlns:a="http://schemas.openxmlformats.org/drawingml/2006/main" name="Focus">
+  <a:themeElements>
+    <a:clrScheme name="Focus">
+      <a:dk1>
+        <a:srgbClr val="1B212C"/>
+      </a:dk1>
+      <a:lt1>
+        <a:srgbClr val="FFFFFF"/>
+      </a:lt1>
+      <a:dk2>
+        <a:srgbClr val="D9D9D9"/>
+      </a:dk2>
+      <a:lt2>
+        <a:srgbClr val="82C7A5"/>
+      </a:lt2>
+      <a:accent1>
+        <a:srgbClr val="0145AC"/>
+      </a:accent1>
+      <a:accent2>
+        <a:srgbClr val="EECE1A"/>
+      </a:accent2>
+      <a:accent3>
+        <a:srgbClr val="4E5567"/>
+      </a:accent3>
+      <a:accent4>
+        <a:srgbClr val="F4D6AD"/>
+      </a:accent4>
+      <a:accent5>
+        <a:srgbClr val="7890CD"/>
+      </a:accent5>
+      <a:accent6>
+        <a:srgbClr val="F15E22"/>
+      </a:accent6>
+      <a:hlink>
+        <a:srgbClr val="7890CD"/>
+      </a:hlink>
+      <a:folHlink>
+        <a:srgbClr val="7890CD"/>
+      </a:folHlink>
+    </a:clrScheme>
+    <a:fontScheme name="Office">
+      <a:majorFont>
+        <a:latin typeface="Arial"/>
+        <a:ea typeface=""/>
+        <a:cs typeface=""/>
+        <a:font script="Jpan" typeface="ＭＳ Ｐゴシック"/>
+        <a:font script="Hang" typeface="맑은 고딕"/>
+        <a:font script="Hans" typeface="宋体"/>
+        <a:font script="Hant" typeface="新細明體"/>
+        <a:font script="Arab" typeface="Times New Roman"/>
+        <a:font script="Hebr" typeface="Times New Roman"/>
+        <a:font script="Thai" typeface="Angsana New"/>
+        <a:font script="Ethi" typeface="Nyala"/>
+        <a:font script="Beng" typeface="Vrinda"/>
+        <a:font script="Gujr" typeface="Shruti"/>
+        <a:font script="Khmr" typeface="MoolBoran"/>
+        <a:font script="Knda" typeface="Tunga"/>
+        <a:font script="Guru" typeface="Raavi"/>
+        <a:font script="Cans" typeface="Euphemia"/>
+        <a:font script="Cher" typeface="Plantagenet Cherokee"/>
+        <a:font script="Yiii" typeface="Microsoft Yi Baiti"/>
+        <a:font script="Tibt" typeface="Microsoft Himalaya"/>
+        <a:font script="Thaa" typeface="MV Boli"/>
+        <a:font script="Deva" typeface="Mangal"/>
+        <a:font script="Telu" typeface="Gautami"/>
+        <a:font script="Taml" typeface="Latha"/>
+        <a:font script="Syrc" typeface="Estrangelo Edessa"/>
+        <a:font script="Orya" typeface="Kalinga"/>
+        <a:font script="Mlym" typeface="Kartika"/>
+        <a:font script="Laoo" typeface="DokChampa"/>
+        <a:font script="Sinh" typeface="Iskoola Pota"/>
+        <a:font script="Mong" typeface="Mongolian Baiti"/>
+        <a:font script="Viet" typeface="Times New Roman"/>
+        <a:font script="Uigh" typeface="Microsoft Uighur"/>
+        <a:font script="Geor" typeface="Sylfaen"/>
+      </a:majorFont>
+      <a:minorFont>
+        <a:latin typeface="Arial"/>
+        <a:ea typeface=""/>
+        <a:cs typeface=""/>
+        <a:font script="Jpan" typeface="ＭＳ Ｐゴシック"/>
+        <a:font script="Hang" typeface="맑은 고딕"/>
+        <a:font script="Hans" typeface="宋体"/>
+        <a:font script="Hant" typeface="新細明體"/>
+        <a:font script="Arab" typeface="Arial"/>
+        <a:font script="Hebr" typeface="Arial"/>
+        <a:font script="Thai" typeface="Cordia New"/>
+        <a:font script="Ethi" typeface="Nyala"/>
+        <a:font script="Beng" typeface="Vrinda"/>
+        <a:font script="Gujr" typeface="Shruti"/>
+        <a:font script="Khmr" typeface="DaunPenh"/>
+        <a:font script="Knda" typeface="Tunga"/>
+        <a:font script="Guru" typeface="Raavi"/>
+        <a:font script="Cans" typeface="Euphemia"/>
+        <a:font script="Cher" typeface="Plantagenet Cherokee"/>
+        <a:font script="Yiii" typeface="Microsoft Yi Baiti"/>
+        <a:font script="Tibt" typeface="Microsoft Himalaya"/>
+        <a:font script="Thaa" typeface="MV Boli"/>
+        <a:font script="Deva" typeface="Mangal"/>
+        <a:font script="Telu" typeface="Gautami"/>
+        <a:font script="Taml" typeface="Latha"/>
+        <a:font script="Syrc" typeface="Estrangelo Edessa"/>
+        <a:font script="Orya" typeface="Kalinga"/>
+        <a:font script="Mlym" typeface="Kartika"/>
+        <a:font script="Laoo" typeface="DokChampa"/>
+        <a:font script="Sinh" typeface="Iskoola Pota"/>
+        <a:font script="Mong" typeface="Mongolian Baiti"/>
+        <a:font script="Viet" typeface="Arial"/>
+        <a:font script="Uigh" typeface="Microsoft Uighur"/>
+        <a:font script="Geor" typeface="Sylfaen"/>
+      </a:minorFont>
+    </a:fontScheme>
+    <a:fmtScheme name="Office">
+      <a:fillStyleLst>
+        <a:solidFill>
+          <a:schemeClr val="phClr"/>
+        </a:solidFill>
+        <a:gradFill rotWithShape="1">
+          <a:gsLst>
+            <a:gs pos="0">
+              <a:schemeClr val="phClr">
+                <a:tint val="50000"/>
+                <a:satMod val="300000"/>
+              </a:schemeClr>
+            </a:gs>
+            <a:gs pos="35000">
+              <a:schemeClr val="phClr">
+                <a:tint val="37000"/>
+                <a:satMod val="300000"/>
+              </a:schemeClr>
+            </a:gs>
+            <a:gs pos="100000">
+              <a:schemeClr val="phClr">
+                <a:tint val="15000"/>
+                <a:satMod val="350000"/>
+              </a:schemeClr>
+            </a:gs>
+          </a:gsLst>
+          <a:lin ang="16200000" scaled="1"/>
+        </a:gradFill>
+        <a:gradFill rotWithShape="1">
+          <a:gsLst>
+            <a:gs pos="0">
+              <a:schemeClr val="phClr">
+                <a:tint val="100000"/>
+                <a:shade val="100000"/>
+                <a:satMod val="130000"/>
+              </a:schemeClr>
+            </a:gs>
+            <a:gs pos="100000">
+              <a:schemeClr val="phClr">
+                <a:tint val="50000"/>
+                <a:shade val="100000"/>
+                <a:satMod val="350000"/>
+              </a:schemeClr>
+            </a:gs>
+          </a:gsLst>
+          <a:lin ang="16200000" scaled="0"/>
+        </a:gradFill>
+      </a:fillStyleLst>
+      <a:lnStyleLst>
+        <a:ln w="9525" cap="flat" cmpd="sng" algn="ctr">
+          <a:solidFill>
+            <a:schemeClr val="phClr">
+              <a:shade val="95000"/>
+              <a:satMod val="105000"/>
+            </a:schemeClr>
+          </a:solidFill>
+          <a:prstDash val="solid"/>
+        </a:ln>
+        <a:ln w="25400" cap="flat" cmpd="sng" algn="ctr">
+          <a:solidFill>
+            <a:schemeClr val="phClr"/>
+          </a:solidFill>
+          <a:prstDash val="solid"/>
+        </a:ln>
+        <a:ln w="38100" cap="flat" cmpd="sng" algn="ctr">
+          <a:solidFill>
+            <a:schemeClr val="phClr"/>
+          </a:solidFill>
+          <a:prstDash val="solid"/>
+        </a:ln>
+      </a:lnStyleLst>
+      <a:effectStyleLst>
+        <a:effectStyle>
+          <a:effectLst>
+            <a:outerShdw blurRad="40000" dist="20000" dir="5400000" rotWithShape="0">
+              <a:srgbClr val="000000">
+                <a:alpha val="38000"/>
+              </a:srgbClr>
+            </a:outerShdw>
+          </a:effectLst>
+        </a:effectStyle>
+        <a:effectStyle>
+          <a:effectLst>
+            <a:outerShdw blurRad="40000" dist="23000" dir="5400000" rotWithShape="0">
+              <a:srgbClr val="000000">
+                <a:alpha val="35000"/>
+              </a:srgbClr>
+            </a:outerShdw>
+          </a:effectLst>
+        </a:effectStyle>
+        <a:effectStyle>
+          <a:effectLst>
+            <a:outerShdw blurRad="40000" dist="23000" dir="5400000" rotWithShape="0">
+              <a:srgbClr val="000000">
+                <a:alpha val="35000"/>
+              </a:srgbClr>
+            </a:outerShdw>
+          </a:effectLst>
+          <a:scene3d>
+            <a:camera prst="orthographicFront">
+              <a:rot lat="0" lon="0" rev="0"/>
+            </a:camera>
+            <a:lightRig rig="threePt" dir="t">
+              <a:rot lat="0" lon="0" rev="1200000"/>
+            </a:lightRig>
+          </a:scene3d>
+          <a:sp3d>
+            <a:bevelT w="63500" h="25400"/>
+          </a:sp3d>
+        </a:effectStyle>
+      </a:effectStyleLst>
+      <a:bgFillStyleLst>
+        <a:solidFill>
+          <a:schemeClr val="phClr"/>
+        </a:solidFill>
+        <a:gradFill rotWithShape="1">
+          <a:gsLst>
+            <a:gs pos="0">
+              <a:schemeClr val="phClr">
+                <a:tint val="40000"/>
+                <a:satMod val="350000"/>
+              </a:schemeClr>
+            </a:gs>
+            <a:gs pos="40000">
+              <a:schemeClr val="phClr">
+                <a:tint val="45000"/>
+                <a:shade val="99000"/>
+                <a:satMod val="350000"/>
+              </a:schemeClr>
+            </a:gs>
+            <a:gs pos="100000">
+              <a:schemeClr val="phClr">
+                <a:shade val="20000"/>
+                <a:satMod val="255000"/>
+              </a:schemeClr>
+            </a:gs>
+          </a:gsLst>
+          <a:path path="circle">
+            <a:fillToRect l="50000" t="-80000" r="50000" b="180000"/>
+          </a:path>
+        </a:gradFill>
+        <a:gradFill rotWithShape="1">
+          <a:gsLst>
+            <a:gs pos="0">
+              <a:schemeClr val="phClr">
+                <a:tint val="80000"/>
+                <a:satMod val="300000"/>
+              </a:schemeClr>
+            </a:gs>
+            <a:gs pos="100000">
+              <a:schemeClr val="phClr">
+                <a:shade val="30000"/>
+                <a:satMod val="200000"/>
+              </a:schemeClr>
+            </a:gs>
+          </a:gsLst>
+          <a:path path="circle">
+            <a:fillToRect l="50000" t="50000" r="50000" b="50000"/>
+          </a:path>
+        </a:gradFill>
+      </a:bgFillStyleLst>
+    </a:fmtScheme>
+  </a:themeElements>
+  <a:objectDefaults/>
+  <a:extraClrSchemeLst/>
+</a:theme>
+</file>
+
+<file path=ppt/theme/theme2.xml><?xml version="1.0" encoding="utf-8"?>
+<a:theme xmlns:a="http://schemas.openxmlformats.org/drawingml/2006/main">
   <a:themeElements>
     <a:clrScheme name="Default">
       <a:dk1>
@@ -12432,284 +12788,7 @@
       </a:bgFillStyleLst>
     </a:fmtScheme>
   </a:themeElements>
-</a:theme>
-</file>
-
-<file path=ppt/theme/theme2.xml><?xml version="1.0" encoding="utf-8"?>
-<a:theme xmlns:a="http://schemas.openxmlformats.org/drawingml/2006/main" xmlns:r="http://schemas.openxmlformats.org/officeDocument/2006/relationships" name="Focus">
-  <a:themeElements>
-    <a:clrScheme name="Focus">
-      <a:dk1>
-        <a:srgbClr val="1B212C"/>
-      </a:dk1>
-      <a:lt1>
-        <a:srgbClr val="FFFFFF"/>
-      </a:lt1>
-      <a:dk2>
-        <a:srgbClr val="D9D9D9"/>
-      </a:dk2>
-      <a:lt2>
-        <a:srgbClr val="82C7A5"/>
-      </a:lt2>
-      <a:accent1>
-        <a:srgbClr val="0145AC"/>
-      </a:accent1>
-      <a:accent2>
-        <a:srgbClr val="EECE1A"/>
-      </a:accent2>
-      <a:accent3>
-        <a:srgbClr val="4E5567"/>
-      </a:accent3>
-      <a:accent4>
-        <a:srgbClr val="F4D6AD"/>
-      </a:accent4>
-      <a:accent5>
-        <a:srgbClr val="7890CD"/>
-      </a:accent5>
-      <a:accent6>
-        <a:srgbClr val="F15E22"/>
-      </a:accent6>
-      <a:hlink>
-        <a:srgbClr val="7890CD"/>
-      </a:hlink>
-      <a:folHlink>
-        <a:srgbClr val="7890CD"/>
-      </a:folHlink>
-    </a:clrScheme>
-    <a:fontScheme name="Office">
-      <a:majorFont>
-        <a:latin typeface="Arial"/>
-        <a:ea typeface=""/>
-        <a:cs typeface=""/>
-        <a:font script="Jpan" typeface="ＭＳ Ｐゴシック"/>
-        <a:font script="Hang" typeface="맑은 고딕"/>
-        <a:font script="Hans" typeface="宋体"/>
-        <a:font script="Hant" typeface="新細明體"/>
-        <a:font script="Arab" typeface="Times New Roman"/>
-        <a:font script="Hebr" typeface="Times New Roman"/>
-        <a:font script="Thai" typeface="Angsana New"/>
-        <a:font script="Ethi" typeface="Nyala"/>
-        <a:font script="Beng" typeface="Vrinda"/>
-        <a:font script="Gujr" typeface="Shruti"/>
-        <a:font script="Khmr" typeface="MoolBoran"/>
-        <a:font script="Knda" typeface="Tunga"/>
-        <a:font script="Guru" typeface="Raavi"/>
-        <a:font script="Cans" typeface="Euphemia"/>
-        <a:font script="Cher" typeface="Plantagenet Cherokee"/>
-        <a:font script="Yiii" typeface="Microsoft Yi Baiti"/>
-        <a:font script="Tibt" typeface="Microsoft Himalaya"/>
-        <a:font script="Thaa" typeface="MV Boli"/>
-        <a:font script="Deva" typeface="Mangal"/>
-        <a:font script="Telu" typeface="Gautami"/>
-        <a:font script="Taml" typeface="Latha"/>
-        <a:font script="Syrc" typeface="Estrangelo Edessa"/>
-        <a:font script="Orya" typeface="Kalinga"/>
-        <a:font script="Mlym" typeface="Kartika"/>
-        <a:font script="Laoo" typeface="DokChampa"/>
-        <a:font script="Sinh" typeface="Iskoola Pota"/>
-        <a:font script="Mong" typeface="Mongolian Baiti"/>
-        <a:font script="Viet" typeface="Times New Roman"/>
-        <a:font script="Uigh" typeface="Microsoft Uighur"/>
-        <a:font script="Geor" typeface="Sylfaen"/>
-      </a:majorFont>
-      <a:minorFont>
-        <a:latin typeface="Arial"/>
-        <a:ea typeface=""/>
-        <a:cs typeface=""/>
-        <a:font script="Jpan" typeface="ＭＳ Ｐゴシック"/>
-        <a:font script="Hang" typeface="맑은 고딕"/>
-        <a:font script="Hans" typeface="宋体"/>
-        <a:font script="Hant" typeface="新細明體"/>
-        <a:font script="Arab" typeface="Arial"/>
-        <a:font script="Hebr" typeface="Arial"/>
-        <a:font script="Thai" typeface="Cordia New"/>
-        <a:font script="Ethi" typeface="Nyala"/>
-        <a:font script="Beng" typeface="Vrinda"/>
-        <a:font script="Gujr" typeface="Shruti"/>
-        <a:font script="Khmr" typeface="DaunPenh"/>
-        <a:font script="Knda" typeface="Tunga"/>
-        <a:font script="Guru" typeface="Raavi"/>
-        <a:font script="Cans" typeface="Euphemia"/>
-        <a:font script="Cher" typeface="Plantagenet Cherokee"/>
-        <a:font script="Yiii" typeface="Microsoft Yi Baiti"/>
-        <a:font script="Tibt" typeface="Microsoft Himalaya"/>
-        <a:font script="Thaa" typeface="MV Boli"/>
-        <a:font script="Deva" typeface="Mangal"/>
-        <a:font script="Telu" typeface="Gautami"/>
-        <a:font script="Taml" typeface="Latha"/>
-        <a:font script="Syrc" typeface="Estrangelo Edessa"/>
-        <a:font script="Orya" typeface="Kalinga"/>
-        <a:font script="Mlym" typeface="Kartika"/>
-        <a:font script="Laoo" typeface="DokChampa"/>
-        <a:font script="Sinh" typeface="Iskoola Pota"/>
-        <a:font script="Mong" typeface="Mongolian Baiti"/>
-        <a:font script="Viet" typeface="Arial"/>
-        <a:font script="Uigh" typeface="Microsoft Uighur"/>
-        <a:font script="Geor" typeface="Sylfaen"/>
-      </a:minorFont>
-    </a:fontScheme>
-    <a:fmtScheme name="Office">
-      <a:fillStyleLst>
-        <a:solidFill>
-          <a:schemeClr val="phClr"/>
-        </a:solidFill>
-        <a:gradFill rotWithShape="1">
-          <a:gsLst>
-            <a:gs pos="0">
-              <a:schemeClr val="phClr">
-                <a:tint val="50000"/>
-                <a:satMod val="300000"/>
-              </a:schemeClr>
-            </a:gs>
-            <a:gs pos="35000">
-              <a:schemeClr val="phClr">
-                <a:tint val="37000"/>
-                <a:satMod val="300000"/>
-              </a:schemeClr>
-            </a:gs>
-            <a:gs pos="100000">
-              <a:schemeClr val="phClr">
-                <a:tint val="15000"/>
-                <a:satMod val="350000"/>
-              </a:schemeClr>
-            </a:gs>
-          </a:gsLst>
-          <a:lin ang="16200000" scaled="1"/>
-        </a:gradFill>
-        <a:gradFill rotWithShape="1">
-          <a:gsLst>
-            <a:gs pos="0">
-              <a:schemeClr val="phClr">
-                <a:tint val="100000"/>
-                <a:shade val="100000"/>
-                <a:satMod val="130000"/>
-              </a:schemeClr>
-            </a:gs>
-            <a:gs pos="100000">
-              <a:schemeClr val="phClr">
-                <a:tint val="50000"/>
-                <a:shade val="100000"/>
-                <a:satMod val="350000"/>
-              </a:schemeClr>
-            </a:gs>
-          </a:gsLst>
-          <a:lin ang="16200000" scaled="0"/>
-        </a:gradFill>
-      </a:fillStyleLst>
-      <a:lnStyleLst>
-        <a:ln w="9525" cap="flat" cmpd="sng" algn="ctr">
-          <a:solidFill>
-            <a:schemeClr val="phClr">
-              <a:shade val="95000"/>
-              <a:satMod val="105000"/>
-            </a:schemeClr>
-          </a:solidFill>
-          <a:prstDash val="solid"/>
-        </a:ln>
-        <a:ln w="25400" cap="flat" cmpd="sng" algn="ctr">
-          <a:solidFill>
-            <a:schemeClr val="phClr"/>
-          </a:solidFill>
-          <a:prstDash val="solid"/>
-        </a:ln>
-        <a:ln w="38100" cap="flat" cmpd="sng" algn="ctr">
-          <a:solidFill>
-            <a:schemeClr val="phClr"/>
-          </a:solidFill>
-          <a:prstDash val="solid"/>
-        </a:ln>
-      </a:lnStyleLst>
-      <a:effectStyleLst>
-        <a:effectStyle>
-          <a:effectLst>
-            <a:outerShdw blurRad="40000" dist="20000" dir="5400000" rotWithShape="0">
-              <a:srgbClr val="000000">
-                <a:alpha val="38000"/>
-              </a:srgbClr>
-            </a:outerShdw>
-          </a:effectLst>
-        </a:effectStyle>
-        <a:effectStyle>
-          <a:effectLst>
-            <a:outerShdw blurRad="40000" dist="23000" dir="5400000" rotWithShape="0">
-              <a:srgbClr val="000000">
-                <a:alpha val="35000"/>
-              </a:srgbClr>
-            </a:outerShdw>
-          </a:effectLst>
-        </a:effectStyle>
-        <a:effectStyle>
-          <a:effectLst>
-            <a:outerShdw blurRad="40000" dist="23000" dir="5400000" rotWithShape="0">
-              <a:srgbClr val="000000">
-                <a:alpha val="35000"/>
-              </a:srgbClr>
-            </a:outerShdw>
-          </a:effectLst>
-          <a:scene3d>
-            <a:camera prst="orthographicFront">
-              <a:rot lat="0" lon="0" rev="0"/>
-            </a:camera>
-            <a:lightRig rig="threePt" dir="t">
-              <a:rot lat="0" lon="0" rev="1200000"/>
-            </a:lightRig>
-          </a:scene3d>
-          <a:sp3d>
-            <a:bevelT w="63500" h="25400"/>
-          </a:sp3d>
-        </a:effectStyle>
-      </a:effectStyleLst>
-      <a:bgFillStyleLst>
-        <a:solidFill>
-          <a:schemeClr val="phClr"/>
-        </a:solidFill>
-        <a:gradFill rotWithShape="1">
-          <a:gsLst>
-            <a:gs pos="0">
-              <a:schemeClr val="phClr">
-                <a:tint val="40000"/>
-                <a:satMod val="350000"/>
-              </a:schemeClr>
-            </a:gs>
-            <a:gs pos="40000">
-              <a:schemeClr val="phClr">
-                <a:tint val="45000"/>
-                <a:shade val="99000"/>
-                <a:satMod val="350000"/>
-              </a:schemeClr>
-            </a:gs>
-            <a:gs pos="100000">
-              <a:schemeClr val="phClr">
-                <a:shade val="20000"/>
-                <a:satMod val="255000"/>
-              </a:schemeClr>
-            </a:gs>
-          </a:gsLst>
-          <a:path path="circle">
-            <a:fillToRect l="50000" t="-80000" r="50000" b="180000"/>
-          </a:path>
-        </a:gradFill>
-        <a:gradFill rotWithShape="1">
-          <a:gsLst>
-            <a:gs pos="0">
-              <a:schemeClr val="phClr">
-                <a:tint val="80000"/>
-                <a:satMod val="300000"/>
-              </a:schemeClr>
-            </a:gs>
-            <a:gs pos="100000">
-              <a:schemeClr val="phClr">
-                <a:shade val="30000"/>
-                <a:satMod val="200000"/>
-              </a:schemeClr>
-            </a:gs>
-          </a:gsLst>
-          <a:path path="circle">
-            <a:fillToRect l="50000" t="50000" r="50000" b="50000"/>
-          </a:path>
-        </a:gradFill>
-      </a:bgFillStyleLst>
-    </a:fmtScheme>
-  </a:themeElements>
+  <a:objectDefaults/>
+  <a:extraClrSchemeLst/>
 </a:theme>
 </file>